--- a/docs/ppt/nop-report.pptx
+++ b/docs/ppt/nop-report.pptx
@@ -11,8 +11,8 @@
     <p:sldId id="291" r:id="rId5"/>
     <p:sldId id="293" r:id="rId6"/>
     <p:sldId id="294" r:id="rId7"/>
-    <p:sldId id="295" r:id="rId8"/>
-    <p:sldId id="296" r:id="rId9"/>
+    <p:sldId id="296" r:id="rId8"/>
+    <p:sldId id="295" r:id="rId9"/>
     <p:sldId id="292" r:id="rId10"/>
   </p:sldIdLst>
   <p:sldSz cx="12192000" cy="6858000"/>
@@ -279,7 +279,7 @@
           <a:p>
             <a:fld id="{781BEADB-AF5A-4392-865E-B1E711821C65}" type="datetimeFigureOut">
               <a:rPr lang="zh-CN" altLang="en-US" smtClean="0"/>
-              <a:t>2023/10/22</a:t>
+              <a:t>2023/10/24</a:t>
             </a:fld>
             <a:endParaRPr lang="zh-CN" altLang="en-US"/>
           </a:p>
@@ -477,7 +477,7 @@
           <a:p>
             <a:fld id="{781BEADB-AF5A-4392-865E-B1E711821C65}" type="datetimeFigureOut">
               <a:rPr lang="zh-CN" altLang="en-US" smtClean="0"/>
-              <a:t>2023/10/22</a:t>
+              <a:t>2023/10/24</a:t>
             </a:fld>
             <a:endParaRPr lang="zh-CN" altLang="en-US"/>
           </a:p>
@@ -685,7 +685,7 @@
           <a:p>
             <a:fld id="{781BEADB-AF5A-4392-865E-B1E711821C65}" type="datetimeFigureOut">
               <a:rPr lang="zh-CN" altLang="en-US" smtClean="0"/>
-              <a:t>2023/10/22</a:t>
+              <a:t>2023/10/24</a:t>
             </a:fld>
             <a:endParaRPr lang="zh-CN" altLang="en-US"/>
           </a:p>
@@ -883,7 +883,7 @@
           <a:p>
             <a:fld id="{781BEADB-AF5A-4392-865E-B1E711821C65}" type="datetimeFigureOut">
               <a:rPr lang="zh-CN" altLang="en-US" smtClean="0"/>
-              <a:t>2023/10/22</a:t>
+              <a:t>2023/10/24</a:t>
             </a:fld>
             <a:endParaRPr lang="zh-CN" altLang="en-US"/>
           </a:p>
@@ -1158,7 +1158,7 @@
           <a:p>
             <a:fld id="{781BEADB-AF5A-4392-865E-B1E711821C65}" type="datetimeFigureOut">
               <a:rPr lang="zh-CN" altLang="en-US" smtClean="0"/>
-              <a:t>2023/10/22</a:t>
+              <a:t>2023/10/24</a:t>
             </a:fld>
             <a:endParaRPr lang="zh-CN" altLang="en-US"/>
           </a:p>
@@ -1423,7 +1423,7 @@
           <a:p>
             <a:fld id="{781BEADB-AF5A-4392-865E-B1E711821C65}" type="datetimeFigureOut">
               <a:rPr lang="zh-CN" altLang="en-US" smtClean="0"/>
-              <a:t>2023/10/22</a:t>
+              <a:t>2023/10/24</a:t>
             </a:fld>
             <a:endParaRPr lang="zh-CN" altLang="en-US"/>
           </a:p>
@@ -1835,7 +1835,7 @@
           <a:p>
             <a:fld id="{781BEADB-AF5A-4392-865E-B1E711821C65}" type="datetimeFigureOut">
               <a:rPr lang="zh-CN" altLang="en-US" smtClean="0"/>
-              <a:t>2023/10/22</a:t>
+              <a:t>2023/10/24</a:t>
             </a:fld>
             <a:endParaRPr lang="zh-CN" altLang="en-US"/>
           </a:p>
@@ -1976,7 +1976,7 @@
           <a:p>
             <a:fld id="{781BEADB-AF5A-4392-865E-B1E711821C65}" type="datetimeFigureOut">
               <a:rPr lang="zh-CN" altLang="en-US" smtClean="0"/>
-              <a:t>2023/10/22</a:t>
+              <a:t>2023/10/24</a:t>
             </a:fld>
             <a:endParaRPr lang="zh-CN" altLang="en-US"/>
           </a:p>
@@ -2089,7 +2089,7 @@
           <a:p>
             <a:fld id="{781BEADB-AF5A-4392-865E-B1E711821C65}" type="datetimeFigureOut">
               <a:rPr lang="zh-CN" altLang="en-US" smtClean="0"/>
-              <a:t>2023/10/22</a:t>
+              <a:t>2023/10/24</a:t>
             </a:fld>
             <a:endParaRPr lang="zh-CN" altLang="en-US"/>
           </a:p>
@@ -2400,7 +2400,7 @@
           <a:p>
             <a:fld id="{781BEADB-AF5A-4392-865E-B1E711821C65}" type="datetimeFigureOut">
               <a:rPr lang="zh-CN" altLang="en-US" smtClean="0"/>
-              <a:t>2023/10/22</a:t>
+              <a:t>2023/10/24</a:t>
             </a:fld>
             <a:endParaRPr lang="zh-CN" altLang="en-US"/>
           </a:p>
@@ -2688,7 +2688,7 @@
           <a:p>
             <a:fld id="{781BEADB-AF5A-4392-865E-B1E711821C65}" type="datetimeFigureOut">
               <a:rPr lang="zh-CN" altLang="en-US" smtClean="0"/>
-              <a:t>2023/10/22</a:t>
+              <a:t>2023/10/24</a:t>
             </a:fld>
             <a:endParaRPr lang="zh-CN" altLang="en-US"/>
           </a:p>
@@ -2929,7 +2929,7 @@
           <a:p>
             <a:fld id="{781BEADB-AF5A-4392-865E-B1E711821C65}" type="datetimeFigureOut">
               <a:rPr lang="zh-CN" altLang="en-US" smtClean="0"/>
-              <a:t>2023/10/22</a:t>
+              <a:t>2023/10/24</a:t>
             </a:fld>
             <a:endParaRPr lang="zh-CN" altLang="en-US"/>
           </a:p>
@@ -4525,22 +4525,54 @@
           <a:lstStyle/>
           <a:p>
             <a:r>
-              <a:rPr lang="en-US" altLang="zh-CN" b="1" dirty="0"/>
-              <a:t>ORM</a:t>
-            </a:r>
-            <a:r>
               <a:rPr lang="zh-CN" altLang="en-US" b="1" dirty="0"/>
-              <a:t>引擎的独特价值</a:t>
-            </a:r>
-          </a:p>
-        </p:txBody>
-      </p:sp>
-      <p:sp>
-        <p:nvSpPr>
-          <p:cNvPr id="9" name="文本框 8">
-            <a:extLst>
-              <a:ext uri="{FF2B5EF4-FFF2-40B4-BE49-F238E27FC236}">
-                <a16:creationId xmlns:a16="http://schemas.microsoft.com/office/drawing/2014/main" id="{540A60B3-93A5-7288-4BDF-50258236F659}"/>
+              <a:t>非线性中国式报表模型</a:t>
+            </a:r>
+          </a:p>
+        </p:txBody>
+      </p:sp>
+      <p:pic>
+        <p:nvPicPr>
+          <p:cNvPr id="7" name="Picture 6" descr="A blue and white book cover&#10;&#10;Description automatically generated">
+            <a:extLst>
+              <a:ext uri="{FF2B5EF4-FFF2-40B4-BE49-F238E27FC236}">
+                <a16:creationId xmlns:a16="http://schemas.microsoft.com/office/drawing/2014/main" id="{F087BE0E-811F-C0DA-07BC-5C8B8D7DF494}"/>
+              </a:ext>
+            </a:extLst>
+          </p:cNvPr>
+          <p:cNvPicPr>
+            <a:picLocks noChangeAspect="1"/>
+          </p:cNvPicPr>
+          <p:nvPr/>
+        </p:nvPicPr>
+        <p:blipFill>
+          <a:blip r:embed="rId2">
+            <a:extLst>
+              <a:ext uri="{28A0092B-C50C-407E-A947-70E740481C1C}">
+                <a14:useLocalDpi xmlns:a14="http://schemas.microsoft.com/office/drawing/2010/main" val="0"/>
+              </a:ext>
+            </a:extLst>
+          </a:blip>
+          <a:stretch>
+            <a:fillRect/>
+          </a:stretch>
+        </p:blipFill>
+        <p:spPr>
+          <a:xfrm>
+            <a:off x="928188" y="1982518"/>
+            <a:ext cx="2602769" cy="3786302"/>
+          </a:xfrm>
+          <a:prstGeom prst="rect">
+            <a:avLst/>
+          </a:prstGeom>
+        </p:spPr>
+      </p:pic>
+      <p:sp>
+        <p:nvSpPr>
+          <p:cNvPr id="12" name="TextBox 11">
+            <a:extLst>
+              <a:ext uri="{FF2B5EF4-FFF2-40B4-BE49-F238E27FC236}">
+                <a16:creationId xmlns:a16="http://schemas.microsoft.com/office/drawing/2014/main" id="{8CF8CF77-52F4-55D8-BB5B-DB535615241C}"/>
               </a:ext>
             </a:extLst>
           </p:cNvPr>
@@ -4549,8 +4581,8 @@
         </p:nvSpPr>
         <p:spPr>
           <a:xfrm>
-            <a:off x="2865664" y="3804557"/>
-            <a:ext cx="4980215" cy="584775"/>
+            <a:off x="4400203" y="4478790"/>
+            <a:ext cx="7032863" cy="954107"/>
           </a:xfrm>
           <a:prstGeom prst="rect">
             <a:avLst/>
@@ -4564,127 +4596,59 @@
           <a:lstStyle/>
           <a:p>
             <a:r>
-              <a:rPr lang="en-US" altLang="zh-CN" sz="3200" dirty="0"/>
-              <a:t>  EQL = SQL  + </a:t>
-            </a:r>
-            <a:r>
-              <a:rPr lang="en-US" altLang="zh-CN" sz="3200" dirty="0" err="1"/>
-              <a:t>AutoJoin</a:t>
-            </a:r>
-            <a:endParaRPr lang="en-US" altLang="zh-CN" sz="3200" dirty="0"/>
-          </a:p>
-        </p:txBody>
-      </p:sp>
-      <p:sp>
-        <p:nvSpPr>
-          <p:cNvPr id="3" name="文本框 2">
-            <a:extLst>
-              <a:ext uri="{FF2B5EF4-FFF2-40B4-BE49-F238E27FC236}">
-                <a16:creationId xmlns:a16="http://schemas.microsoft.com/office/drawing/2014/main" id="{A494B263-3F60-AD20-F673-BB98C8BC9B90}"/>
-              </a:ext>
-            </a:extLst>
-          </p:cNvPr>
-          <p:cNvSpPr txBox="1"/>
+              <a:rPr lang="zh-CN" altLang="en-US" sz="2800" b="1" dirty="0"/>
+              <a:t>蒋步星：清华大学计算机系，</a:t>
+            </a:r>
+          </a:p>
+          <a:p>
+            <a:r>
+              <a:rPr lang="en-US" altLang="zh-CN" sz="2800" b="1" dirty="0"/>
+              <a:t>               </a:t>
+            </a:r>
+            <a:r>
+              <a:rPr lang="zh-CN" altLang="en-US" sz="2800" b="1" dirty="0"/>
+              <a:t>中国首位国际数学奥赛金牌得主</a:t>
+            </a:r>
+            <a:endParaRPr lang="en-US" sz="2800" b="1" dirty="0"/>
+          </a:p>
+        </p:txBody>
+      </p:sp>
+      <p:pic>
+        <p:nvPicPr>
+          <p:cNvPr id="16" name="Picture 15" descr="A person speaking into a microphone&#10;&#10;Description automatically generated">
+            <a:extLst>
+              <a:ext uri="{FF2B5EF4-FFF2-40B4-BE49-F238E27FC236}">
+                <a16:creationId xmlns:a16="http://schemas.microsoft.com/office/drawing/2014/main" id="{14CB7522-C2E2-0950-3E4A-646C2D3D7F97}"/>
+              </a:ext>
+            </a:extLst>
+          </p:cNvPr>
+          <p:cNvPicPr>
+            <a:picLocks noChangeAspect="1"/>
+          </p:cNvPicPr>
           <p:nvPr/>
-        </p:nvSpPr>
-        <p:spPr>
-          <a:xfrm>
-            <a:off x="1338944" y="1904481"/>
-            <a:ext cx="7739742" cy="584775"/>
+        </p:nvPicPr>
+        <p:blipFill>
+          <a:blip r:embed="rId3">
+            <a:extLst>
+              <a:ext uri="{28A0092B-C50C-407E-A947-70E740481C1C}">
+                <a14:useLocalDpi xmlns:a14="http://schemas.microsoft.com/office/drawing/2010/main" val="0"/>
+              </a:ext>
+            </a:extLst>
+          </a:blip>
+          <a:stretch>
+            <a:fillRect/>
+          </a:stretch>
+        </p:blipFill>
+        <p:spPr>
+          <a:xfrm>
+            <a:off x="6775371" y="1982518"/>
+            <a:ext cx="1744377" cy="2006034"/>
           </a:xfrm>
           <a:prstGeom prst="rect">
             <a:avLst/>
           </a:prstGeom>
-          <a:noFill/>
-        </p:spPr>
-        <p:txBody>
-          <a:bodyPr wrap="square" rtlCol="0">
-            <a:spAutoFit/>
-          </a:bodyPr>
-          <a:lstStyle/>
-          <a:p>
-            <a:r>
-              <a:rPr lang="zh-CN" altLang="en-US" sz="3200" dirty="0"/>
-              <a:t>关系数据库的秘密：关系数据库中无关系</a:t>
-            </a:r>
-            <a:endParaRPr lang="en-US" altLang="zh-CN" sz="3200" dirty="0"/>
-          </a:p>
-        </p:txBody>
-      </p:sp>
-      <p:sp>
-        <p:nvSpPr>
-          <p:cNvPr id="4" name="文本框 3">
-            <a:extLst>
-              <a:ext uri="{FF2B5EF4-FFF2-40B4-BE49-F238E27FC236}">
-                <a16:creationId xmlns:a16="http://schemas.microsoft.com/office/drawing/2014/main" id="{83348266-1580-CA90-F558-1275B72C088F}"/>
-              </a:ext>
-            </a:extLst>
-          </p:cNvPr>
-          <p:cNvSpPr txBox="1"/>
-          <p:nvPr/>
-        </p:nvSpPr>
-        <p:spPr>
-          <a:xfrm>
-            <a:off x="1466852" y="2816159"/>
-            <a:ext cx="7739742" cy="584775"/>
-          </a:xfrm>
-          <a:prstGeom prst="rect">
-            <a:avLst/>
-          </a:prstGeom>
-          <a:noFill/>
-        </p:spPr>
-        <p:txBody>
-          <a:bodyPr wrap="square" rtlCol="0">
-            <a:spAutoFit/>
-          </a:bodyPr>
-          <a:lstStyle/>
-          <a:p>
-            <a:r>
-              <a:rPr lang="zh-CN" altLang="en-US" sz="3200" dirty="0"/>
-              <a:t>重新认识主键和外键</a:t>
-            </a:r>
-            <a:r>
-              <a:rPr lang="en-US" altLang="zh-CN" sz="3200" dirty="0"/>
-              <a:t>:</a:t>
-            </a:r>
-          </a:p>
-        </p:txBody>
-      </p:sp>
-      <p:sp>
-        <p:nvSpPr>
-          <p:cNvPr id="5" name="文本框 4">
-            <a:extLst>
-              <a:ext uri="{FF2B5EF4-FFF2-40B4-BE49-F238E27FC236}">
-                <a16:creationId xmlns:a16="http://schemas.microsoft.com/office/drawing/2014/main" id="{36CB2863-D4E8-FF10-B471-3C8E52237EEB}"/>
-              </a:ext>
-            </a:extLst>
-          </p:cNvPr>
-          <p:cNvSpPr txBox="1"/>
-          <p:nvPr/>
-        </p:nvSpPr>
-        <p:spPr>
-          <a:xfrm>
-            <a:off x="3151417" y="4610100"/>
-            <a:ext cx="2857500" cy="584775"/>
-          </a:xfrm>
-          <a:prstGeom prst="rect">
-            <a:avLst/>
-          </a:prstGeom>
-          <a:noFill/>
-        </p:spPr>
-        <p:txBody>
-          <a:bodyPr wrap="square" rtlCol="0">
-            <a:spAutoFit/>
-          </a:bodyPr>
-          <a:lstStyle/>
-          <a:p>
-            <a:r>
-              <a:rPr lang="en-US" altLang="zh-CN" sz="3200" dirty="0"/>
-              <a:t>Row =&gt; Entity</a:t>
-            </a:r>
-          </a:p>
-        </p:txBody>
-      </p:sp>
+        </p:spPr>
+      </p:pic>
     </p:spTree>
     <p:extLst>
       <p:ext uri="{BB962C8B-B14F-4D97-AF65-F5344CB8AC3E}">
@@ -4738,17 +4702,53 @@
           <a:p>
             <a:r>
               <a:rPr lang="zh-CN" altLang="en-US" b="1" dirty="0"/>
-              <a:t>通用的横纵变换</a:t>
-            </a:r>
-          </a:p>
-        </p:txBody>
-      </p:sp>
-      <p:sp>
-        <p:nvSpPr>
-          <p:cNvPr id="9" name="文本框 8">
-            <a:extLst>
-              <a:ext uri="{FF2B5EF4-FFF2-40B4-BE49-F238E27FC236}">
-                <a16:creationId xmlns:a16="http://schemas.microsoft.com/office/drawing/2014/main" id="{540A60B3-93A5-7288-4BDF-50258236F659}"/>
+              <a:t>非线性中国式报表模型</a:t>
+            </a:r>
+          </a:p>
+        </p:txBody>
+      </p:sp>
+      <p:pic>
+        <p:nvPicPr>
+          <p:cNvPr id="7" name="Picture 6" descr="A screenshot of a computer&#10;&#10;Description automatically generated">
+            <a:extLst>
+              <a:ext uri="{FF2B5EF4-FFF2-40B4-BE49-F238E27FC236}">
+                <a16:creationId xmlns:a16="http://schemas.microsoft.com/office/drawing/2014/main" id="{02D65C1E-C101-7D08-B3AD-E7883B1AE0E6}"/>
+              </a:ext>
+            </a:extLst>
+          </p:cNvPr>
+          <p:cNvPicPr>
+            <a:picLocks noChangeAspect="1"/>
+          </p:cNvPicPr>
+          <p:nvPr/>
+        </p:nvPicPr>
+        <p:blipFill>
+          <a:blip r:embed="rId2">
+            <a:extLst>
+              <a:ext uri="{28A0092B-C50C-407E-A947-70E740481C1C}">
+                <a14:useLocalDpi xmlns:a14="http://schemas.microsoft.com/office/drawing/2010/main" val="0"/>
+              </a:ext>
+            </a:extLst>
+          </a:blip>
+          <a:stretch>
+            <a:fillRect/>
+          </a:stretch>
+        </p:blipFill>
+        <p:spPr>
+          <a:xfrm>
+            <a:off x="838200" y="1763678"/>
+            <a:ext cx="7372736" cy="3829726"/>
+          </a:xfrm>
+          <a:prstGeom prst="rect">
+            <a:avLst/>
+          </a:prstGeom>
+        </p:spPr>
+      </p:pic>
+      <p:sp>
+        <p:nvSpPr>
+          <p:cNvPr id="8" name="TextBox 7">
+            <a:extLst>
+              <a:ext uri="{FF2B5EF4-FFF2-40B4-BE49-F238E27FC236}">
+                <a16:creationId xmlns:a16="http://schemas.microsoft.com/office/drawing/2014/main" id="{EC33903C-41DB-CE7C-B3AF-785A0F004708}"/>
               </a:ext>
             </a:extLst>
           </p:cNvPr>
@@ -4757,8 +4757,8 @@
         </p:nvSpPr>
         <p:spPr>
           <a:xfrm>
-            <a:off x="1338943" y="3739244"/>
-            <a:ext cx="7413172" cy="584775"/>
+            <a:off x="8725711" y="2918297"/>
+            <a:ext cx="2840476" cy="1200329"/>
           </a:xfrm>
           <a:prstGeom prst="rect">
             <a:avLst/>
@@ -4771,146 +4771,26 @@
           </a:bodyPr>
           <a:lstStyle/>
           <a:p>
-            <a:r>
-              <a:rPr lang="en-US" altLang="zh-CN" sz="3200" dirty="0"/>
-              <a:t>2. </a:t>
-            </a:r>
-            <a:r>
-              <a:rPr lang="zh-CN" altLang="en-US" sz="3200" dirty="0"/>
-              <a:t>通过别名隐藏属性路径</a:t>
-            </a:r>
-            <a:endParaRPr lang="en-US" altLang="zh-CN" sz="3200" dirty="0"/>
-          </a:p>
-        </p:txBody>
-      </p:sp>
-      <p:sp>
-        <p:nvSpPr>
-          <p:cNvPr id="3" name="文本框 2">
-            <a:extLst>
-              <a:ext uri="{FF2B5EF4-FFF2-40B4-BE49-F238E27FC236}">
-                <a16:creationId xmlns:a16="http://schemas.microsoft.com/office/drawing/2014/main" id="{A494B263-3F60-AD20-F673-BB98C8BC9B90}"/>
-              </a:ext>
-            </a:extLst>
-          </p:cNvPr>
-          <p:cNvSpPr txBox="1"/>
-          <p:nvPr/>
-        </p:nvSpPr>
-        <p:spPr>
-          <a:xfrm>
-            <a:off x="1338943" y="1904481"/>
-            <a:ext cx="10303327" cy="584775"/>
-          </a:xfrm>
-          <a:prstGeom prst="rect">
-            <a:avLst/>
-          </a:prstGeom>
-          <a:noFill/>
-        </p:spPr>
-        <p:txBody>
-          <a:bodyPr wrap="square" rtlCol="0">
-            <a:spAutoFit/>
-          </a:bodyPr>
-          <a:lstStyle/>
-          <a:p>
-            <a:r>
-              <a:rPr lang="en-US" altLang="zh-CN" sz="3200" dirty="0"/>
-              <a:t>1. </a:t>
-            </a:r>
-            <a:r>
-              <a:rPr lang="zh-CN" altLang="en-US" sz="3200" dirty="0"/>
-              <a:t>将属性访问语法扩展到一对多子表</a:t>
-            </a:r>
-            <a:endParaRPr lang="en-US" altLang="zh-CN" sz="3200" dirty="0"/>
-          </a:p>
-        </p:txBody>
-      </p:sp>
-      <p:sp>
-        <p:nvSpPr>
-          <p:cNvPr id="4" name="文本框 3">
-            <a:extLst>
-              <a:ext uri="{FF2B5EF4-FFF2-40B4-BE49-F238E27FC236}">
-                <a16:creationId xmlns:a16="http://schemas.microsoft.com/office/drawing/2014/main" id="{83348266-1580-CA90-F558-1275B72C088F}"/>
-              </a:ext>
-            </a:extLst>
-          </p:cNvPr>
-          <p:cNvSpPr txBox="1"/>
-          <p:nvPr/>
-        </p:nvSpPr>
-        <p:spPr>
-          <a:xfrm>
-            <a:off x="1232808" y="2710024"/>
-            <a:ext cx="10199912" cy="523220"/>
-          </a:xfrm>
-          <a:prstGeom prst="rect">
-            <a:avLst/>
-          </a:prstGeom>
-          <a:noFill/>
-        </p:spPr>
-        <p:txBody>
-          <a:bodyPr wrap="square" rtlCol="0">
-            <a:spAutoFit/>
-          </a:bodyPr>
-          <a:lstStyle/>
-          <a:p>
-            <a:r>
-              <a:rPr lang="en-US" altLang="zh-CN" sz="2800" dirty="0" err="1"/>
-              <a:t>entity.subList.a</a:t>
-            </a:r>
-            <a:r>
-              <a:rPr lang="en-US" altLang="zh-CN" sz="2800" dirty="0"/>
-              <a:t> == </a:t>
-            </a:r>
-            <a:r>
-              <a:rPr lang="en-US" altLang="zh-CN" sz="2800" dirty="0" err="1"/>
-              <a:t>entity.subList.find</a:t>
-            </a:r>
-            <a:r>
-              <a:rPr lang="en-US" altLang="zh-CN" sz="2800" dirty="0"/>
-              <a:t>(sub=&gt;sub.name==‘a’)</a:t>
-            </a:r>
-          </a:p>
-        </p:txBody>
-      </p:sp>
-      <p:sp>
-        <p:nvSpPr>
-          <p:cNvPr id="5" name="文本框 4">
-            <a:extLst>
-              <a:ext uri="{FF2B5EF4-FFF2-40B4-BE49-F238E27FC236}">
-                <a16:creationId xmlns:a16="http://schemas.microsoft.com/office/drawing/2014/main" id="{36CB2863-D4E8-FF10-B471-3C8E52237EEB}"/>
-              </a:ext>
-            </a:extLst>
-          </p:cNvPr>
-          <p:cNvSpPr txBox="1"/>
-          <p:nvPr/>
-        </p:nvSpPr>
-        <p:spPr>
-          <a:xfrm>
-            <a:off x="1714500" y="4610100"/>
-            <a:ext cx="5078187" cy="523220"/>
-          </a:xfrm>
-          <a:prstGeom prst="rect">
-            <a:avLst/>
-          </a:prstGeom>
-          <a:noFill/>
-        </p:spPr>
-        <p:txBody>
-          <a:bodyPr wrap="square" rtlCol="0">
-            <a:spAutoFit/>
-          </a:bodyPr>
-          <a:lstStyle/>
-          <a:p>
-            <a:r>
-              <a:rPr lang="en-US" altLang="zh-CN" sz="2800" dirty="0" err="1"/>
-              <a:t>entity.ext_a</a:t>
-            </a:r>
-            <a:r>
-              <a:rPr lang="en-US" altLang="zh-CN" sz="2800" dirty="0"/>
-              <a:t> = </a:t>
-            </a:r>
-            <a:r>
-              <a:rPr lang="en-US" altLang="zh-CN" sz="2800" dirty="0" err="1"/>
-              <a:t>entity.subList.a</a:t>
-            </a:r>
-            <a:endParaRPr lang="en-US" altLang="zh-CN" sz="2800" dirty="0"/>
+            <a:pPr marL="571500" indent="-571500">
+              <a:buFont typeface="Wingdings" panose="05000000000000000000" pitchFamily="2" charset="2"/>
+              <a:buChar char="ü"/>
+            </a:pPr>
+            <a:r>
+              <a:rPr lang="zh-CN" altLang="en-US" sz="3600" b="1" dirty="0"/>
+              <a:t>多源分片</a:t>
+            </a:r>
+            <a:endParaRPr lang="en-US" altLang="zh-CN" sz="3600" b="1" dirty="0"/>
+          </a:p>
+          <a:p>
+            <a:pPr marL="571500" indent="-571500">
+              <a:buFont typeface="Wingdings" panose="05000000000000000000" pitchFamily="2" charset="2"/>
+              <a:buChar char="ü"/>
+            </a:pPr>
+            <a:r>
+              <a:rPr lang="zh-CN" altLang="en-US" sz="3600" b="1" dirty="0"/>
+              <a:t>行列对称</a:t>
+            </a:r>
+            <a:endParaRPr lang="en-US" sz="3600" b="1" dirty="0"/>
           </a:p>
         </p:txBody>
       </p:sp>
@@ -4967,25 +4847,89 @@
           <a:p>
             <a:r>
               <a:rPr lang="zh-CN" altLang="en-US" b="1" dirty="0"/>
-              <a:t>纵表的</a:t>
-            </a:r>
-            <a:r>
-              <a:rPr lang="en-US" altLang="zh-CN" b="1" dirty="0"/>
-              <a:t>SQL</a:t>
-            </a:r>
-            <a:r>
-              <a:rPr lang="zh-CN" altLang="en-US" b="1" dirty="0"/>
-              <a:t>转换</a:t>
-            </a:r>
-          </a:p>
-        </p:txBody>
-      </p:sp>
-      <p:sp>
-        <p:nvSpPr>
-          <p:cNvPr id="3" name="文本框 2">
-            <a:extLst>
-              <a:ext uri="{FF2B5EF4-FFF2-40B4-BE49-F238E27FC236}">
-                <a16:creationId xmlns:a16="http://schemas.microsoft.com/office/drawing/2014/main" id="{A494B263-3F60-AD20-F673-BB98C8BC9B90}"/>
+              <a:t>单元格展开</a:t>
+            </a:r>
+          </a:p>
+        </p:txBody>
+      </p:sp>
+      <p:pic>
+        <p:nvPicPr>
+          <p:cNvPr id="6" name="Picture 5" descr="A screenshot of a computer&#10;&#10;Description automatically generated">
+            <a:extLst>
+              <a:ext uri="{FF2B5EF4-FFF2-40B4-BE49-F238E27FC236}">
+                <a16:creationId xmlns:a16="http://schemas.microsoft.com/office/drawing/2014/main" id="{1A9B81D7-54E9-35A3-1B05-3A715CD2AA4F}"/>
+              </a:ext>
+            </a:extLst>
+          </p:cNvPr>
+          <p:cNvPicPr>
+            <a:picLocks noChangeAspect="1"/>
+          </p:cNvPicPr>
+          <p:nvPr/>
+        </p:nvPicPr>
+        <p:blipFill>
+          <a:blip r:embed="rId2">
+            <a:extLst>
+              <a:ext uri="{28A0092B-C50C-407E-A947-70E740481C1C}">
+                <a14:useLocalDpi xmlns:a14="http://schemas.microsoft.com/office/drawing/2010/main" val="0"/>
+              </a:ext>
+            </a:extLst>
+          </a:blip>
+          <a:stretch>
+            <a:fillRect/>
+          </a:stretch>
+        </p:blipFill>
+        <p:spPr>
+          <a:xfrm>
+            <a:off x="716707" y="1806097"/>
+            <a:ext cx="10023820" cy="1895891"/>
+          </a:xfrm>
+          <a:prstGeom prst="rect">
+            <a:avLst/>
+          </a:prstGeom>
+        </p:spPr>
+      </p:pic>
+      <p:pic>
+        <p:nvPicPr>
+          <p:cNvPr id="8" name="Picture 7" descr="A table with numbers and letters&#10;&#10;Description automatically generated">
+            <a:extLst>
+              <a:ext uri="{FF2B5EF4-FFF2-40B4-BE49-F238E27FC236}">
+                <a16:creationId xmlns:a16="http://schemas.microsoft.com/office/drawing/2014/main" id="{EF130835-7B30-1488-C3F0-3D4810588AF3}"/>
+              </a:ext>
+            </a:extLst>
+          </p:cNvPr>
+          <p:cNvPicPr>
+            <a:picLocks noChangeAspect="1"/>
+          </p:cNvPicPr>
+          <p:nvPr/>
+        </p:nvPicPr>
+        <p:blipFill>
+          <a:blip r:embed="rId3">
+            <a:extLst>
+              <a:ext uri="{28A0092B-C50C-407E-A947-70E740481C1C}">
+                <a14:useLocalDpi xmlns:a14="http://schemas.microsoft.com/office/drawing/2010/main" val="0"/>
+              </a:ext>
+            </a:extLst>
+          </a:blip>
+          <a:stretch>
+            <a:fillRect/>
+          </a:stretch>
+        </p:blipFill>
+        <p:spPr>
+          <a:xfrm>
+            <a:off x="1125879" y="4120283"/>
+            <a:ext cx="9205476" cy="1560664"/>
+          </a:xfrm>
+          <a:prstGeom prst="rect">
+            <a:avLst/>
+          </a:prstGeom>
+        </p:spPr>
+      </p:pic>
+      <p:sp>
+        <p:nvSpPr>
+          <p:cNvPr id="9" name="TextBox 8">
+            <a:extLst>
+              <a:ext uri="{FF2B5EF4-FFF2-40B4-BE49-F238E27FC236}">
+                <a16:creationId xmlns:a16="http://schemas.microsoft.com/office/drawing/2014/main" id="{893F4C51-8371-9C90-6B81-3676116E88B5}"/>
               </a:ext>
             </a:extLst>
           </p:cNvPr>
@@ -4994,8 +4938,8 @@
         </p:nvSpPr>
         <p:spPr>
           <a:xfrm>
-            <a:off x="1338943" y="1765688"/>
-            <a:ext cx="10303327" cy="1384995"/>
+            <a:off x="1547801" y="6099242"/>
+            <a:ext cx="8521430" cy="523220"/>
           </a:xfrm>
           <a:prstGeom prst="rect">
             <a:avLst/>
@@ -5009,156 +4953,50 @@
           <a:lstStyle/>
           <a:p>
             <a:r>
-              <a:rPr lang="en-US" altLang="zh-CN" sz="2800" dirty="0"/>
-              <a:t>Select * from </a:t>
-            </a:r>
-            <a:r>
-              <a:rPr lang="en-US" altLang="zh-CN" sz="2800" dirty="0" err="1"/>
-              <a:t>MyEntity</a:t>
-            </a:r>
-            <a:r>
-              <a:rPr lang="en-US" altLang="zh-CN" sz="2800" dirty="0"/>
-              <a:t> o </a:t>
-            </a:r>
-          </a:p>
-          <a:p>
-            <a:r>
-              <a:rPr lang="en-US" altLang="zh-CN" sz="2800" dirty="0"/>
-              <a:t>where </a:t>
-            </a:r>
-            <a:r>
-              <a:rPr lang="en-US" altLang="zh-CN" sz="2800" dirty="0" err="1"/>
-              <a:t>substr</a:t>
-            </a:r>
-            <a:r>
-              <a:rPr lang="en-US" altLang="zh-CN" sz="2800" dirty="0"/>
-              <a:t>(o.extFields.a.string,1) = ‘1’</a:t>
-            </a:r>
-          </a:p>
-          <a:p>
-            <a:r>
-              <a:rPr lang="en-US" altLang="zh-CN" sz="2800" dirty="0"/>
-              <a:t>order by o.extFields.b.int</a:t>
-            </a:r>
-          </a:p>
-        </p:txBody>
-      </p:sp>
-      <p:sp>
-        <p:nvSpPr>
-          <p:cNvPr id="4" name="文本框 3">
-            <a:extLst>
-              <a:ext uri="{FF2B5EF4-FFF2-40B4-BE49-F238E27FC236}">
-                <a16:creationId xmlns:a16="http://schemas.microsoft.com/office/drawing/2014/main" id="{83348266-1580-CA90-F558-1275B72C088F}"/>
-              </a:ext>
-            </a:extLst>
-          </p:cNvPr>
-          <p:cNvSpPr txBox="1"/>
-          <p:nvPr/>
-        </p:nvSpPr>
-        <p:spPr>
-          <a:xfrm>
-            <a:off x="1338943" y="3567274"/>
-            <a:ext cx="10199912" cy="3108543"/>
-          </a:xfrm>
-          <a:prstGeom prst="rect">
-            <a:avLst/>
-          </a:prstGeom>
-          <a:noFill/>
-        </p:spPr>
-        <p:txBody>
-          <a:bodyPr wrap="square" rtlCol="0">
-            <a:spAutoFit/>
-          </a:bodyPr>
-          <a:lstStyle/>
-          <a:p>
-            <a:r>
-              <a:rPr lang="en-US" altLang="zh-CN" sz="2800" dirty="0"/>
-              <a:t>Select * from </a:t>
-            </a:r>
-            <a:r>
-              <a:rPr lang="en-US" altLang="zh-CN" sz="2800" dirty="0" err="1"/>
-              <a:t>MyEntity</a:t>
-            </a:r>
-            <a:r>
-              <a:rPr lang="en-US" altLang="zh-CN" sz="2800" dirty="0"/>
-              <a:t> o </a:t>
-            </a:r>
-          </a:p>
-          <a:p>
-            <a:r>
-              <a:rPr lang="en-US" altLang="zh-CN" sz="2800" dirty="0"/>
-              <a:t>join </a:t>
-            </a:r>
-            <a:r>
-              <a:rPr lang="en-US" altLang="zh-CN" sz="2800" dirty="0" err="1"/>
-              <a:t>ExtFields</a:t>
-            </a:r>
-            <a:r>
-              <a:rPr lang="en-US" altLang="zh-CN" sz="2800" dirty="0"/>
-              <a:t> e1 on e1.entityName = ‘</a:t>
-            </a:r>
-            <a:r>
-              <a:rPr lang="en-US" altLang="zh-CN" sz="2800" dirty="0" err="1"/>
-              <a:t>MyEntity</a:t>
-            </a:r>
-            <a:r>
-              <a:rPr lang="en-US" altLang="zh-CN" sz="2800" dirty="0"/>
-              <a:t>’ </a:t>
-            </a:r>
-          </a:p>
-          <a:p>
-            <a:r>
-              <a:rPr lang="en-US" altLang="zh-CN" sz="2800" dirty="0"/>
-              <a:t>        and e1.fieldName = ‘a’</a:t>
-            </a:r>
-          </a:p>
-          <a:p>
-            <a:r>
-              <a:rPr lang="en-US" altLang="zh-CN" sz="2800" dirty="0"/>
-              <a:t>left Join </a:t>
-            </a:r>
-            <a:r>
-              <a:rPr lang="en-US" altLang="zh-CN" sz="2800" dirty="0" err="1"/>
-              <a:t>ExtFIelds</a:t>
-            </a:r>
-            <a:r>
-              <a:rPr lang="en-US" altLang="zh-CN" sz="2800" dirty="0"/>
-              <a:t> e2 on e2.entityName = ‘</a:t>
-            </a:r>
-            <a:r>
-              <a:rPr lang="en-US" altLang="zh-CN" sz="2800" dirty="0" err="1"/>
-              <a:t>MyEntity</a:t>
-            </a:r>
-            <a:r>
-              <a:rPr lang="en-US" altLang="zh-CN" sz="2800" dirty="0"/>
-              <a:t>’</a:t>
-            </a:r>
-          </a:p>
-          <a:p>
-            <a:r>
-              <a:rPr lang="en-US" altLang="zh-CN" sz="2800" dirty="0"/>
-              <a:t>        and e2.fieldName = ‘b’</a:t>
-            </a:r>
-          </a:p>
-          <a:p>
-            <a:r>
-              <a:rPr lang="en-US" altLang="zh-CN" sz="2800" dirty="0"/>
-              <a:t>Where </a:t>
-            </a:r>
-            <a:r>
-              <a:rPr lang="en-US" altLang="zh-CN" sz="2800" dirty="0" err="1"/>
-              <a:t>substr</a:t>
-            </a:r>
-            <a:r>
-              <a:rPr lang="en-US" altLang="zh-CN" sz="2800" dirty="0"/>
-              <a:t>(e1.stringValue,1) = ‘1’</a:t>
-            </a:r>
-          </a:p>
-          <a:p>
-            <a:r>
-              <a:rPr lang="en-US" altLang="zh-CN" sz="2800" dirty="0"/>
-              <a:t>Order by e2.intValue </a:t>
-            </a:r>
+              <a:rPr lang="zh-CN" altLang="en-US" sz="2800" b="1" dirty="0">
+                <a:solidFill>
+                  <a:srgbClr val="C00000"/>
+                </a:solidFill>
+              </a:rPr>
+              <a:t>父格展开</a:t>
+            </a:r>
+            <a:r>
+              <a:rPr lang="en-US" altLang="zh-CN" sz="2800" b="1" dirty="0">
+                <a:solidFill>
+                  <a:srgbClr val="C00000"/>
+                </a:solidFill>
+              </a:rPr>
+              <a:t>-&gt; </a:t>
+            </a:r>
+            <a:r>
+              <a:rPr lang="zh-CN" altLang="en-US" sz="2800" b="1" dirty="0">
+                <a:solidFill>
+                  <a:srgbClr val="C00000"/>
+                </a:solidFill>
+              </a:rPr>
+              <a:t>复制子格，  子格展开</a:t>
+            </a:r>
+            <a:r>
+              <a:rPr lang="en-US" altLang="zh-CN" sz="2800" b="1" dirty="0">
+                <a:solidFill>
+                  <a:srgbClr val="C00000"/>
+                </a:solidFill>
+              </a:rPr>
+              <a:t>-&gt;</a:t>
+            </a:r>
+            <a:r>
+              <a:rPr lang="zh-CN" altLang="en-US" sz="2800" b="1" dirty="0">
+                <a:solidFill>
+                  <a:srgbClr val="C00000"/>
+                </a:solidFill>
+              </a:rPr>
+              <a:t>延展父格</a:t>
+            </a:r>
+            <a:endParaRPr lang="en-US" sz="2800" b="1" dirty="0">
+              <a:solidFill>
+                <a:srgbClr val="C00000"/>
+              </a:solidFill>
+            </a:endParaRPr>
           </a:p>
         </p:txBody>
       </p:sp>
@@ -5192,233 +5030,82 @@
           <a:chExt cx="0" cy="0"/>
         </a:xfrm>
       </p:grpSpPr>
-      <p:sp>
-        <p:nvSpPr>
-          <p:cNvPr id="2" name="标题 1">
-            <a:extLst>
-              <a:ext uri="{FF2B5EF4-FFF2-40B4-BE49-F238E27FC236}">
-                <a16:creationId xmlns:a16="http://schemas.microsoft.com/office/drawing/2014/main" id="{7B078A78-F1A6-B200-A327-496477BABCB1}"/>
-              </a:ext>
-            </a:extLst>
-          </p:cNvPr>
-          <p:cNvSpPr>
-            <a:spLocks noGrp="1"/>
-          </p:cNvSpPr>
-          <p:nvPr>
-            <p:ph type="title"/>
-          </p:nvPr>
-        </p:nvSpPr>
-        <p:spPr/>
-        <p:txBody>
-          <a:bodyPr/>
-          <a:lstStyle/>
-          <a:p>
-            <a:r>
-              <a:rPr lang="zh-CN" altLang="en-US" b="1" dirty="0"/>
-              <a:t>纵表的</a:t>
-            </a:r>
-            <a:r>
-              <a:rPr lang="en-US" altLang="zh-CN" b="1" dirty="0"/>
-              <a:t>SQL</a:t>
-            </a:r>
-            <a:r>
-              <a:rPr lang="zh-CN" altLang="en-US" b="1" dirty="0"/>
-              <a:t>转换</a:t>
-            </a:r>
-          </a:p>
-        </p:txBody>
-      </p:sp>
-      <p:sp>
-        <p:nvSpPr>
-          <p:cNvPr id="3" name="文本框 2">
-            <a:extLst>
-              <a:ext uri="{FF2B5EF4-FFF2-40B4-BE49-F238E27FC236}">
-                <a16:creationId xmlns:a16="http://schemas.microsoft.com/office/drawing/2014/main" id="{A494B263-3F60-AD20-F673-BB98C8BC9B90}"/>
-              </a:ext>
-            </a:extLst>
-          </p:cNvPr>
-          <p:cNvSpPr txBox="1"/>
+      <p:pic>
+        <p:nvPicPr>
+          <p:cNvPr id="6" name="Picture 5" descr="A screen shot of a computer&#10;&#10;Description automatically generated">
+            <a:extLst>
+              <a:ext uri="{FF2B5EF4-FFF2-40B4-BE49-F238E27FC236}">
+                <a16:creationId xmlns:a16="http://schemas.microsoft.com/office/drawing/2014/main" id="{DE7FBE8C-3554-DAB5-6ACC-0FEA5EDDAECC}"/>
+              </a:ext>
+            </a:extLst>
+          </p:cNvPr>
+          <p:cNvPicPr>
+            <a:picLocks noChangeAspect="1"/>
+          </p:cNvPicPr>
           <p:nvPr/>
-        </p:nvSpPr>
-        <p:spPr>
-          <a:xfrm>
-            <a:off x="1338943" y="1765688"/>
-            <a:ext cx="10303327" cy="1384995"/>
+        </p:nvPicPr>
+        <p:blipFill>
+          <a:blip r:embed="rId2">
+            <a:extLst>
+              <a:ext uri="{28A0092B-C50C-407E-A947-70E740481C1C}">
+                <a14:useLocalDpi xmlns:a14="http://schemas.microsoft.com/office/drawing/2010/main" val="0"/>
+              </a:ext>
+            </a:extLst>
+          </a:blip>
+          <a:stretch>
+            <a:fillRect/>
+          </a:stretch>
+        </p:blipFill>
+        <p:spPr>
+          <a:xfrm>
+            <a:off x="1904087" y="5088376"/>
+            <a:ext cx="7839075" cy="1447800"/>
           </a:xfrm>
           <a:prstGeom prst="rect">
             <a:avLst/>
           </a:prstGeom>
-          <a:noFill/>
-        </p:spPr>
-        <p:txBody>
-          <a:bodyPr wrap="square" rtlCol="0">
-            <a:spAutoFit/>
-          </a:bodyPr>
-          <a:lstStyle/>
-          <a:p>
-            <a:r>
-              <a:rPr lang="en-US" altLang="zh-CN" sz="2800" dirty="0"/>
-              <a:t>Select * from </a:t>
-            </a:r>
-            <a:r>
-              <a:rPr lang="en-US" altLang="zh-CN" sz="2800" dirty="0" err="1"/>
-              <a:t>MyEntity</a:t>
-            </a:r>
-            <a:r>
-              <a:rPr lang="en-US" altLang="zh-CN" sz="2800" dirty="0"/>
-              <a:t> o </a:t>
-            </a:r>
-          </a:p>
-          <a:p>
-            <a:r>
-              <a:rPr lang="en-US" altLang="zh-CN" sz="2800" dirty="0"/>
-              <a:t>where </a:t>
-            </a:r>
-            <a:r>
-              <a:rPr lang="en-US" altLang="zh-CN" sz="2800" dirty="0" err="1"/>
-              <a:t>substr</a:t>
-            </a:r>
-            <a:r>
-              <a:rPr lang="en-US" altLang="zh-CN" sz="2800" dirty="0"/>
-              <a:t>(o.extFields.a,1) = ‘1’</a:t>
-            </a:r>
-          </a:p>
-          <a:p>
-            <a:r>
-              <a:rPr lang="en-US" altLang="zh-CN" sz="2800" dirty="0"/>
-              <a:t>order by </a:t>
-            </a:r>
-            <a:r>
-              <a:rPr lang="en-US" altLang="zh-CN" sz="2800" dirty="0" err="1"/>
-              <a:t>o.extFields.b</a:t>
-            </a:r>
-            <a:endParaRPr lang="en-US" altLang="zh-CN" sz="2800" dirty="0"/>
-          </a:p>
-        </p:txBody>
-      </p:sp>
-      <p:sp>
-        <p:nvSpPr>
-          <p:cNvPr id="4" name="文本框 3">
-            <a:extLst>
-              <a:ext uri="{FF2B5EF4-FFF2-40B4-BE49-F238E27FC236}">
-                <a16:creationId xmlns:a16="http://schemas.microsoft.com/office/drawing/2014/main" id="{83348266-1580-CA90-F558-1275B72C088F}"/>
-              </a:ext>
-            </a:extLst>
-          </p:cNvPr>
-          <p:cNvSpPr txBox="1"/>
+        </p:spPr>
+      </p:pic>
+      <p:pic>
+        <p:nvPicPr>
+          <p:cNvPr id="8" name="Picture 7" descr="A screenshot of a computer&#10;&#10;Description automatically generated">
+            <a:extLst>
+              <a:ext uri="{FF2B5EF4-FFF2-40B4-BE49-F238E27FC236}">
+                <a16:creationId xmlns:a16="http://schemas.microsoft.com/office/drawing/2014/main" id="{F48C59D8-270B-43CE-C268-06E18A413CCB}"/>
+              </a:ext>
+            </a:extLst>
+          </p:cNvPr>
+          <p:cNvPicPr>
+            <a:picLocks noChangeAspect="1"/>
+          </p:cNvPicPr>
           <p:nvPr/>
-        </p:nvSpPr>
-        <p:spPr>
-          <a:xfrm>
-            <a:off x="1338943" y="3567274"/>
-            <a:ext cx="10199912" cy="3108543"/>
+        </p:nvPicPr>
+        <p:blipFill>
+          <a:blip r:embed="rId3">
+            <a:extLst>
+              <a:ext uri="{28A0092B-C50C-407E-A947-70E740481C1C}">
+                <a14:useLocalDpi xmlns:a14="http://schemas.microsoft.com/office/drawing/2010/main" val="0"/>
+              </a:ext>
+            </a:extLst>
+          </a:blip>
+          <a:stretch>
+            <a:fillRect/>
+          </a:stretch>
+        </p:blipFill>
+        <p:spPr>
+          <a:xfrm>
+            <a:off x="2538919" y="314970"/>
+            <a:ext cx="5729592" cy="4574124"/>
           </a:xfrm>
           <a:prstGeom prst="rect">
             <a:avLst/>
           </a:prstGeom>
-          <a:noFill/>
-        </p:spPr>
-        <p:txBody>
-          <a:bodyPr wrap="square" rtlCol="0">
-            <a:spAutoFit/>
-          </a:bodyPr>
-          <a:lstStyle/>
-          <a:p>
-            <a:r>
-              <a:rPr lang="en-US" altLang="zh-CN" sz="2800" dirty="0"/>
-              <a:t>Select * from </a:t>
-            </a:r>
-            <a:r>
-              <a:rPr lang="en-US" altLang="zh-CN" sz="2800" dirty="0" err="1"/>
-              <a:t>MyEntity</a:t>
-            </a:r>
-            <a:r>
-              <a:rPr lang="en-US" altLang="zh-CN" sz="2800" dirty="0"/>
-              <a:t> o </a:t>
-            </a:r>
-          </a:p>
-          <a:p>
-            <a:r>
-              <a:rPr lang="en-US" altLang="zh-CN" sz="2800" dirty="0"/>
-              <a:t>join </a:t>
-            </a:r>
-            <a:r>
-              <a:rPr lang="en-US" altLang="zh-CN" sz="2800" dirty="0" err="1"/>
-              <a:t>ExtFields</a:t>
-            </a:r>
-            <a:r>
-              <a:rPr lang="en-US" altLang="zh-CN" sz="2800" dirty="0"/>
-              <a:t> e1 on e1.entityName = ‘</a:t>
-            </a:r>
-            <a:r>
-              <a:rPr lang="en-US" altLang="zh-CN" sz="2800" dirty="0" err="1"/>
-              <a:t>MyEntity</a:t>
-            </a:r>
-            <a:r>
-              <a:rPr lang="en-US" altLang="zh-CN" sz="2800" dirty="0"/>
-              <a:t>’ </a:t>
-            </a:r>
-          </a:p>
-          <a:p>
-            <a:r>
-              <a:rPr lang="en-US" altLang="zh-CN" sz="2800" dirty="0"/>
-              <a:t>        and e1.fieldName = ‘a’</a:t>
-            </a:r>
-          </a:p>
-          <a:p>
-            <a:r>
-              <a:rPr lang="en-US" altLang="zh-CN" sz="2800" dirty="0"/>
-              <a:t>Left Join </a:t>
-            </a:r>
-            <a:r>
-              <a:rPr lang="en-US" altLang="zh-CN" sz="2800" dirty="0" err="1"/>
-              <a:t>ExtFIelds</a:t>
-            </a:r>
-            <a:r>
-              <a:rPr lang="en-US" altLang="zh-CN" sz="2800" dirty="0"/>
-              <a:t> e2 on e2.entityName = ‘</a:t>
-            </a:r>
-            <a:r>
-              <a:rPr lang="en-US" altLang="zh-CN" sz="2800" dirty="0" err="1"/>
-              <a:t>MyEntity</a:t>
-            </a:r>
-            <a:r>
-              <a:rPr lang="en-US" altLang="zh-CN" sz="2800" dirty="0"/>
-              <a:t>’</a:t>
-            </a:r>
-          </a:p>
-          <a:p>
-            <a:r>
-              <a:rPr lang="en-US" altLang="zh-CN" sz="2800" dirty="0"/>
-              <a:t>        and e2.fieldName = ‘b’</a:t>
-            </a:r>
-          </a:p>
-          <a:p>
-            <a:r>
-              <a:rPr lang="en-US" altLang="zh-CN" sz="2800" dirty="0"/>
-              <a:t>Where </a:t>
-            </a:r>
-            <a:r>
-              <a:rPr lang="en-US" altLang="zh-CN" sz="2800" dirty="0" err="1"/>
-              <a:t>substr</a:t>
-            </a:r>
-            <a:r>
-              <a:rPr lang="en-US" altLang="zh-CN" sz="2800" dirty="0"/>
-              <a:t>(e1.value,1) = ‘1’</a:t>
-            </a:r>
-          </a:p>
-          <a:p>
-            <a:r>
-              <a:rPr lang="en-US" altLang="zh-CN" sz="2800" dirty="0"/>
-              <a:t>Order by e2.value </a:t>
-            </a:r>
-          </a:p>
-        </p:txBody>
-      </p:sp>
+        </p:spPr>
+      </p:pic>
     </p:spTree>
     <p:extLst>
       <p:ext uri="{BB962C8B-B14F-4D97-AF65-F5344CB8AC3E}">
-        <p14:creationId xmlns:p14="http://schemas.microsoft.com/office/powerpoint/2010/main" val="2317064406"/>
+        <p14:creationId xmlns:p14="http://schemas.microsoft.com/office/powerpoint/2010/main" val="95777387"/>
       </p:ext>
     </p:extLst>
   </p:cSld>
@@ -5445,136 +5132,46 @@
           <a:chExt cx="0" cy="0"/>
         </a:xfrm>
       </p:grpSpPr>
-      <p:sp>
-        <p:nvSpPr>
-          <p:cNvPr id="2" name="标题 1">
-            <a:extLst>
-              <a:ext uri="{FF2B5EF4-FFF2-40B4-BE49-F238E27FC236}">
-                <a16:creationId xmlns:a16="http://schemas.microsoft.com/office/drawing/2014/main" id="{7B078A78-F1A6-B200-A327-496477BABCB1}"/>
-              </a:ext>
-            </a:extLst>
-          </p:cNvPr>
-          <p:cNvSpPr>
-            <a:spLocks noGrp="1"/>
-          </p:cNvSpPr>
-          <p:nvPr>
-            <p:ph type="title"/>
-          </p:nvPr>
-        </p:nvSpPr>
-        <p:spPr/>
-        <p:txBody>
-          <a:bodyPr/>
-          <a:lstStyle/>
-          <a:p>
-            <a:r>
-              <a:rPr lang="en-US" altLang="zh-CN" b="1" dirty="0"/>
-              <a:t>N+1</a:t>
-            </a:r>
-            <a:r>
-              <a:rPr lang="zh-CN" altLang="en-US" b="1"/>
-              <a:t>问题</a:t>
-            </a:r>
-            <a:endParaRPr lang="zh-CN" altLang="en-US" b="1" dirty="0"/>
-          </a:p>
-        </p:txBody>
-      </p:sp>
-      <p:sp>
-        <p:nvSpPr>
-          <p:cNvPr id="9" name="文本框 8">
-            <a:extLst>
-              <a:ext uri="{FF2B5EF4-FFF2-40B4-BE49-F238E27FC236}">
-                <a16:creationId xmlns:a16="http://schemas.microsoft.com/office/drawing/2014/main" id="{540A60B3-93A5-7288-4BDF-50258236F659}"/>
-              </a:ext>
-            </a:extLst>
-          </p:cNvPr>
-          <p:cNvSpPr txBox="1"/>
+      <p:pic>
+        <p:nvPicPr>
+          <p:cNvPr id="6" name="Picture 5" descr="A screenshot of a computer&#10;&#10;Description automatically generated">
+            <a:extLst>
+              <a:ext uri="{FF2B5EF4-FFF2-40B4-BE49-F238E27FC236}">
+                <a16:creationId xmlns:a16="http://schemas.microsoft.com/office/drawing/2014/main" id="{DB2B2C44-532C-A86C-E172-AF3B62DEEDD0}"/>
+              </a:ext>
+            </a:extLst>
+          </p:cNvPr>
+          <p:cNvPicPr>
+            <a:picLocks noChangeAspect="1"/>
+          </p:cNvPicPr>
           <p:nvPr/>
-        </p:nvSpPr>
-        <p:spPr>
-          <a:xfrm>
-            <a:off x="838200" y="1583872"/>
-            <a:ext cx="10208079" cy="2062103"/>
+        </p:nvPicPr>
+        <p:blipFill>
+          <a:blip r:embed="rId2">
+            <a:extLst>
+              <a:ext uri="{28A0092B-C50C-407E-A947-70E740481C1C}">
+                <a14:useLocalDpi xmlns:a14="http://schemas.microsoft.com/office/drawing/2010/main" val="0"/>
+              </a:ext>
+            </a:extLst>
+          </a:blip>
+          <a:stretch>
+            <a:fillRect/>
+          </a:stretch>
+        </p:blipFill>
+        <p:spPr>
+          <a:xfrm>
+            <a:off x="339476" y="481149"/>
+            <a:ext cx="11707599" cy="5895701"/>
           </a:xfrm>
           <a:prstGeom prst="rect">
             <a:avLst/>
           </a:prstGeom>
-          <a:noFill/>
-        </p:spPr>
-        <p:txBody>
-          <a:bodyPr wrap="square" rtlCol="0">
-            <a:spAutoFit/>
-          </a:bodyPr>
-          <a:lstStyle/>
-          <a:p>
-            <a:pPr marL="457200" indent="-457200">
-              <a:buFont typeface="Wingdings" panose="05000000000000000000" pitchFamily="2" charset="2"/>
-              <a:buChar char="Ø"/>
-            </a:pPr>
-            <a:r>
-              <a:rPr lang="zh-CN" altLang="en-US" sz="3200" dirty="0"/>
-              <a:t>聚合根，主题对象</a:t>
-            </a:r>
-            <a:endParaRPr lang="en-US" altLang="zh-CN" sz="3200" dirty="0"/>
-          </a:p>
-          <a:p>
-            <a:pPr marL="457200" indent="-457200">
-              <a:buFont typeface="Wingdings" panose="05000000000000000000" pitchFamily="2" charset="2"/>
-              <a:buChar char="Ø"/>
-            </a:pPr>
-            <a:r>
-              <a:rPr lang="en-US" altLang="zh-CN" sz="3200" dirty="0"/>
-              <a:t>Entity </a:t>
-            </a:r>
-            <a:r>
-              <a:rPr lang="zh-CN" altLang="en-US" sz="3200" dirty="0"/>
-              <a:t>：数据的聚合</a:t>
-            </a:r>
-            <a:endParaRPr lang="en-US" altLang="zh-CN" sz="3200" dirty="0"/>
-          </a:p>
-          <a:p>
-            <a:pPr marL="457200" indent="-457200">
-              <a:buFont typeface="Wingdings" panose="05000000000000000000" pitchFamily="2" charset="2"/>
-              <a:buChar char="Ø"/>
-            </a:pPr>
-            <a:r>
-              <a:rPr lang="en-US" altLang="zh-CN" sz="3200" dirty="0" err="1"/>
-              <a:t>BizObject</a:t>
-            </a:r>
-            <a:r>
-              <a:rPr lang="en-US" altLang="zh-CN" sz="3200" dirty="0"/>
-              <a:t>: </a:t>
-            </a:r>
-            <a:r>
-              <a:rPr lang="zh-CN" altLang="en-US" sz="3200" dirty="0"/>
-              <a:t>行为的聚合</a:t>
-            </a:r>
-            <a:endParaRPr lang="en-US" altLang="zh-CN" sz="3200" dirty="0"/>
-          </a:p>
-          <a:p>
-            <a:pPr marL="457200" indent="-457200">
-              <a:buFont typeface="Wingdings" panose="05000000000000000000" pitchFamily="2" charset="2"/>
-              <a:buChar char="Ø"/>
-            </a:pPr>
-            <a:r>
-              <a:rPr lang="en-US" altLang="zh-CN" sz="3200" dirty="0" err="1"/>
-              <a:t>GraphQL</a:t>
-            </a:r>
-            <a:r>
-              <a:rPr lang="en-US" altLang="zh-CN" sz="3200" dirty="0"/>
-              <a:t> </a:t>
-            </a:r>
-            <a:r>
-              <a:rPr lang="zh-CN" altLang="en-US" sz="3200" dirty="0"/>
-              <a:t>：对象的组合和选择</a:t>
-            </a:r>
-            <a:endParaRPr lang="en-US" altLang="zh-CN" sz="3200" dirty="0"/>
-          </a:p>
-        </p:txBody>
-      </p:sp>
+        </p:spPr>
+      </p:pic>
     </p:spTree>
     <p:extLst>
       <p:ext uri="{BB962C8B-B14F-4D97-AF65-F5344CB8AC3E}">
-        <p14:creationId xmlns:p14="http://schemas.microsoft.com/office/powerpoint/2010/main" val="95777387"/>
+        <p14:creationId xmlns:p14="http://schemas.microsoft.com/office/powerpoint/2010/main" val="2317064406"/>
       </p:ext>
     </p:extLst>
   </p:cSld>
@@ -5617,117 +5214,338 @@
             <p:ph type="title"/>
           </p:nvPr>
         </p:nvSpPr>
-        <p:spPr/>
-        <p:txBody>
-          <a:bodyPr/>
-          <a:lstStyle/>
-          <a:p>
-            <a:r>
-              <a:rPr lang="en-US" altLang="zh-CN" b="1" dirty="0" err="1"/>
-              <a:t>Nop</a:t>
-            </a:r>
-            <a:r>
-              <a:rPr lang="zh-CN" altLang="en-US" b="1" dirty="0"/>
-              <a:t>平台中的</a:t>
-            </a:r>
-            <a:r>
-              <a:rPr lang="en-US" altLang="zh-CN" b="1" dirty="0"/>
-              <a:t>DDD</a:t>
-            </a:r>
-            <a:endParaRPr lang="zh-CN" altLang="en-US" b="1" dirty="0"/>
-          </a:p>
-        </p:txBody>
-      </p:sp>
-      <p:sp>
-        <p:nvSpPr>
-          <p:cNvPr id="9" name="文本框 8">
-            <a:extLst>
-              <a:ext uri="{FF2B5EF4-FFF2-40B4-BE49-F238E27FC236}">
-                <a16:creationId xmlns:a16="http://schemas.microsoft.com/office/drawing/2014/main" id="{540A60B3-93A5-7288-4BDF-50258236F659}"/>
-              </a:ext>
-            </a:extLst>
-          </p:cNvPr>
-          <p:cNvSpPr txBox="1"/>
+        <p:spPr>
+          <a:xfrm>
+            <a:off x="838200" y="365126"/>
+            <a:ext cx="9743983" cy="957648"/>
+          </a:xfrm>
+        </p:spPr>
+        <p:txBody>
+          <a:bodyPr>
+            <a:normAutofit/>
+          </a:bodyPr>
+          <a:lstStyle/>
+          <a:p>
+            <a:r>
+              <a:rPr lang="en-US" altLang="zh-CN" sz="4000" b="1" dirty="0" err="1"/>
+              <a:t>ReportEngine</a:t>
+            </a:r>
+            <a:r>
+              <a:rPr lang="zh-CN" altLang="en-US" sz="4000" b="1" dirty="0"/>
+              <a:t>的执行过程</a:t>
+            </a:r>
+          </a:p>
+        </p:txBody>
+      </p:sp>
+      <p:sp>
+        <p:nvSpPr>
+          <p:cNvPr id="3" name="Rectangle 2">
+            <a:extLst>
+              <a:ext uri="{FF2B5EF4-FFF2-40B4-BE49-F238E27FC236}">
+                <a16:creationId xmlns:a16="http://schemas.microsoft.com/office/drawing/2014/main" id="{22546DC7-22F0-2E50-C575-23AC24423656}"/>
+              </a:ext>
+            </a:extLst>
+          </p:cNvPr>
+          <p:cNvSpPr/>
           <p:nvPr/>
         </p:nvSpPr>
         <p:spPr>
           <a:xfrm>
-            <a:off x="838200" y="1583872"/>
-            <a:ext cx="10208079" cy="2062103"/>
+            <a:off x="985421" y="1393794"/>
+            <a:ext cx="2325950" cy="461638"/>
           </a:xfrm>
           <a:prstGeom prst="rect">
             <a:avLst/>
           </a:prstGeom>
-          <a:noFill/>
-        </p:spPr>
-        <p:txBody>
-          <a:bodyPr wrap="square" rtlCol="0">
-            <a:spAutoFit/>
-          </a:bodyPr>
-          <a:lstStyle/>
-          <a:p>
-            <a:pPr marL="457200" indent="-457200">
-              <a:buFont typeface="Wingdings" panose="05000000000000000000" pitchFamily="2" charset="2"/>
-              <a:buChar char="Ø"/>
-            </a:pPr>
-            <a:r>
-              <a:rPr lang="zh-CN" altLang="en-US" sz="3200" dirty="0"/>
-              <a:t>聚合根，主题对象</a:t>
-            </a:r>
-            <a:endParaRPr lang="en-US" altLang="zh-CN" sz="3200" dirty="0"/>
-          </a:p>
-          <a:p>
-            <a:pPr marL="457200" indent="-457200">
-              <a:buFont typeface="Wingdings" panose="05000000000000000000" pitchFamily="2" charset="2"/>
-              <a:buChar char="Ø"/>
-            </a:pPr>
-            <a:r>
-              <a:rPr lang="en-US" altLang="zh-CN" sz="3200" dirty="0"/>
-              <a:t>Entity </a:t>
-            </a:r>
-            <a:r>
-              <a:rPr lang="zh-CN" altLang="en-US" sz="3200" dirty="0"/>
-              <a:t>：数据的聚合</a:t>
-            </a:r>
-            <a:endParaRPr lang="en-US" altLang="zh-CN" sz="3200" dirty="0"/>
-          </a:p>
-          <a:p>
-            <a:pPr marL="457200" indent="-457200">
-              <a:buFont typeface="Wingdings" panose="05000000000000000000" pitchFamily="2" charset="2"/>
-              <a:buChar char="Ø"/>
-            </a:pPr>
-            <a:r>
-              <a:rPr lang="en-US" altLang="zh-CN" sz="3200" dirty="0" err="1"/>
-              <a:t>BizObject</a:t>
-            </a:r>
-            <a:r>
-              <a:rPr lang="en-US" altLang="zh-CN" sz="3200" dirty="0"/>
-              <a:t>: </a:t>
-            </a:r>
-            <a:r>
-              <a:rPr lang="zh-CN" altLang="en-US" sz="3200" dirty="0"/>
-              <a:t>行为的聚合</a:t>
-            </a:r>
-            <a:endParaRPr lang="en-US" altLang="zh-CN" sz="3200" dirty="0"/>
-          </a:p>
-          <a:p>
-            <a:pPr marL="457200" indent="-457200">
-              <a:buFont typeface="Wingdings" panose="05000000000000000000" pitchFamily="2" charset="2"/>
-              <a:buChar char="Ø"/>
-            </a:pPr>
-            <a:r>
-              <a:rPr lang="en-US" altLang="zh-CN" sz="3200" dirty="0" err="1"/>
-              <a:t>GraphQL</a:t>
-            </a:r>
-            <a:r>
-              <a:rPr lang="en-US" altLang="zh-CN" sz="3200" dirty="0"/>
-              <a:t> </a:t>
-            </a:r>
-            <a:r>
-              <a:rPr lang="zh-CN" altLang="en-US" sz="3200" dirty="0"/>
-              <a:t>：对象的组合和选择</a:t>
-            </a:r>
-            <a:endParaRPr lang="en-US" altLang="zh-CN" sz="3200" dirty="0"/>
+        </p:spPr>
+        <p:style>
+          <a:lnRef idx="2">
+            <a:schemeClr val="accent1">
+              <a:shade val="50000"/>
+            </a:schemeClr>
+          </a:lnRef>
+          <a:fillRef idx="1">
+            <a:schemeClr val="accent1"/>
+          </a:fillRef>
+          <a:effectRef idx="0">
+            <a:schemeClr val="accent1"/>
+          </a:effectRef>
+          <a:fontRef idx="minor">
+            <a:schemeClr val="lt1"/>
+          </a:fontRef>
+        </p:style>
+        <p:txBody>
+          <a:bodyPr rtlCol="0" anchor="ctr"/>
+          <a:lstStyle/>
+          <a:p>
+            <a:pPr algn="ctr"/>
+            <a:r>
+              <a:rPr lang="en-US" dirty="0" err="1"/>
+              <a:t>ExcelWorkbookParser</a:t>
+            </a:r>
+            <a:endParaRPr lang="en-US" dirty="0"/>
+          </a:p>
+        </p:txBody>
+      </p:sp>
+      <p:sp>
+        <p:nvSpPr>
+          <p:cNvPr id="4" name="Rectangle 3">
+            <a:extLst>
+              <a:ext uri="{FF2B5EF4-FFF2-40B4-BE49-F238E27FC236}">
+                <a16:creationId xmlns:a16="http://schemas.microsoft.com/office/drawing/2014/main" id="{43B67560-70ED-3102-7803-014F98DB1E76}"/>
+              </a:ext>
+            </a:extLst>
+          </p:cNvPr>
+          <p:cNvSpPr/>
+          <p:nvPr/>
+        </p:nvSpPr>
+        <p:spPr>
+          <a:xfrm>
+            <a:off x="621435" y="2253078"/>
+            <a:ext cx="3222595" cy="461638"/>
+          </a:xfrm>
+          <a:prstGeom prst="rect">
+            <a:avLst/>
+          </a:prstGeom>
+        </p:spPr>
+        <p:style>
+          <a:lnRef idx="2">
+            <a:schemeClr val="accent1">
+              <a:shade val="50000"/>
+            </a:schemeClr>
+          </a:lnRef>
+          <a:fillRef idx="1">
+            <a:schemeClr val="accent1"/>
+          </a:fillRef>
+          <a:effectRef idx="0">
+            <a:schemeClr val="accent1"/>
+          </a:effectRef>
+          <a:fontRef idx="minor">
+            <a:schemeClr val="lt1"/>
+          </a:fontRef>
+        </p:style>
+        <p:txBody>
+          <a:bodyPr rtlCol="0" anchor="ctr"/>
+          <a:lstStyle/>
+          <a:p>
+            <a:pPr algn="ctr"/>
+            <a:r>
+              <a:rPr lang="en-US" dirty="0" err="1"/>
+              <a:t>ExcelToXptModelTransformer</a:t>
+            </a:r>
+            <a:endParaRPr lang="en-US" dirty="0"/>
+          </a:p>
+        </p:txBody>
+      </p:sp>
+      <p:sp>
+        <p:nvSpPr>
+          <p:cNvPr id="5" name="Rectangle 4">
+            <a:extLst>
+              <a:ext uri="{FF2B5EF4-FFF2-40B4-BE49-F238E27FC236}">
+                <a16:creationId xmlns:a16="http://schemas.microsoft.com/office/drawing/2014/main" id="{9BD8A894-0E47-E0AF-DB03-9FAD7FF3A5F9}"/>
+              </a:ext>
+            </a:extLst>
+          </p:cNvPr>
+          <p:cNvSpPr/>
+          <p:nvPr/>
+        </p:nvSpPr>
+        <p:spPr>
+          <a:xfrm>
+            <a:off x="985421" y="3112362"/>
+            <a:ext cx="2325950" cy="461638"/>
+          </a:xfrm>
+          <a:prstGeom prst="rect">
+            <a:avLst/>
+          </a:prstGeom>
+        </p:spPr>
+        <p:style>
+          <a:lnRef idx="2">
+            <a:schemeClr val="accent1">
+              <a:shade val="50000"/>
+            </a:schemeClr>
+          </a:lnRef>
+          <a:fillRef idx="1">
+            <a:schemeClr val="accent1"/>
+          </a:fillRef>
+          <a:effectRef idx="0">
+            <a:schemeClr val="accent1"/>
+          </a:effectRef>
+          <a:fontRef idx="minor">
+            <a:schemeClr val="lt1"/>
+          </a:fontRef>
+        </p:style>
+        <p:txBody>
+          <a:bodyPr rtlCol="0" anchor="ctr"/>
+          <a:lstStyle/>
+          <a:p>
+            <a:pPr algn="ctr"/>
+            <a:r>
+              <a:rPr lang="en-US" dirty="0" err="1"/>
+              <a:t>X</a:t>
+            </a:r>
+            <a:r>
+              <a:rPr lang="en-US" altLang="zh-CN" dirty="0" err="1"/>
+              <a:t>ptModelBuilder</a:t>
+            </a:r>
+            <a:endParaRPr lang="en-US" dirty="0"/>
+          </a:p>
+        </p:txBody>
+      </p:sp>
+      <p:sp>
+        <p:nvSpPr>
+          <p:cNvPr id="8" name="Rectangle 7">
+            <a:extLst>
+              <a:ext uri="{FF2B5EF4-FFF2-40B4-BE49-F238E27FC236}">
+                <a16:creationId xmlns:a16="http://schemas.microsoft.com/office/drawing/2014/main" id="{D0D25639-CFF5-C348-8D5C-EAD8B5887951}"/>
+              </a:ext>
+            </a:extLst>
+          </p:cNvPr>
+          <p:cNvSpPr/>
+          <p:nvPr/>
+        </p:nvSpPr>
+        <p:spPr>
+          <a:xfrm>
+            <a:off x="985421" y="4090385"/>
+            <a:ext cx="2547892" cy="461638"/>
+          </a:xfrm>
+          <a:prstGeom prst="rect">
+            <a:avLst/>
+          </a:prstGeom>
+        </p:spPr>
+        <p:style>
+          <a:lnRef idx="2">
+            <a:schemeClr val="accent1">
+              <a:shade val="50000"/>
+            </a:schemeClr>
+          </a:lnRef>
+          <a:fillRef idx="1">
+            <a:schemeClr val="accent1"/>
+          </a:fillRef>
+          <a:effectRef idx="0">
+            <a:schemeClr val="accent1"/>
+          </a:effectRef>
+          <a:fontRef idx="minor">
+            <a:schemeClr val="lt1"/>
+          </a:fontRef>
+        </p:style>
+        <p:txBody>
+          <a:bodyPr rtlCol="0" anchor="ctr"/>
+          <a:lstStyle/>
+          <a:p>
+            <a:pPr algn="ctr"/>
+            <a:r>
+              <a:rPr lang="en-US" dirty="0" err="1"/>
+              <a:t>ReportSheetGenerator</a:t>
+            </a:r>
+            <a:endParaRPr lang="en-US" dirty="0"/>
+          </a:p>
+        </p:txBody>
+      </p:sp>
+      <p:sp>
+        <p:nvSpPr>
+          <p:cNvPr id="10" name="Rectangle 9">
+            <a:extLst>
+              <a:ext uri="{FF2B5EF4-FFF2-40B4-BE49-F238E27FC236}">
+                <a16:creationId xmlns:a16="http://schemas.microsoft.com/office/drawing/2014/main" id="{B0838584-C312-3319-B80F-AA5871743A2E}"/>
+              </a:ext>
+            </a:extLst>
+          </p:cNvPr>
+          <p:cNvSpPr/>
+          <p:nvPr/>
+        </p:nvSpPr>
+        <p:spPr>
+          <a:xfrm>
+            <a:off x="985421" y="4837589"/>
+            <a:ext cx="2325950" cy="461638"/>
+          </a:xfrm>
+          <a:prstGeom prst="rect">
+            <a:avLst/>
+          </a:prstGeom>
+        </p:spPr>
+        <p:style>
+          <a:lnRef idx="2">
+            <a:schemeClr val="accent1">
+              <a:shade val="50000"/>
+            </a:schemeClr>
+          </a:lnRef>
+          <a:fillRef idx="1">
+            <a:schemeClr val="accent1"/>
+          </a:fillRef>
+          <a:effectRef idx="0">
+            <a:schemeClr val="accent1"/>
+          </a:effectRef>
+          <a:fontRef idx="minor">
+            <a:schemeClr val="lt1"/>
+          </a:fontRef>
+        </p:style>
+        <p:txBody>
+          <a:bodyPr rtlCol="0" anchor="ctr"/>
+          <a:lstStyle/>
+          <a:p>
+            <a:pPr algn="ctr"/>
+            <a:r>
+              <a:rPr lang="en-US" dirty="0" err="1"/>
+              <a:t>TableExpander</a:t>
+            </a:r>
+            <a:endParaRPr lang="en-US" dirty="0"/>
+          </a:p>
+        </p:txBody>
+      </p:sp>
+      <p:sp>
+        <p:nvSpPr>
+          <p:cNvPr id="11" name="Rectangle 10">
+            <a:extLst>
+              <a:ext uri="{FF2B5EF4-FFF2-40B4-BE49-F238E27FC236}">
+                <a16:creationId xmlns:a16="http://schemas.microsoft.com/office/drawing/2014/main" id="{AB7B1E4A-63E0-643D-9A2E-8B9EAAFB5414}"/>
+              </a:ext>
+            </a:extLst>
+          </p:cNvPr>
+          <p:cNvSpPr/>
+          <p:nvPr/>
+        </p:nvSpPr>
+        <p:spPr>
+          <a:xfrm>
+            <a:off x="985421" y="5464206"/>
+            <a:ext cx="2325950" cy="578154"/>
+          </a:xfrm>
+          <a:prstGeom prst="rect">
+            <a:avLst/>
+          </a:prstGeom>
+        </p:spPr>
+        <p:style>
+          <a:lnRef idx="2">
+            <a:schemeClr val="accent1">
+              <a:shade val="50000"/>
+            </a:schemeClr>
+          </a:lnRef>
+          <a:fillRef idx="1">
+            <a:schemeClr val="accent1"/>
+          </a:fillRef>
+          <a:effectRef idx="0">
+            <a:schemeClr val="accent1"/>
+          </a:effectRef>
+          <a:fontRef idx="minor">
+            <a:schemeClr val="lt1"/>
+          </a:fontRef>
+        </p:style>
+        <p:txBody>
+          <a:bodyPr rtlCol="0" anchor="ctr"/>
+          <a:lstStyle/>
+          <a:p>
+            <a:pPr algn="ctr"/>
+            <a:r>
+              <a:rPr lang="en-US" dirty="0" err="1"/>
+              <a:t>CellRowExpander</a:t>
+            </a:r>
+            <a:endParaRPr lang="en-US" dirty="0"/>
+          </a:p>
+          <a:p>
+            <a:pPr algn="ctr"/>
+            <a:r>
+              <a:rPr lang="en-US" dirty="0" err="1"/>
+              <a:t>CellColExpander</a:t>
+            </a:r>
+            <a:endParaRPr lang="en-US" dirty="0"/>
           </a:p>
         </p:txBody>
       </p:sp>

--- a/docs/ppt/nop-report.pptx
+++ b/docs/ppt/nop-report.pptx
@@ -14,6 +14,12 @@
     <p:sldId id="296" r:id="rId8"/>
     <p:sldId id="295" r:id="rId9"/>
     <p:sldId id="292" r:id="rId10"/>
+    <p:sldId id="298" r:id="rId11"/>
+    <p:sldId id="301" r:id="rId12"/>
+    <p:sldId id="299" r:id="rId13"/>
+    <p:sldId id="300" r:id="rId14"/>
+    <p:sldId id="302" r:id="rId15"/>
+    <p:sldId id="303" r:id="rId16"/>
   </p:sldIdLst>
   <p:sldSz cx="12192000" cy="6858000"/>
   <p:notesSz cx="6858000" cy="9144000"/>
@@ -279,7 +285,7 @@
           <a:p>
             <a:fld id="{781BEADB-AF5A-4392-865E-B1E711821C65}" type="datetimeFigureOut">
               <a:rPr lang="zh-CN" altLang="en-US" smtClean="0"/>
-              <a:t>2023/10/24</a:t>
+              <a:t>2023/10/25</a:t>
             </a:fld>
             <a:endParaRPr lang="zh-CN" altLang="en-US"/>
           </a:p>
@@ -477,7 +483,7 @@
           <a:p>
             <a:fld id="{781BEADB-AF5A-4392-865E-B1E711821C65}" type="datetimeFigureOut">
               <a:rPr lang="zh-CN" altLang="en-US" smtClean="0"/>
-              <a:t>2023/10/24</a:t>
+              <a:t>2023/10/25</a:t>
             </a:fld>
             <a:endParaRPr lang="zh-CN" altLang="en-US"/>
           </a:p>
@@ -685,7 +691,7 @@
           <a:p>
             <a:fld id="{781BEADB-AF5A-4392-865E-B1E711821C65}" type="datetimeFigureOut">
               <a:rPr lang="zh-CN" altLang="en-US" smtClean="0"/>
-              <a:t>2023/10/24</a:t>
+              <a:t>2023/10/25</a:t>
             </a:fld>
             <a:endParaRPr lang="zh-CN" altLang="en-US"/>
           </a:p>
@@ -883,7 +889,7 @@
           <a:p>
             <a:fld id="{781BEADB-AF5A-4392-865E-B1E711821C65}" type="datetimeFigureOut">
               <a:rPr lang="zh-CN" altLang="en-US" smtClean="0"/>
-              <a:t>2023/10/24</a:t>
+              <a:t>2023/10/25</a:t>
             </a:fld>
             <a:endParaRPr lang="zh-CN" altLang="en-US"/>
           </a:p>
@@ -1158,7 +1164,7 @@
           <a:p>
             <a:fld id="{781BEADB-AF5A-4392-865E-B1E711821C65}" type="datetimeFigureOut">
               <a:rPr lang="zh-CN" altLang="en-US" smtClean="0"/>
-              <a:t>2023/10/24</a:t>
+              <a:t>2023/10/25</a:t>
             </a:fld>
             <a:endParaRPr lang="zh-CN" altLang="en-US"/>
           </a:p>
@@ -1423,7 +1429,7 @@
           <a:p>
             <a:fld id="{781BEADB-AF5A-4392-865E-B1E711821C65}" type="datetimeFigureOut">
               <a:rPr lang="zh-CN" altLang="en-US" smtClean="0"/>
-              <a:t>2023/10/24</a:t>
+              <a:t>2023/10/25</a:t>
             </a:fld>
             <a:endParaRPr lang="zh-CN" altLang="en-US"/>
           </a:p>
@@ -1835,7 +1841,7 @@
           <a:p>
             <a:fld id="{781BEADB-AF5A-4392-865E-B1E711821C65}" type="datetimeFigureOut">
               <a:rPr lang="zh-CN" altLang="en-US" smtClean="0"/>
-              <a:t>2023/10/24</a:t>
+              <a:t>2023/10/25</a:t>
             </a:fld>
             <a:endParaRPr lang="zh-CN" altLang="en-US"/>
           </a:p>
@@ -1976,7 +1982,7 @@
           <a:p>
             <a:fld id="{781BEADB-AF5A-4392-865E-B1E711821C65}" type="datetimeFigureOut">
               <a:rPr lang="zh-CN" altLang="en-US" smtClean="0"/>
-              <a:t>2023/10/24</a:t>
+              <a:t>2023/10/25</a:t>
             </a:fld>
             <a:endParaRPr lang="zh-CN" altLang="en-US"/>
           </a:p>
@@ -2089,7 +2095,7 @@
           <a:p>
             <a:fld id="{781BEADB-AF5A-4392-865E-B1E711821C65}" type="datetimeFigureOut">
               <a:rPr lang="zh-CN" altLang="en-US" smtClean="0"/>
-              <a:t>2023/10/24</a:t>
+              <a:t>2023/10/25</a:t>
             </a:fld>
             <a:endParaRPr lang="zh-CN" altLang="en-US"/>
           </a:p>
@@ -2400,7 +2406,7 @@
           <a:p>
             <a:fld id="{781BEADB-AF5A-4392-865E-B1E711821C65}" type="datetimeFigureOut">
               <a:rPr lang="zh-CN" altLang="en-US" smtClean="0"/>
-              <a:t>2023/10/24</a:t>
+              <a:t>2023/10/25</a:t>
             </a:fld>
             <a:endParaRPr lang="zh-CN" altLang="en-US"/>
           </a:p>
@@ -2688,7 +2694,7 @@
           <a:p>
             <a:fld id="{781BEADB-AF5A-4392-865E-B1E711821C65}" type="datetimeFigureOut">
               <a:rPr lang="zh-CN" altLang="en-US" smtClean="0"/>
-              <a:t>2023/10/24</a:t>
+              <a:t>2023/10/25</a:t>
             </a:fld>
             <a:endParaRPr lang="zh-CN" altLang="en-US"/>
           </a:p>
@@ -2929,7 +2935,7 @@
           <a:p>
             <a:fld id="{781BEADB-AF5A-4392-865E-B1E711821C65}" type="datetimeFigureOut">
               <a:rPr lang="zh-CN" altLang="en-US" smtClean="0"/>
-              <a:t>2023/10/24</a:t>
+              <a:t>2023/10/25</a:t>
             </a:fld>
             <a:endParaRPr lang="zh-CN" altLang="en-US"/>
           </a:p>
@@ -3474,6 +3480,1323 @@
 </p:sld>
 </file>
 
+<file path=ppt/slides/slide10.xml><?xml version="1.0" encoding="utf-8"?>
+<p:sld xmlns:a="http://schemas.openxmlformats.org/drawingml/2006/main" xmlns:r="http://schemas.openxmlformats.org/officeDocument/2006/relationships" xmlns:p="http://schemas.openxmlformats.org/presentationml/2006/main">
+  <p:cSld>
+    <p:spTree>
+      <p:nvGrpSpPr>
+        <p:cNvPr id="1" name=""/>
+        <p:cNvGrpSpPr/>
+        <p:nvPr/>
+      </p:nvGrpSpPr>
+      <p:grpSpPr>
+        <a:xfrm>
+          <a:off x="0" y="0"/>
+          <a:ext cx="0" cy="0"/>
+          <a:chOff x="0" y="0"/>
+          <a:chExt cx="0" cy="0"/>
+        </a:xfrm>
+      </p:grpSpPr>
+      <p:sp>
+        <p:nvSpPr>
+          <p:cNvPr id="2" name="标题 1">
+            <a:extLst>
+              <a:ext uri="{FF2B5EF4-FFF2-40B4-BE49-F238E27FC236}">
+                <a16:creationId xmlns:a16="http://schemas.microsoft.com/office/drawing/2014/main" id="{7B078A78-F1A6-B200-A327-496477BABCB1}"/>
+              </a:ext>
+            </a:extLst>
+          </p:cNvPr>
+          <p:cNvSpPr>
+            <a:spLocks noGrp="1"/>
+          </p:cNvSpPr>
+          <p:nvPr>
+            <p:ph type="title"/>
+          </p:nvPr>
+        </p:nvSpPr>
+        <p:spPr>
+          <a:xfrm>
+            <a:off x="838200" y="365126"/>
+            <a:ext cx="9743983" cy="957648"/>
+          </a:xfrm>
+        </p:spPr>
+        <p:txBody>
+          <a:bodyPr>
+            <a:normAutofit/>
+          </a:bodyPr>
+          <a:lstStyle/>
+          <a:p>
+            <a:r>
+              <a:rPr lang="zh-CN" altLang="en-US" sz="4000" b="1" dirty="0"/>
+              <a:t>核心数据结构：</a:t>
+            </a:r>
+            <a:r>
+              <a:rPr lang="en-US" altLang="zh-CN" sz="4000" b="1" dirty="0" err="1"/>
+              <a:t>ExpandedCell</a:t>
+            </a:r>
+            <a:endParaRPr lang="zh-CN" altLang="en-US" sz="4000" b="1" dirty="0"/>
+          </a:p>
+        </p:txBody>
+      </p:sp>
+      <p:pic>
+        <p:nvPicPr>
+          <p:cNvPr id="6" name="图片 5">
+            <a:extLst>
+              <a:ext uri="{FF2B5EF4-FFF2-40B4-BE49-F238E27FC236}">
+                <a16:creationId xmlns:a16="http://schemas.microsoft.com/office/drawing/2014/main" id="{D38E1AEB-6100-0B36-D4FD-23ACB024537A}"/>
+              </a:ext>
+            </a:extLst>
+          </p:cNvPr>
+          <p:cNvPicPr>
+            <a:picLocks noChangeAspect="1"/>
+          </p:cNvPicPr>
+          <p:nvPr/>
+        </p:nvPicPr>
+        <p:blipFill>
+          <a:blip r:embed="rId2"/>
+          <a:stretch>
+            <a:fillRect/>
+          </a:stretch>
+        </p:blipFill>
+        <p:spPr>
+          <a:xfrm>
+            <a:off x="306571" y="1821432"/>
+            <a:ext cx="11183001" cy="3803192"/>
+          </a:xfrm>
+          <a:prstGeom prst="rect">
+            <a:avLst/>
+          </a:prstGeom>
+        </p:spPr>
+      </p:pic>
+    </p:spTree>
+    <p:extLst>
+      <p:ext uri="{BB962C8B-B14F-4D97-AF65-F5344CB8AC3E}">
+        <p14:creationId xmlns:p14="http://schemas.microsoft.com/office/powerpoint/2010/main" val="378347807"/>
+      </p:ext>
+    </p:extLst>
+  </p:cSld>
+  <p:clrMapOvr>
+    <a:masterClrMapping/>
+  </p:clrMapOvr>
+</p:sld>
+</file>
+
+<file path=ppt/slides/slide11.xml><?xml version="1.0" encoding="utf-8"?>
+<p:sld xmlns:a="http://schemas.openxmlformats.org/drawingml/2006/main" xmlns:r="http://schemas.openxmlformats.org/officeDocument/2006/relationships" xmlns:p="http://schemas.openxmlformats.org/presentationml/2006/main">
+  <p:cSld>
+    <p:spTree>
+      <p:nvGrpSpPr>
+        <p:cNvPr id="1" name=""/>
+        <p:cNvGrpSpPr/>
+        <p:nvPr/>
+      </p:nvGrpSpPr>
+      <p:grpSpPr>
+        <a:xfrm>
+          <a:off x="0" y="0"/>
+          <a:ext cx="0" cy="0"/>
+          <a:chOff x="0" y="0"/>
+          <a:chExt cx="0" cy="0"/>
+        </a:xfrm>
+      </p:grpSpPr>
+      <p:sp>
+        <p:nvSpPr>
+          <p:cNvPr id="2" name="标题 1">
+            <a:extLst>
+              <a:ext uri="{FF2B5EF4-FFF2-40B4-BE49-F238E27FC236}">
+                <a16:creationId xmlns:a16="http://schemas.microsoft.com/office/drawing/2014/main" id="{7B078A78-F1A6-B200-A327-496477BABCB1}"/>
+              </a:ext>
+            </a:extLst>
+          </p:cNvPr>
+          <p:cNvSpPr>
+            <a:spLocks noGrp="1"/>
+          </p:cNvSpPr>
+          <p:nvPr>
+            <p:ph type="title"/>
+          </p:nvPr>
+        </p:nvSpPr>
+        <p:spPr>
+          <a:xfrm>
+            <a:off x="838200" y="365126"/>
+            <a:ext cx="9743983" cy="957648"/>
+          </a:xfrm>
+        </p:spPr>
+        <p:txBody>
+          <a:bodyPr>
+            <a:normAutofit/>
+          </a:bodyPr>
+          <a:lstStyle/>
+          <a:p>
+            <a:r>
+              <a:rPr lang="zh-CN" altLang="en-US" sz="4000" b="1" dirty="0"/>
+              <a:t>表格展开：逐个单元格展开</a:t>
+            </a:r>
+          </a:p>
+        </p:txBody>
+      </p:sp>
+      <p:pic>
+        <p:nvPicPr>
+          <p:cNvPr id="4" name="图片 3">
+            <a:extLst>
+              <a:ext uri="{FF2B5EF4-FFF2-40B4-BE49-F238E27FC236}">
+                <a16:creationId xmlns:a16="http://schemas.microsoft.com/office/drawing/2014/main" id="{C5C3FAF3-AF23-56EC-29C9-A815A7C191C8}"/>
+              </a:ext>
+            </a:extLst>
+          </p:cNvPr>
+          <p:cNvPicPr>
+            <a:picLocks noChangeAspect="1"/>
+          </p:cNvPicPr>
+          <p:nvPr/>
+        </p:nvPicPr>
+        <p:blipFill>
+          <a:blip r:embed="rId2">
+            <a:extLst>
+              <a:ext uri="{28A0092B-C50C-407E-A947-70E740481C1C}">
+                <a14:useLocalDpi xmlns:a14="http://schemas.microsoft.com/office/drawing/2010/main" val="0"/>
+              </a:ext>
+            </a:extLst>
+          </a:blip>
+          <a:stretch>
+            <a:fillRect/>
+          </a:stretch>
+        </p:blipFill>
+        <p:spPr>
+          <a:xfrm>
+            <a:off x="2136518" y="1411174"/>
+            <a:ext cx="6935563" cy="4922602"/>
+          </a:xfrm>
+          <a:prstGeom prst="rect">
+            <a:avLst/>
+          </a:prstGeom>
+        </p:spPr>
+      </p:pic>
+    </p:spTree>
+    <p:extLst>
+      <p:ext uri="{BB962C8B-B14F-4D97-AF65-F5344CB8AC3E}">
+        <p14:creationId xmlns:p14="http://schemas.microsoft.com/office/powerpoint/2010/main" val="904488663"/>
+      </p:ext>
+    </p:extLst>
+  </p:cSld>
+  <p:clrMapOvr>
+    <a:masterClrMapping/>
+  </p:clrMapOvr>
+</p:sld>
+</file>
+
+<file path=ppt/slides/slide12.xml><?xml version="1.0" encoding="utf-8"?>
+<p:sld xmlns:a="http://schemas.openxmlformats.org/drawingml/2006/main" xmlns:r="http://schemas.openxmlformats.org/officeDocument/2006/relationships" xmlns:p="http://schemas.openxmlformats.org/presentationml/2006/main">
+  <p:cSld>
+    <p:spTree>
+      <p:nvGrpSpPr>
+        <p:cNvPr id="1" name=""/>
+        <p:cNvGrpSpPr/>
+        <p:nvPr/>
+      </p:nvGrpSpPr>
+      <p:grpSpPr>
+        <a:xfrm>
+          <a:off x="0" y="0"/>
+          <a:ext cx="0" cy="0"/>
+          <a:chOff x="0" y="0"/>
+          <a:chExt cx="0" cy="0"/>
+        </a:xfrm>
+      </p:grpSpPr>
+      <p:sp>
+        <p:nvSpPr>
+          <p:cNvPr id="2" name="标题 1">
+            <a:extLst>
+              <a:ext uri="{FF2B5EF4-FFF2-40B4-BE49-F238E27FC236}">
+                <a16:creationId xmlns:a16="http://schemas.microsoft.com/office/drawing/2014/main" id="{7B078A78-F1A6-B200-A327-496477BABCB1}"/>
+              </a:ext>
+            </a:extLst>
+          </p:cNvPr>
+          <p:cNvSpPr>
+            <a:spLocks noGrp="1"/>
+          </p:cNvSpPr>
+          <p:nvPr>
+            <p:ph type="title"/>
+          </p:nvPr>
+        </p:nvSpPr>
+        <p:spPr>
+          <a:xfrm>
+            <a:off x="838200" y="365126"/>
+            <a:ext cx="9743983" cy="957648"/>
+          </a:xfrm>
+        </p:spPr>
+        <p:txBody>
+          <a:bodyPr>
+            <a:normAutofit/>
+          </a:bodyPr>
+          <a:lstStyle/>
+          <a:p>
+            <a:r>
+              <a:rPr lang="zh-CN" altLang="en-US" sz="4000" b="1" dirty="0"/>
+              <a:t>单元格展开</a:t>
+            </a:r>
+          </a:p>
+        </p:txBody>
+      </p:sp>
+      <p:sp>
+        <p:nvSpPr>
+          <p:cNvPr id="7" name="文本框 6">
+            <a:extLst>
+              <a:ext uri="{FF2B5EF4-FFF2-40B4-BE49-F238E27FC236}">
+                <a16:creationId xmlns:a16="http://schemas.microsoft.com/office/drawing/2014/main" id="{80AA2B11-A697-FB7B-4B42-707EB911F504}"/>
+              </a:ext>
+            </a:extLst>
+          </p:cNvPr>
+          <p:cNvSpPr txBox="1"/>
+          <p:nvPr/>
+        </p:nvSpPr>
+        <p:spPr>
+          <a:xfrm>
+            <a:off x="1148315" y="1637414"/>
+            <a:ext cx="9888279" cy="2862322"/>
+          </a:xfrm>
+          <a:prstGeom prst="rect">
+            <a:avLst/>
+          </a:prstGeom>
+          <a:noFill/>
+        </p:spPr>
+        <p:txBody>
+          <a:bodyPr wrap="square">
+            <a:spAutoFit/>
+          </a:bodyPr>
+          <a:lstStyle/>
+          <a:p>
+            <a:pPr marL="742950" indent="-742950">
+              <a:buFont typeface="+mj-lt"/>
+              <a:buAutoNum type="arabicPeriod"/>
+            </a:pPr>
+            <a:r>
+              <a:rPr lang="zh-CN" altLang="en-US" sz="3600" dirty="0"/>
+              <a:t>运行expandExpr得到展开对象列表</a:t>
+            </a:r>
+          </a:p>
+          <a:p>
+            <a:pPr marL="742950" indent="-742950">
+              <a:buFont typeface="+mj-lt"/>
+              <a:buAutoNum type="arabicPeriod"/>
+            </a:pPr>
+            <a:r>
+              <a:rPr lang="zh-CN" altLang="en-US" sz="3600" dirty="0"/>
+              <a:t>复用当前单元格作为展开后的第一个单元格</a:t>
+            </a:r>
+          </a:p>
+          <a:p>
+            <a:pPr marL="742950" indent="-742950">
+              <a:buFont typeface="+mj-lt"/>
+              <a:buAutoNum type="arabicPeriod"/>
+            </a:pPr>
+            <a:r>
+              <a:rPr lang="zh-CN" altLang="en-US" sz="3600" dirty="0"/>
+              <a:t>然后以这个单元格为模板复制n-1次</a:t>
+            </a:r>
+          </a:p>
+          <a:p>
+            <a:pPr marL="742950" indent="-742950">
+              <a:buFont typeface="+mj-lt"/>
+              <a:buAutoNum type="arabicPeriod"/>
+            </a:pPr>
+            <a:r>
+              <a:rPr lang="zh-CN" altLang="en-US" sz="3600" dirty="0"/>
+              <a:t>扩展同一行或者同一列中的父单元格</a:t>
+            </a:r>
+          </a:p>
+          <a:p>
+            <a:endParaRPr lang="zh-CN" altLang="en-US" sz="3600" dirty="0"/>
+          </a:p>
+        </p:txBody>
+      </p:sp>
+      <p:sp>
+        <p:nvSpPr>
+          <p:cNvPr id="8" name="矩形 7">
+            <a:extLst>
+              <a:ext uri="{FF2B5EF4-FFF2-40B4-BE49-F238E27FC236}">
+                <a16:creationId xmlns:a16="http://schemas.microsoft.com/office/drawing/2014/main" id="{DBCE88C7-01C0-6386-25E0-4095F4B0722B}"/>
+              </a:ext>
+            </a:extLst>
+          </p:cNvPr>
+          <p:cNvSpPr/>
+          <p:nvPr/>
+        </p:nvSpPr>
+        <p:spPr>
+          <a:xfrm>
+            <a:off x="1403498" y="4518837"/>
+            <a:ext cx="9178685" cy="1974037"/>
+          </a:xfrm>
+          <a:prstGeom prst="rect">
+            <a:avLst/>
+          </a:prstGeom>
+          <a:solidFill>
+            <a:schemeClr val="accent2">
+              <a:lumMod val="40000"/>
+              <a:lumOff val="60000"/>
+            </a:schemeClr>
+          </a:solidFill>
+        </p:spPr>
+        <p:style>
+          <a:lnRef idx="2">
+            <a:schemeClr val="accent1">
+              <a:shade val="15000"/>
+            </a:schemeClr>
+          </a:lnRef>
+          <a:fillRef idx="1">
+            <a:schemeClr val="accent1"/>
+          </a:fillRef>
+          <a:effectRef idx="0">
+            <a:schemeClr val="accent1"/>
+          </a:effectRef>
+          <a:fontRef idx="minor">
+            <a:schemeClr val="lt1"/>
+          </a:fontRef>
+        </p:style>
+        <p:txBody>
+          <a:bodyPr rtlCol="0" anchor="ctr"/>
+          <a:lstStyle/>
+          <a:p>
+            <a:pPr algn="ctr"/>
+            <a:endParaRPr lang="zh-CN" altLang="en-US"/>
+          </a:p>
+        </p:txBody>
+      </p:sp>
+      <p:sp>
+        <p:nvSpPr>
+          <p:cNvPr id="11" name="文本框 10">
+            <a:extLst>
+              <a:ext uri="{FF2B5EF4-FFF2-40B4-BE49-F238E27FC236}">
+                <a16:creationId xmlns:a16="http://schemas.microsoft.com/office/drawing/2014/main" id="{77115767-5F7B-0FF3-332B-35BE9821587D}"/>
+              </a:ext>
+            </a:extLst>
+          </p:cNvPr>
+          <p:cNvSpPr txBox="1"/>
+          <p:nvPr/>
+        </p:nvSpPr>
+        <p:spPr>
+          <a:xfrm>
+            <a:off x="1756881" y="4767209"/>
+            <a:ext cx="924674" cy="369332"/>
+          </a:xfrm>
+          <a:prstGeom prst="rect">
+            <a:avLst/>
+          </a:prstGeom>
+          <a:noFill/>
+        </p:spPr>
+        <p:txBody>
+          <a:bodyPr wrap="square" rtlCol="0">
+            <a:spAutoFit/>
+          </a:bodyPr>
+          <a:lstStyle/>
+          <a:p>
+            <a:r>
+              <a:rPr lang="zh-CN" altLang="en-US" dirty="0"/>
+              <a:t>父格</a:t>
+            </a:r>
+          </a:p>
+        </p:txBody>
+      </p:sp>
+      <p:sp>
+        <p:nvSpPr>
+          <p:cNvPr id="15" name="矩形 14">
+            <a:extLst>
+              <a:ext uri="{FF2B5EF4-FFF2-40B4-BE49-F238E27FC236}">
+                <a16:creationId xmlns:a16="http://schemas.microsoft.com/office/drawing/2014/main" id="{8CF882B3-2CA8-996F-C8BC-A0C2188319ED}"/>
+              </a:ext>
+            </a:extLst>
+          </p:cNvPr>
+          <p:cNvSpPr/>
+          <p:nvPr/>
+        </p:nvSpPr>
+        <p:spPr>
+          <a:xfrm>
+            <a:off x="6181256" y="4723243"/>
+            <a:ext cx="2260314" cy="750013"/>
+          </a:xfrm>
+          <a:prstGeom prst="rect">
+            <a:avLst/>
+          </a:prstGeom>
+          <a:solidFill>
+            <a:schemeClr val="accent5">
+              <a:lumMod val="40000"/>
+              <a:lumOff val="60000"/>
+            </a:schemeClr>
+          </a:solidFill>
+        </p:spPr>
+        <p:style>
+          <a:lnRef idx="2">
+            <a:schemeClr val="accent1">
+              <a:shade val="15000"/>
+            </a:schemeClr>
+          </a:lnRef>
+          <a:fillRef idx="1">
+            <a:schemeClr val="accent1"/>
+          </a:fillRef>
+          <a:effectRef idx="0">
+            <a:schemeClr val="accent1"/>
+          </a:effectRef>
+          <a:fontRef idx="minor">
+            <a:schemeClr val="lt1"/>
+          </a:fontRef>
+        </p:style>
+        <p:txBody>
+          <a:bodyPr rtlCol="0" anchor="ctr"/>
+          <a:lstStyle/>
+          <a:p>
+            <a:pPr algn="ctr"/>
+            <a:r>
+              <a:rPr lang="zh-CN" altLang="en-US" dirty="0">
+                <a:solidFill>
+                  <a:schemeClr val="tx1"/>
+                </a:solidFill>
+              </a:rPr>
+              <a:t>子格</a:t>
+            </a:r>
+          </a:p>
+        </p:txBody>
+      </p:sp>
+      <p:sp>
+        <p:nvSpPr>
+          <p:cNvPr id="16" name="矩形 15">
+            <a:extLst>
+              <a:ext uri="{FF2B5EF4-FFF2-40B4-BE49-F238E27FC236}">
+                <a16:creationId xmlns:a16="http://schemas.microsoft.com/office/drawing/2014/main" id="{C520B869-2F70-8724-991E-3370C261EC4E}"/>
+              </a:ext>
+            </a:extLst>
+          </p:cNvPr>
+          <p:cNvSpPr/>
+          <p:nvPr/>
+        </p:nvSpPr>
+        <p:spPr>
+          <a:xfrm>
+            <a:off x="6179679" y="5644183"/>
+            <a:ext cx="2260314" cy="750013"/>
+          </a:xfrm>
+          <a:prstGeom prst="rect">
+            <a:avLst/>
+          </a:prstGeom>
+          <a:solidFill>
+            <a:schemeClr val="accent5">
+              <a:lumMod val="40000"/>
+              <a:lumOff val="60000"/>
+            </a:schemeClr>
+          </a:solidFill>
+        </p:spPr>
+        <p:style>
+          <a:lnRef idx="2">
+            <a:schemeClr val="accent1">
+              <a:shade val="15000"/>
+            </a:schemeClr>
+          </a:lnRef>
+          <a:fillRef idx="1">
+            <a:schemeClr val="accent1"/>
+          </a:fillRef>
+          <a:effectRef idx="0">
+            <a:schemeClr val="accent1"/>
+          </a:effectRef>
+          <a:fontRef idx="minor">
+            <a:schemeClr val="lt1"/>
+          </a:fontRef>
+        </p:style>
+        <p:txBody>
+          <a:bodyPr rtlCol="0" anchor="ctr"/>
+          <a:lstStyle/>
+          <a:p>
+            <a:pPr algn="ctr"/>
+            <a:r>
+              <a:rPr lang="zh-CN" altLang="en-US" dirty="0">
+                <a:solidFill>
+                  <a:schemeClr val="tx1"/>
+                </a:solidFill>
+              </a:rPr>
+              <a:t>子格</a:t>
+            </a:r>
+          </a:p>
+        </p:txBody>
+      </p:sp>
+      <p:sp>
+        <p:nvSpPr>
+          <p:cNvPr id="17" name="矩形 16">
+            <a:extLst>
+              <a:ext uri="{FF2B5EF4-FFF2-40B4-BE49-F238E27FC236}">
+                <a16:creationId xmlns:a16="http://schemas.microsoft.com/office/drawing/2014/main" id="{DC166039-1AB5-37ED-DA28-5781BBA5F448}"/>
+              </a:ext>
+            </a:extLst>
+          </p:cNvPr>
+          <p:cNvSpPr/>
+          <p:nvPr/>
+        </p:nvSpPr>
+        <p:spPr>
+          <a:xfrm>
+            <a:off x="3521217" y="4745589"/>
+            <a:ext cx="2260314" cy="750013"/>
+          </a:xfrm>
+          <a:prstGeom prst="rect">
+            <a:avLst/>
+          </a:prstGeom>
+          <a:solidFill>
+            <a:schemeClr val="accent5">
+              <a:lumMod val="40000"/>
+              <a:lumOff val="60000"/>
+            </a:schemeClr>
+          </a:solidFill>
+        </p:spPr>
+        <p:style>
+          <a:lnRef idx="2">
+            <a:schemeClr val="accent1">
+              <a:shade val="15000"/>
+            </a:schemeClr>
+          </a:lnRef>
+          <a:fillRef idx="1">
+            <a:schemeClr val="accent1"/>
+          </a:fillRef>
+          <a:effectRef idx="0">
+            <a:schemeClr val="accent1"/>
+          </a:effectRef>
+          <a:fontRef idx="minor">
+            <a:schemeClr val="lt1"/>
+          </a:fontRef>
+        </p:style>
+        <p:txBody>
+          <a:bodyPr rtlCol="0" anchor="ctr"/>
+          <a:lstStyle/>
+          <a:p>
+            <a:pPr algn="ctr"/>
+            <a:r>
+              <a:rPr lang="zh-CN" altLang="en-US" dirty="0">
+                <a:solidFill>
+                  <a:schemeClr val="tx1"/>
+                </a:solidFill>
+              </a:rPr>
+              <a:t>子格</a:t>
+            </a:r>
+          </a:p>
+        </p:txBody>
+      </p:sp>
+      <p:sp>
+        <p:nvSpPr>
+          <p:cNvPr id="18" name="矩形 17">
+            <a:extLst>
+              <a:ext uri="{FF2B5EF4-FFF2-40B4-BE49-F238E27FC236}">
+                <a16:creationId xmlns:a16="http://schemas.microsoft.com/office/drawing/2014/main" id="{0EFF2757-BBF9-B9A8-5E71-C2AD23DE7CA4}"/>
+              </a:ext>
+            </a:extLst>
+          </p:cNvPr>
+          <p:cNvSpPr/>
+          <p:nvPr/>
+        </p:nvSpPr>
+        <p:spPr>
+          <a:xfrm>
+            <a:off x="3521217" y="5619231"/>
+            <a:ext cx="2260314" cy="750013"/>
+          </a:xfrm>
+          <a:prstGeom prst="rect">
+            <a:avLst/>
+          </a:prstGeom>
+          <a:solidFill>
+            <a:schemeClr val="accent5">
+              <a:lumMod val="40000"/>
+              <a:lumOff val="60000"/>
+            </a:schemeClr>
+          </a:solidFill>
+        </p:spPr>
+        <p:style>
+          <a:lnRef idx="2">
+            <a:schemeClr val="accent1">
+              <a:shade val="15000"/>
+            </a:schemeClr>
+          </a:lnRef>
+          <a:fillRef idx="1">
+            <a:schemeClr val="accent1"/>
+          </a:fillRef>
+          <a:effectRef idx="0">
+            <a:schemeClr val="accent1"/>
+          </a:effectRef>
+          <a:fontRef idx="minor">
+            <a:schemeClr val="lt1"/>
+          </a:fontRef>
+        </p:style>
+        <p:txBody>
+          <a:bodyPr rtlCol="0" anchor="ctr"/>
+          <a:lstStyle/>
+          <a:p>
+            <a:pPr algn="ctr"/>
+            <a:r>
+              <a:rPr lang="zh-CN" altLang="en-US" dirty="0">
+                <a:solidFill>
+                  <a:schemeClr val="tx1"/>
+                </a:solidFill>
+              </a:rPr>
+              <a:t>子格</a:t>
+            </a:r>
+          </a:p>
+        </p:txBody>
+      </p:sp>
+      <p:sp>
+        <p:nvSpPr>
+          <p:cNvPr id="19" name="文本框 18">
+            <a:extLst>
+              <a:ext uri="{FF2B5EF4-FFF2-40B4-BE49-F238E27FC236}">
+                <a16:creationId xmlns:a16="http://schemas.microsoft.com/office/drawing/2014/main" id="{37A2A0D3-FD25-2BCE-A534-307AF40DC01D}"/>
+              </a:ext>
+            </a:extLst>
+          </p:cNvPr>
+          <p:cNvSpPr txBox="1"/>
+          <p:nvPr/>
+        </p:nvSpPr>
+        <p:spPr>
+          <a:xfrm>
+            <a:off x="9061807" y="4849402"/>
+            <a:ext cx="1373312" cy="1200329"/>
+          </a:xfrm>
+          <a:prstGeom prst="rect">
+            <a:avLst/>
+          </a:prstGeom>
+          <a:noFill/>
+        </p:spPr>
+        <p:txBody>
+          <a:bodyPr wrap="square" rtlCol="0">
+            <a:spAutoFit/>
+          </a:bodyPr>
+          <a:lstStyle/>
+          <a:p>
+            <a:r>
+              <a:rPr lang="zh-CN" altLang="en-US" dirty="0"/>
+              <a:t>每个父格会管辖一块包含所有子格的连续区域</a:t>
+            </a:r>
+          </a:p>
+        </p:txBody>
+      </p:sp>
+    </p:spTree>
+    <p:extLst>
+      <p:ext uri="{BB962C8B-B14F-4D97-AF65-F5344CB8AC3E}">
+        <p14:creationId xmlns:p14="http://schemas.microsoft.com/office/powerpoint/2010/main" val="4162426800"/>
+      </p:ext>
+    </p:extLst>
+  </p:cSld>
+  <p:clrMapOvr>
+    <a:masterClrMapping/>
+  </p:clrMapOvr>
+</p:sld>
+</file>
+
+<file path=ppt/slides/slide13.xml><?xml version="1.0" encoding="utf-8"?>
+<p:sld xmlns:a="http://schemas.openxmlformats.org/drawingml/2006/main" xmlns:r="http://schemas.openxmlformats.org/officeDocument/2006/relationships" xmlns:p="http://schemas.openxmlformats.org/presentationml/2006/main">
+  <p:cSld>
+    <p:spTree>
+      <p:nvGrpSpPr>
+        <p:cNvPr id="1" name=""/>
+        <p:cNvGrpSpPr/>
+        <p:nvPr/>
+      </p:nvGrpSpPr>
+      <p:grpSpPr>
+        <a:xfrm>
+          <a:off x="0" y="0"/>
+          <a:ext cx="0" cy="0"/>
+          <a:chOff x="0" y="0"/>
+          <a:chExt cx="0" cy="0"/>
+        </a:xfrm>
+      </p:grpSpPr>
+      <p:pic>
+        <p:nvPicPr>
+          <p:cNvPr id="6" name="图片 5">
+            <a:extLst>
+              <a:ext uri="{FF2B5EF4-FFF2-40B4-BE49-F238E27FC236}">
+                <a16:creationId xmlns:a16="http://schemas.microsoft.com/office/drawing/2014/main" id="{F555E21C-878B-90AE-68D1-9387927872FE}"/>
+              </a:ext>
+            </a:extLst>
+          </p:cNvPr>
+          <p:cNvPicPr>
+            <a:picLocks noChangeAspect="1"/>
+          </p:cNvPicPr>
+          <p:nvPr/>
+        </p:nvPicPr>
+        <p:blipFill>
+          <a:blip r:embed="rId2">
+            <a:extLst>
+              <a:ext uri="{28A0092B-C50C-407E-A947-70E740481C1C}">
+                <a14:useLocalDpi xmlns:a14="http://schemas.microsoft.com/office/drawing/2010/main" val="0"/>
+              </a:ext>
+            </a:extLst>
+          </a:blip>
+          <a:stretch>
+            <a:fillRect/>
+          </a:stretch>
+        </p:blipFill>
+        <p:spPr>
+          <a:xfrm>
+            <a:off x="3551382" y="4059606"/>
+            <a:ext cx="5703546" cy="2321960"/>
+          </a:xfrm>
+          <a:prstGeom prst="rect">
+            <a:avLst/>
+          </a:prstGeom>
+        </p:spPr>
+      </p:pic>
+      <p:sp>
+        <p:nvSpPr>
+          <p:cNvPr id="2" name="标题 1">
+            <a:extLst>
+              <a:ext uri="{FF2B5EF4-FFF2-40B4-BE49-F238E27FC236}">
+                <a16:creationId xmlns:a16="http://schemas.microsoft.com/office/drawing/2014/main" id="{7B078A78-F1A6-B200-A327-496477BABCB1}"/>
+              </a:ext>
+            </a:extLst>
+          </p:cNvPr>
+          <p:cNvSpPr>
+            <a:spLocks noGrp="1"/>
+          </p:cNvSpPr>
+          <p:nvPr>
+            <p:ph type="title"/>
+          </p:nvPr>
+        </p:nvSpPr>
+        <p:spPr>
+          <a:xfrm>
+            <a:off x="838200" y="365126"/>
+            <a:ext cx="9743983" cy="957648"/>
+          </a:xfrm>
+        </p:spPr>
+        <p:txBody>
+          <a:bodyPr>
+            <a:normAutofit/>
+          </a:bodyPr>
+          <a:lstStyle/>
+          <a:p>
+            <a:r>
+              <a:rPr lang="zh-CN" altLang="en-US" sz="4000" b="1" dirty="0"/>
+              <a:t>报表表达式</a:t>
+            </a:r>
+          </a:p>
+        </p:txBody>
+      </p:sp>
+      <p:sp>
+        <p:nvSpPr>
+          <p:cNvPr id="7" name="文本框 6">
+            <a:extLst>
+              <a:ext uri="{FF2B5EF4-FFF2-40B4-BE49-F238E27FC236}">
+                <a16:creationId xmlns:a16="http://schemas.microsoft.com/office/drawing/2014/main" id="{80AA2B11-A697-FB7B-4B42-707EB911F504}"/>
+              </a:ext>
+            </a:extLst>
+          </p:cNvPr>
+          <p:cNvSpPr txBox="1"/>
+          <p:nvPr/>
+        </p:nvSpPr>
+        <p:spPr>
+          <a:xfrm>
+            <a:off x="1148315" y="1637414"/>
+            <a:ext cx="9888279" cy="3416320"/>
+          </a:xfrm>
+          <a:prstGeom prst="rect">
+            <a:avLst/>
+          </a:prstGeom>
+          <a:noFill/>
+        </p:spPr>
+        <p:txBody>
+          <a:bodyPr wrap="square">
+            <a:spAutoFit/>
+          </a:bodyPr>
+          <a:lstStyle/>
+          <a:p>
+            <a:pPr marL="742950" indent="-742950">
+              <a:buFont typeface="+mj-lt"/>
+              <a:buAutoNum type="arabicPeriod"/>
+            </a:pPr>
+            <a:r>
+              <a:rPr lang="zh-CN" altLang="en-US" sz="3600" dirty="0"/>
+              <a:t>支持层次坐标</a:t>
+            </a:r>
+            <a:endParaRPr lang="en-US" altLang="zh-CN" sz="3600" dirty="0"/>
+          </a:p>
+          <a:p>
+            <a:pPr marL="742950" indent="-742950">
+              <a:buFont typeface="+mj-lt"/>
+              <a:buAutoNum type="arabicPeriod"/>
+            </a:pPr>
+            <a:r>
+              <a:rPr lang="zh-CN" altLang="en-US" sz="3600" dirty="0"/>
+              <a:t>支持</a:t>
+            </a:r>
+            <a:r>
+              <a:rPr lang="en-US" altLang="zh-CN" sz="3600" dirty="0"/>
+              <a:t>Lambda</a:t>
+            </a:r>
+            <a:r>
+              <a:rPr lang="zh-CN" altLang="en-US" sz="3600" dirty="0"/>
+              <a:t>表达式和</a:t>
+            </a:r>
+            <a:r>
+              <a:rPr lang="en-US" altLang="zh-CN" sz="3600" dirty="0"/>
+              <a:t>map/filter</a:t>
+            </a:r>
+            <a:r>
+              <a:rPr lang="zh-CN" altLang="en-US" sz="3600" dirty="0"/>
+              <a:t>等集合运算</a:t>
+            </a:r>
+            <a:endParaRPr lang="en-US" altLang="zh-CN" sz="3600" dirty="0"/>
+          </a:p>
+          <a:p>
+            <a:pPr marL="742950" indent="-742950">
+              <a:buFont typeface="+mj-lt"/>
+              <a:buAutoNum type="arabicPeriod"/>
+            </a:pPr>
+            <a:r>
+              <a:rPr lang="zh-CN" altLang="en-US" sz="3600" dirty="0"/>
+              <a:t>支持对象函数</a:t>
+            </a:r>
+            <a:endParaRPr lang="en-US" altLang="zh-CN" sz="3600" dirty="0"/>
+          </a:p>
+          <a:p>
+            <a:pPr marL="742950" indent="-742950">
+              <a:buFont typeface="+mj-lt"/>
+              <a:buAutoNum type="arabicPeriod"/>
+            </a:pPr>
+            <a:r>
+              <a:rPr lang="zh-CN" altLang="en-US" sz="3600" dirty="0"/>
+              <a:t>支持自定义函数和自定义对象</a:t>
+            </a:r>
+            <a:endParaRPr lang="en-US" altLang="zh-CN" sz="3600" dirty="0"/>
+          </a:p>
+          <a:p>
+            <a:pPr marL="742950" indent="-742950">
+              <a:buFont typeface="+mj-lt"/>
+              <a:buAutoNum type="arabicPeriod"/>
+            </a:pPr>
+            <a:r>
+              <a:rPr lang="zh-CN" altLang="en-US" sz="3600" dirty="0"/>
+              <a:t>函数的缓存优化</a:t>
+            </a:r>
+          </a:p>
+          <a:p>
+            <a:endParaRPr lang="zh-CN" altLang="en-US" sz="3600" dirty="0"/>
+          </a:p>
+        </p:txBody>
+      </p:sp>
+    </p:spTree>
+    <p:extLst>
+      <p:ext uri="{BB962C8B-B14F-4D97-AF65-F5344CB8AC3E}">
+        <p14:creationId xmlns:p14="http://schemas.microsoft.com/office/powerpoint/2010/main" val="1820665276"/>
+      </p:ext>
+    </p:extLst>
+  </p:cSld>
+  <p:clrMapOvr>
+    <a:masterClrMapping/>
+  </p:clrMapOvr>
+</p:sld>
+</file>
+
+<file path=ppt/slides/slide14.xml><?xml version="1.0" encoding="utf-8"?>
+<p:sld xmlns:a="http://schemas.openxmlformats.org/drawingml/2006/main" xmlns:r="http://schemas.openxmlformats.org/officeDocument/2006/relationships" xmlns:p="http://schemas.openxmlformats.org/presentationml/2006/main">
+  <p:cSld>
+    <p:spTree>
+      <p:nvGrpSpPr>
+        <p:cNvPr id="1" name=""/>
+        <p:cNvGrpSpPr/>
+        <p:nvPr/>
+      </p:nvGrpSpPr>
+      <p:grpSpPr>
+        <a:xfrm>
+          <a:off x="0" y="0"/>
+          <a:ext cx="0" cy="0"/>
+          <a:chOff x="0" y="0"/>
+          <a:chExt cx="0" cy="0"/>
+        </a:xfrm>
+      </p:grpSpPr>
+      <p:sp>
+        <p:nvSpPr>
+          <p:cNvPr id="2" name="标题 1">
+            <a:extLst>
+              <a:ext uri="{FF2B5EF4-FFF2-40B4-BE49-F238E27FC236}">
+                <a16:creationId xmlns:a16="http://schemas.microsoft.com/office/drawing/2014/main" id="{7B078A78-F1A6-B200-A327-496477BABCB1}"/>
+              </a:ext>
+            </a:extLst>
+          </p:cNvPr>
+          <p:cNvSpPr>
+            <a:spLocks noGrp="1"/>
+          </p:cNvSpPr>
+          <p:nvPr>
+            <p:ph type="title"/>
+          </p:nvPr>
+        </p:nvSpPr>
+        <p:spPr>
+          <a:xfrm>
+            <a:off x="838200" y="365126"/>
+            <a:ext cx="9743983" cy="957648"/>
+          </a:xfrm>
+        </p:spPr>
+        <p:txBody>
+          <a:bodyPr>
+            <a:normAutofit/>
+          </a:bodyPr>
+          <a:lstStyle/>
+          <a:p>
+            <a:r>
+              <a:rPr lang="zh-CN" altLang="en-US" sz="4000" b="1" dirty="0"/>
+              <a:t>动态数据集</a:t>
+            </a:r>
+          </a:p>
+        </p:txBody>
+      </p:sp>
+      <p:sp>
+        <p:nvSpPr>
+          <p:cNvPr id="7" name="文本框 6">
+            <a:extLst>
+              <a:ext uri="{FF2B5EF4-FFF2-40B4-BE49-F238E27FC236}">
+                <a16:creationId xmlns:a16="http://schemas.microsoft.com/office/drawing/2014/main" id="{80AA2B11-A697-FB7B-4B42-707EB911F504}"/>
+              </a:ext>
+            </a:extLst>
+          </p:cNvPr>
+          <p:cNvSpPr txBox="1"/>
+          <p:nvPr/>
+        </p:nvSpPr>
+        <p:spPr>
+          <a:xfrm>
+            <a:off x="963380" y="1637414"/>
+            <a:ext cx="10769707" cy="646331"/>
+          </a:xfrm>
+          <a:prstGeom prst="rect">
+            <a:avLst/>
+          </a:prstGeom>
+          <a:noFill/>
+        </p:spPr>
+        <p:txBody>
+          <a:bodyPr wrap="square">
+            <a:spAutoFit/>
+          </a:bodyPr>
+          <a:lstStyle/>
+          <a:p>
+            <a:r>
+              <a:rPr lang="zh-CN" altLang="en-US" sz="3600" dirty="0"/>
+              <a:t>根据父格的</a:t>
+            </a:r>
+            <a:r>
+              <a:rPr lang="en-US" altLang="zh-CN" sz="3600" dirty="0" err="1"/>
+              <a:t>expandedValue</a:t>
+            </a:r>
+            <a:r>
+              <a:rPr lang="zh-CN" altLang="en-US" sz="3600" dirty="0"/>
+              <a:t>的交集确定当前数据集合</a:t>
+            </a:r>
+          </a:p>
+        </p:txBody>
+      </p:sp>
+      <p:pic>
+        <p:nvPicPr>
+          <p:cNvPr id="4" name="图片 3">
+            <a:extLst>
+              <a:ext uri="{FF2B5EF4-FFF2-40B4-BE49-F238E27FC236}">
+                <a16:creationId xmlns:a16="http://schemas.microsoft.com/office/drawing/2014/main" id="{584C0188-1934-9282-699A-92372C5515A3}"/>
+              </a:ext>
+            </a:extLst>
+          </p:cNvPr>
+          <p:cNvPicPr>
+            <a:picLocks noChangeAspect="1"/>
+          </p:cNvPicPr>
+          <p:nvPr/>
+        </p:nvPicPr>
+        <p:blipFill>
+          <a:blip r:embed="rId2">
+            <a:extLst>
+              <a:ext uri="{28A0092B-C50C-407E-A947-70E740481C1C}">
+                <a14:useLocalDpi xmlns:a14="http://schemas.microsoft.com/office/drawing/2010/main" val="0"/>
+              </a:ext>
+            </a:extLst>
+          </a:blip>
+          <a:stretch>
+            <a:fillRect/>
+          </a:stretch>
+        </p:blipFill>
+        <p:spPr>
+          <a:xfrm>
+            <a:off x="2775314" y="2859995"/>
+            <a:ext cx="6255671" cy="3759565"/>
+          </a:xfrm>
+          <a:prstGeom prst="rect">
+            <a:avLst/>
+          </a:prstGeom>
+        </p:spPr>
+      </p:pic>
+      <p:sp>
+        <p:nvSpPr>
+          <p:cNvPr id="5" name="文本框 4">
+            <a:extLst>
+              <a:ext uri="{FF2B5EF4-FFF2-40B4-BE49-F238E27FC236}">
+                <a16:creationId xmlns:a16="http://schemas.microsoft.com/office/drawing/2014/main" id="{036033FF-7391-CCBE-2DB7-55ABED3EF5A3}"/>
+              </a:ext>
+            </a:extLst>
+          </p:cNvPr>
+          <p:cNvSpPr txBox="1"/>
+          <p:nvPr/>
+        </p:nvSpPr>
+        <p:spPr>
+          <a:xfrm>
+            <a:off x="8250148" y="3195263"/>
+            <a:ext cx="3482939" cy="1815882"/>
+          </a:xfrm>
+          <a:prstGeom prst="rect">
+            <a:avLst/>
+          </a:prstGeom>
+          <a:noFill/>
+        </p:spPr>
+        <p:txBody>
+          <a:bodyPr wrap="square" rtlCol="0">
+            <a:spAutoFit/>
+          </a:bodyPr>
+          <a:lstStyle/>
+          <a:p>
+            <a:r>
+              <a:rPr lang="en-US" altLang="zh-CN" sz="2800" dirty="0"/>
+              <a:t>ds1.field(“xxx”)</a:t>
+            </a:r>
+          </a:p>
+          <a:p>
+            <a:r>
+              <a:rPr lang="en-US" altLang="zh-CN" sz="2800" dirty="0"/>
+              <a:t>ds1.group(“xxx”)</a:t>
+            </a:r>
+          </a:p>
+          <a:p>
+            <a:r>
+              <a:rPr lang="zh-CN" altLang="en-US" sz="2800" dirty="0"/>
+              <a:t>在不同的单元格中执行时返回的结果不同</a:t>
+            </a:r>
+          </a:p>
+        </p:txBody>
+      </p:sp>
+      <p:sp>
+        <p:nvSpPr>
+          <p:cNvPr id="8" name="文本框 7">
+            <a:extLst>
+              <a:ext uri="{FF2B5EF4-FFF2-40B4-BE49-F238E27FC236}">
+                <a16:creationId xmlns:a16="http://schemas.microsoft.com/office/drawing/2014/main" id="{33650E84-9998-01F9-5FD4-8DB211388CE2}"/>
+              </a:ext>
+            </a:extLst>
+          </p:cNvPr>
+          <p:cNvSpPr txBox="1"/>
+          <p:nvPr/>
+        </p:nvSpPr>
+        <p:spPr>
+          <a:xfrm>
+            <a:off x="963380" y="2598385"/>
+            <a:ext cx="5721412" cy="523220"/>
+          </a:xfrm>
+          <a:prstGeom prst="rect">
+            <a:avLst/>
+          </a:prstGeom>
+          <a:noFill/>
+        </p:spPr>
+        <p:txBody>
+          <a:bodyPr wrap="square" rtlCol="0">
+            <a:spAutoFit/>
+          </a:bodyPr>
+          <a:lstStyle/>
+          <a:p>
+            <a:r>
+              <a:rPr lang="zh-CN" altLang="en-US" sz="2800" b="1" dirty="0"/>
+              <a:t>表达式引擎不需要具有</a:t>
+            </a:r>
+            <a:r>
+              <a:rPr lang="en-US" altLang="zh-CN" sz="2800" b="1" dirty="0"/>
+              <a:t>ds</a:t>
+            </a:r>
+            <a:r>
+              <a:rPr lang="zh-CN" altLang="en-US" sz="2800" b="1" dirty="0"/>
+              <a:t>的知识</a:t>
+            </a:r>
+          </a:p>
+        </p:txBody>
+      </p:sp>
+    </p:spTree>
+    <p:extLst>
+      <p:ext uri="{BB962C8B-B14F-4D97-AF65-F5344CB8AC3E}">
+        <p14:creationId xmlns:p14="http://schemas.microsoft.com/office/powerpoint/2010/main" val="751966443"/>
+      </p:ext>
+    </p:extLst>
+  </p:cSld>
+  <p:clrMapOvr>
+    <a:masterClrMapping/>
+  </p:clrMapOvr>
+</p:sld>
+</file>
+
+<file path=ppt/slides/slide15.xml><?xml version="1.0" encoding="utf-8"?>
+<p:sld xmlns:a="http://schemas.openxmlformats.org/drawingml/2006/main" xmlns:r="http://schemas.openxmlformats.org/officeDocument/2006/relationships" xmlns:p="http://schemas.openxmlformats.org/presentationml/2006/main">
+  <p:cSld>
+    <p:spTree>
+      <p:nvGrpSpPr>
+        <p:cNvPr id="1" name=""/>
+        <p:cNvGrpSpPr/>
+        <p:nvPr/>
+      </p:nvGrpSpPr>
+      <p:grpSpPr>
+        <a:xfrm>
+          <a:off x="0" y="0"/>
+          <a:ext cx="0" cy="0"/>
+          <a:chOff x="0" y="0"/>
+          <a:chExt cx="0" cy="0"/>
+        </a:xfrm>
+      </p:grpSpPr>
+      <p:sp>
+        <p:nvSpPr>
+          <p:cNvPr id="2" name="标题 1">
+            <a:extLst>
+              <a:ext uri="{FF2B5EF4-FFF2-40B4-BE49-F238E27FC236}">
+                <a16:creationId xmlns:a16="http://schemas.microsoft.com/office/drawing/2014/main" id="{7B078A78-F1A6-B200-A327-496477BABCB1}"/>
+              </a:ext>
+            </a:extLst>
+          </p:cNvPr>
+          <p:cNvSpPr>
+            <a:spLocks noGrp="1"/>
+          </p:cNvSpPr>
+          <p:nvPr>
+            <p:ph type="title"/>
+          </p:nvPr>
+        </p:nvSpPr>
+        <p:spPr>
+          <a:xfrm>
+            <a:off x="838200" y="365126"/>
+            <a:ext cx="9743983" cy="957648"/>
+          </a:xfrm>
+        </p:spPr>
+        <p:txBody>
+          <a:bodyPr>
+            <a:normAutofit/>
+          </a:bodyPr>
+          <a:lstStyle/>
+          <a:p>
+            <a:r>
+              <a:rPr lang="en-US" altLang="zh-CN" sz="4000" b="1" dirty="0"/>
+              <a:t>Excel</a:t>
+            </a:r>
+            <a:r>
+              <a:rPr lang="zh-CN" altLang="en-US" sz="4000" b="1" dirty="0"/>
+              <a:t>数据导入</a:t>
+            </a:r>
+          </a:p>
+        </p:txBody>
+      </p:sp>
+      <p:sp>
+        <p:nvSpPr>
+          <p:cNvPr id="7" name="文本框 6">
+            <a:extLst>
+              <a:ext uri="{FF2B5EF4-FFF2-40B4-BE49-F238E27FC236}">
+                <a16:creationId xmlns:a16="http://schemas.microsoft.com/office/drawing/2014/main" id="{80AA2B11-A697-FB7B-4B42-707EB911F504}"/>
+              </a:ext>
+            </a:extLst>
+          </p:cNvPr>
+          <p:cNvSpPr txBox="1"/>
+          <p:nvPr/>
+        </p:nvSpPr>
+        <p:spPr>
+          <a:xfrm>
+            <a:off x="963380" y="1637414"/>
+            <a:ext cx="10769707" cy="646331"/>
+          </a:xfrm>
+          <a:prstGeom prst="rect">
+            <a:avLst/>
+          </a:prstGeom>
+          <a:noFill/>
+        </p:spPr>
+        <p:txBody>
+          <a:bodyPr wrap="square">
+            <a:spAutoFit/>
+          </a:bodyPr>
+          <a:lstStyle/>
+          <a:p>
+            <a:r>
+              <a:rPr lang="zh-CN" altLang="en-US" sz="3600" dirty="0"/>
+              <a:t>针对任意</a:t>
+            </a:r>
+            <a:r>
+              <a:rPr lang="en-US" altLang="zh-CN" sz="3600" dirty="0"/>
+              <a:t>Tree</a:t>
+            </a:r>
+            <a:r>
+              <a:rPr lang="zh-CN" altLang="en-US" sz="3600" dirty="0"/>
+              <a:t>结构对象</a:t>
+            </a:r>
+          </a:p>
+        </p:txBody>
+      </p:sp>
+      <p:pic>
+        <p:nvPicPr>
+          <p:cNvPr id="13" name="图片 12">
+            <a:extLst>
+              <a:ext uri="{FF2B5EF4-FFF2-40B4-BE49-F238E27FC236}">
+                <a16:creationId xmlns:a16="http://schemas.microsoft.com/office/drawing/2014/main" id="{BB282271-137A-5C31-786F-2AA35053D39B}"/>
+              </a:ext>
+            </a:extLst>
+          </p:cNvPr>
+          <p:cNvPicPr>
+            <a:picLocks noChangeAspect="1"/>
+          </p:cNvPicPr>
+          <p:nvPr/>
+        </p:nvPicPr>
+        <p:blipFill>
+          <a:blip r:embed="rId2">
+            <a:extLst>
+              <a:ext uri="{28A0092B-C50C-407E-A947-70E740481C1C}">
+                <a14:useLocalDpi xmlns:a14="http://schemas.microsoft.com/office/drawing/2010/main" val="0"/>
+              </a:ext>
+            </a:extLst>
+          </a:blip>
+          <a:stretch>
+            <a:fillRect/>
+          </a:stretch>
+        </p:blipFill>
+        <p:spPr>
+          <a:xfrm>
+            <a:off x="409686" y="2767727"/>
+            <a:ext cx="11372628" cy="968969"/>
+          </a:xfrm>
+          <a:prstGeom prst="rect">
+            <a:avLst/>
+          </a:prstGeom>
+        </p:spPr>
+      </p:pic>
+      <p:pic>
+        <p:nvPicPr>
+          <p:cNvPr id="15" name="图片 14">
+            <a:extLst>
+              <a:ext uri="{FF2B5EF4-FFF2-40B4-BE49-F238E27FC236}">
+                <a16:creationId xmlns:a16="http://schemas.microsoft.com/office/drawing/2014/main" id="{28E0FF10-5521-AFC0-4838-D73CA8EC67D0}"/>
+              </a:ext>
+            </a:extLst>
+          </p:cNvPr>
+          <p:cNvPicPr>
+            <a:picLocks noChangeAspect="1"/>
+          </p:cNvPicPr>
+          <p:nvPr/>
+        </p:nvPicPr>
+        <p:blipFill>
+          <a:blip r:embed="rId3">
+            <a:extLst>
+              <a:ext uri="{28A0092B-C50C-407E-A947-70E740481C1C}">
+                <a14:useLocalDpi xmlns:a14="http://schemas.microsoft.com/office/drawing/2010/main" val="0"/>
+              </a:ext>
+            </a:extLst>
+          </a:blip>
+          <a:stretch>
+            <a:fillRect/>
+          </a:stretch>
+        </p:blipFill>
+        <p:spPr>
+          <a:xfrm>
+            <a:off x="115136" y="4513889"/>
+            <a:ext cx="12076864" cy="828671"/>
+          </a:xfrm>
+          <a:prstGeom prst="rect">
+            <a:avLst/>
+          </a:prstGeom>
+        </p:spPr>
+      </p:pic>
+    </p:spTree>
+    <p:extLst>
+      <p:ext uri="{BB962C8B-B14F-4D97-AF65-F5344CB8AC3E}">
+        <p14:creationId xmlns:p14="http://schemas.microsoft.com/office/powerpoint/2010/main" val="1669076735"/>
+      </p:ext>
+    </p:extLst>
+  </p:cSld>
+  <p:clrMapOvr>
+    <a:masterClrMapping/>
+  </p:clrMapOvr>
+</p:sld>
+</file>
+
 <file path=ppt/slides/slide2.xml><?xml version="1.0" encoding="utf-8"?>
 <p:sld xmlns:a="http://schemas.openxmlformats.org/drawingml/2006/main" xmlns:r="http://schemas.openxmlformats.org/officeDocument/2006/relationships" xmlns:p="http://schemas.openxmlformats.org/presentationml/2006/main">
   <p:cSld>
@@ -3534,709 +4857,42 @@
           </a:p>
         </p:txBody>
       </p:sp>
-      <p:sp>
-        <p:nvSpPr>
-          <p:cNvPr id="2" name="矩形 1">
-            <a:extLst>
-              <a:ext uri="{FF2B5EF4-FFF2-40B4-BE49-F238E27FC236}">
-                <a16:creationId xmlns:a16="http://schemas.microsoft.com/office/drawing/2014/main" id="{4CC2CA92-8549-3B74-B241-3224342C1EA4}"/>
-              </a:ext>
-            </a:extLst>
-          </p:cNvPr>
-          <p:cNvSpPr/>
+      <p:pic>
+        <p:nvPicPr>
+          <p:cNvPr id="4" name="图片 3">
+            <a:extLst>
+              <a:ext uri="{FF2B5EF4-FFF2-40B4-BE49-F238E27FC236}">
+                <a16:creationId xmlns:a16="http://schemas.microsoft.com/office/drawing/2014/main" id="{FA2554B2-350D-A2DB-7CEF-1AD32E8FEEBB}"/>
+              </a:ext>
+            </a:extLst>
+          </p:cNvPr>
+          <p:cNvPicPr>
+            <a:picLocks noChangeAspect="1"/>
+          </p:cNvPicPr>
           <p:nvPr/>
-        </p:nvSpPr>
-        <p:spPr>
-          <a:xfrm>
-            <a:off x="1592036" y="1502229"/>
-            <a:ext cx="1281792" cy="718457"/>
+        </p:nvPicPr>
+        <p:blipFill>
+          <a:blip r:embed="rId2">
+            <a:extLst>
+              <a:ext uri="{28A0092B-C50C-407E-A947-70E740481C1C}">
+                <a14:useLocalDpi xmlns:a14="http://schemas.microsoft.com/office/drawing/2010/main" val="0"/>
+              </a:ext>
+            </a:extLst>
+          </a:blip>
+          <a:stretch>
+            <a:fillRect/>
+          </a:stretch>
+        </p:blipFill>
+        <p:spPr>
+          <a:xfrm>
+            <a:off x="1934937" y="1666662"/>
+            <a:ext cx="6902132" cy="4372728"/>
           </a:xfrm>
           <a:prstGeom prst="rect">
             <a:avLst/>
           </a:prstGeom>
         </p:spPr>
-        <p:style>
-          <a:lnRef idx="2">
-            <a:schemeClr val="accent1">
-              <a:shade val="15000"/>
-            </a:schemeClr>
-          </a:lnRef>
-          <a:fillRef idx="1">
-            <a:schemeClr val="accent1"/>
-          </a:fillRef>
-          <a:effectRef idx="0">
-            <a:schemeClr val="accent1"/>
-          </a:effectRef>
-          <a:fontRef idx="minor">
-            <a:schemeClr val="lt1"/>
-          </a:fontRef>
-        </p:style>
-        <p:txBody>
-          <a:bodyPr rtlCol="0" anchor="ctr"/>
-          <a:lstStyle/>
-          <a:p>
-            <a:pPr algn="ctr"/>
-            <a:r>
-              <a:rPr lang="en-US" altLang="zh-CN" dirty="0"/>
-              <a:t>Workbook</a:t>
-            </a:r>
-            <a:endParaRPr lang="zh-CN" altLang="en-US" dirty="0"/>
-          </a:p>
-        </p:txBody>
-      </p:sp>
-      <p:sp>
-        <p:nvSpPr>
-          <p:cNvPr id="5" name="矩形 4">
-            <a:extLst>
-              <a:ext uri="{FF2B5EF4-FFF2-40B4-BE49-F238E27FC236}">
-                <a16:creationId xmlns:a16="http://schemas.microsoft.com/office/drawing/2014/main" id="{1094E4C0-F310-3665-A017-5E15158745BB}"/>
-              </a:ext>
-            </a:extLst>
-          </p:cNvPr>
-          <p:cNvSpPr/>
-          <p:nvPr/>
-        </p:nvSpPr>
-        <p:spPr>
-          <a:xfrm>
-            <a:off x="2054679" y="2613454"/>
-            <a:ext cx="1281792" cy="718457"/>
-          </a:xfrm>
-          <a:prstGeom prst="rect">
-            <a:avLst/>
-          </a:prstGeom>
-        </p:spPr>
-        <p:style>
-          <a:lnRef idx="2">
-            <a:schemeClr val="accent1">
-              <a:shade val="15000"/>
-            </a:schemeClr>
-          </a:lnRef>
-          <a:fillRef idx="1">
-            <a:schemeClr val="accent1"/>
-          </a:fillRef>
-          <a:effectRef idx="0">
-            <a:schemeClr val="accent1"/>
-          </a:effectRef>
-          <a:fontRef idx="minor">
-            <a:schemeClr val="lt1"/>
-          </a:fontRef>
-        </p:style>
-        <p:txBody>
-          <a:bodyPr rtlCol="0" anchor="ctr"/>
-          <a:lstStyle/>
-          <a:p>
-            <a:pPr algn="ctr"/>
-            <a:r>
-              <a:rPr lang="en-US" altLang="zh-CN" dirty="0"/>
-              <a:t>Sheet</a:t>
-            </a:r>
-            <a:endParaRPr lang="zh-CN" altLang="en-US" dirty="0"/>
-          </a:p>
-        </p:txBody>
-      </p:sp>
-      <p:sp>
-        <p:nvSpPr>
-          <p:cNvPr id="6" name="矩形 5">
-            <a:extLst>
-              <a:ext uri="{FF2B5EF4-FFF2-40B4-BE49-F238E27FC236}">
-                <a16:creationId xmlns:a16="http://schemas.microsoft.com/office/drawing/2014/main" id="{8EA3E618-F9CF-51DC-119B-825B6958ED1C}"/>
-              </a:ext>
-            </a:extLst>
-          </p:cNvPr>
-          <p:cNvSpPr/>
-          <p:nvPr/>
-        </p:nvSpPr>
-        <p:spPr>
-          <a:xfrm>
-            <a:off x="2695575" y="3785508"/>
-            <a:ext cx="1281792" cy="718457"/>
-          </a:xfrm>
-          <a:prstGeom prst="rect">
-            <a:avLst/>
-          </a:prstGeom>
-        </p:spPr>
-        <p:style>
-          <a:lnRef idx="2">
-            <a:schemeClr val="accent1">
-              <a:shade val="15000"/>
-            </a:schemeClr>
-          </a:lnRef>
-          <a:fillRef idx="1">
-            <a:schemeClr val="accent1"/>
-          </a:fillRef>
-          <a:effectRef idx="0">
-            <a:schemeClr val="accent1"/>
-          </a:effectRef>
-          <a:fontRef idx="minor">
-            <a:schemeClr val="lt1"/>
-          </a:fontRef>
-        </p:style>
-        <p:txBody>
-          <a:bodyPr rtlCol="0" anchor="ctr"/>
-          <a:lstStyle/>
-          <a:p>
-            <a:pPr algn="ctr"/>
-            <a:r>
-              <a:rPr lang="en-US" altLang="zh-CN" dirty="0"/>
-              <a:t>Row</a:t>
-            </a:r>
-          </a:p>
-        </p:txBody>
-      </p:sp>
-      <p:sp>
-        <p:nvSpPr>
-          <p:cNvPr id="9" name="矩形 8">
-            <a:extLst>
-              <a:ext uri="{FF2B5EF4-FFF2-40B4-BE49-F238E27FC236}">
-                <a16:creationId xmlns:a16="http://schemas.microsoft.com/office/drawing/2014/main" id="{AA994307-CCFA-EC0F-66DD-5CCAACECC69B}"/>
-              </a:ext>
-            </a:extLst>
-          </p:cNvPr>
-          <p:cNvSpPr/>
-          <p:nvPr/>
-        </p:nvSpPr>
-        <p:spPr>
-          <a:xfrm>
-            <a:off x="3197136" y="4990615"/>
-            <a:ext cx="1281792" cy="718457"/>
-          </a:xfrm>
-          <a:prstGeom prst="rect">
-            <a:avLst/>
-          </a:prstGeom>
-        </p:spPr>
-        <p:style>
-          <a:lnRef idx="2">
-            <a:schemeClr val="accent1">
-              <a:shade val="15000"/>
-            </a:schemeClr>
-          </a:lnRef>
-          <a:fillRef idx="1">
-            <a:schemeClr val="accent1"/>
-          </a:fillRef>
-          <a:effectRef idx="0">
-            <a:schemeClr val="accent1"/>
-          </a:effectRef>
-          <a:fontRef idx="minor">
-            <a:schemeClr val="lt1"/>
-          </a:fontRef>
-        </p:style>
-        <p:txBody>
-          <a:bodyPr rtlCol="0" anchor="ctr"/>
-          <a:lstStyle/>
-          <a:p>
-            <a:pPr algn="ctr"/>
-            <a:r>
-              <a:rPr lang="en-US" altLang="zh-CN" dirty="0"/>
-              <a:t>Cell</a:t>
-            </a:r>
-          </a:p>
-        </p:txBody>
-      </p:sp>
-      <p:cxnSp>
-        <p:nvCxnSpPr>
-          <p:cNvPr id="11" name="直接箭头连接符 10">
-            <a:extLst>
-              <a:ext uri="{FF2B5EF4-FFF2-40B4-BE49-F238E27FC236}">
-                <a16:creationId xmlns:a16="http://schemas.microsoft.com/office/drawing/2014/main" id="{3B7D15DD-156F-25BD-8D3A-BE89FB4E3A7F}"/>
-              </a:ext>
-            </a:extLst>
-          </p:cNvPr>
-          <p:cNvCxnSpPr>
-            <a:cxnSpLocks/>
-          </p:cNvCxnSpPr>
-          <p:nvPr/>
-        </p:nvCxnSpPr>
-        <p:spPr>
-          <a:xfrm>
-            <a:off x="2352782" y="2221434"/>
-            <a:ext cx="215757" cy="374531"/>
-          </a:xfrm>
-          <a:prstGeom prst="straightConnector1">
-            <a:avLst/>
-          </a:prstGeom>
-          <a:ln>
-            <a:tailEnd type="triangle"/>
-          </a:ln>
-        </p:spPr>
-        <p:style>
-          <a:lnRef idx="1">
-            <a:schemeClr val="accent1"/>
-          </a:lnRef>
-          <a:fillRef idx="0">
-            <a:schemeClr val="accent1"/>
-          </a:fillRef>
-          <a:effectRef idx="0">
-            <a:schemeClr val="accent1"/>
-          </a:effectRef>
-          <a:fontRef idx="minor">
-            <a:schemeClr val="tx1"/>
-          </a:fontRef>
-        </p:style>
-      </p:cxnSp>
-      <p:cxnSp>
-        <p:nvCxnSpPr>
-          <p:cNvPr id="13" name="直接箭头连接符 12">
-            <a:extLst>
-              <a:ext uri="{FF2B5EF4-FFF2-40B4-BE49-F238E27FC236}">
-                <a16:creationId xmlns:a16="http://schemas.microsoft.com/office/drawing/2014/main" id="{FEA8D703-4FA1-ED84-F4A7-4E358B748B3C}"/>
-              </a:ext>
-            </a:extLst>
-          </p:cNvPr>
-          <p:cNvCxnSpPr>
-            <a:cxnSpLocks/>
-          </p:cNvCxnSpPr>
-          <p:nvPr/>
-        </p:nvCxnSpPr>
-        <p:spPr>
-          <a:xfrm>
-            <a:off x="2873828" y="3384778"/>
-            <a:ext cx="220436" cy="332686"/>
-          </a:xfrm>
-          <a:prstGeom prst="straightConnector1">
-            <a:avLst/>
-          </a:prstGeom>
-          <a:ln>
-            <a:tailEnd type="triangle"/>
-          </a:ln>
-        </p:spPr>
-        <p:style>
-          <a:lnRef idx="1">
-            <a:schemeClr val="accent1"/>
-          </a:lnRef>
-          <a:fillRef idx="0">
-            <a:schemeClr val="accent1"/>
-          </a:fillRef>
-          <a:effectRef idx="0">
-            <a:schemeClr val="accent1"/>
-          </a:effectRef>
-          <a:fontRef idx="minor">
-            <a:schemeClr val="tx1"/>
-          </a:fontRef>
-        </p:style>
-      </p:cxnSp>
-      <p:cxnSp>
-        <p:nvCxnSpPr>
-          <p:cNvPr id="15" name="直接箭头连接符 14">
-            <a:extLst>
-              <a:ext uri="{FF2B5EF4-FFF2-40B4-BE49-F238E27FC236}">
-                <a16:creationId xmlns:a16="http://schemas.microsoft.com/office/drawing/2014/main" id="{3CC0ED47-1DEC-A7DD-D00C-2A2389741180}"/>
-              </a:ext>
-            </a:extLst>
-          </p:cNvPr>
-          <p:cNvCxnSpPr>
-            <a:cxnSpLocks/>
-            <a:endCxn id="33" idx="1"/>
-          </p:cNvCxnSpPr>
-          <p:nvPr/>
-        </p:nvCxnSpPr>
-        <p:spPr>
-          <a:xfrm>
-            <a:off x="3838032" y="4144735"/>
-            <a:ext cx="1648261" cy="1"/>
-          </a:xfrm>
-          <a:prstGeom prst="straightConnector1">
-            <a:avLst/>
-          </a:prstGeom>
-          <a:ln>
-            <a:tailEnd type="triangle"/>
-          </a:ln>
-        </p:spPr>
-        <p:style>
-          <a:lnRef idx="1">
-            <a:schemeClr val="accent1"/>
-          </a:lnRef>
-          <a:fillRef idx="0">
-            <a:schemeClr val="accent1"/>
-          </a:fillRef>
-          <a:effectRef idx="0">
-            <a:schemeClr val="accent1"/>
-          </a:effectRef>
-          <a:fontRef idx="minor">
-            <a:schemeClr val="tx1"/>
-          </a:fontRef>
-        </p:style>
-      </p:cxnSp>
-      <p:cxnSp>
-        <p:nvCxnSpPr>
-          <p:cNvPr id="18" name="直接箭头连接符 17">
-            <a:extLst>
-              <a:ext uri="{FF2B5EF4-FFF2-40B4-BE49-F238E27FC236}">
-                <a16:creationId xmlns:a16="http://schemas.microsoft.com/office/drawing/2014/main" id="{4ED15FA7-6FF7-477F-6602-B9DFB8821A2B}"/>
-              </a:ext>
-            </a:extLst>
-          </p:cNvPr>
-          <p:cNvCxnSpPr>
-            <a:cxnSpLocks/>
-          </p:cNvCxnSpPr>
-          <p:nvPr/>
-        </p:nvCxnSpPr>
-        <p:spPr>
-          <a:xfrm>
-            <a:off x="3507992" y="4581565"/>
-            <a:ext cx="278670" cy="351072"/>
-          </a:xfrm>
-          <a:prstGeom prst="straightConnector1">
-            <a:avLst/>
-          </a:prstGeom>
-          <a:ln>
-            <a:tailEnd type="triangle"/>
-          </a:ln>
-        </p:spPr>
-        <p:style>
-          <a:lnRef idx="1">
-            <a:schemeClr val="accent1"/>
-          </a:lnRef>
-          <a:fillRef idx="0">
-            <a:schemeClr val="accent1"/>
-          </a:fillRef>
-          <a:effectRef idx="0">
-            <a:schemeClr val="accent1"/>
-          </a:effectRef>
-          <a:fontRef idx="minor">
-            <a:schemeClr val="tx1"/>
-          </a:fontRef>
-        </p:style>
-      </p:cxnSp>
-      <p:sp>
-        <p:nvSpPr>
-          <p:cNvPr id="24" name="矩形: 圆角 23">
-            <a:extLst>
-              <a:ext uri="{FF2B5EF4-FFF2-40B4-BE49-F238E27FC236}">
-                <a16:creationId xmlns:a16="http://schemas.microsoft.com/office/drawing/2014/main" id="{B942ED0C-9EC1-F8BA-2D6A-6C39E085D501}"/>
-              </a:ext>
-            </a:extLst>
-          </p:cNvPr>
-          <p:cNvSpPr/>
-          <p:nvPr/>
-        </p:nvSpPr>
-        <p:spPr>
-          <a:xfrm>
-            <a:off x="4249510" y="1502231"/>
-            <a:ext cx="1387930" cy="718455"/>
-          </a:xfrm>
-          <a:prstGeom prst="roundRect">
-            <a:avLst/>
-          </a:prstGeom>
-          <a:solidFill>
-            <a:schemeClr val="accent2"/>
-          </a:solidFill>
-        </p:spPr>
-        <p:style>
-          <a:lnRef idx="2">
-            <a:schemeClr val="accent1">
-              <a:shade val="15000"/>
-            </a:schemeClr>
-          </a:lnRef>
-          <a:fillRef idx="1">
-            <a:schemeClr val="accent1"/>
-          </a:fillRef>
-          <a:effectRef idx="0">
-            <a:schemeClr val="accent1"/>
-          </a:effectRef>
-          <a:fontRef idx="minor">
-            <a:schemeClr val="lt1"/>
-          </a:fontRef>
-        </p:style>
-        <p:txBody>
-          <a:bodyPr rtlCol="0" anchor="ctr"/>
-          <a:lstStyle/>
-          <a:p>
-            <a:pPr algn="ctr"/>
-            <a:r>
-              <a:rPr lang="en-US" altLang="zh-CN" dirty="0" err="1"/>
-              <a:t>WorkbookModel</a:t>
-            </a:r>
-            <a:endParaRPr lang="zh-CN" altLang="en-US" dirty="0"/>
-          </a:p>
-        </p:txBody>
-      </p:sp>
-      <p:cxnSp>
-        <p:nvCxnSpPr>
-          <p:cNvPr id="29" name="直接箭头连接符 28">
-            <a:extLst>
-              <a:ext uri="{FF2B5EF4-FFF2-40B4-BE49-F238E27FC236}">
-                <a16:creationId xmlns:a16="http://schemas.microsoft.com/office/drawing/2014/main" id="{82EFA16E-FE89-54F1-B7EF-831F9A000BAD}"/>
-              </a:ext>
-            </a:extLst>
-          </p:cNvPr>
-          <p:cNvCxnSpPr>
-            <a:cxnSpLocks/>
-            <a:stCxn id="2" idx="3"/>
-            <a:endCxn id="24" idx="1"/>
-          </p:cNvCxnSpPr>
-          <p:nvPr/>
-        </p:nvCxnSpPr>
-        <p:spPr>
-          <a:xfrm>
-            <a:off x="2873828" y="1861458"/>
-            <a:ext cx="1375682" cy="1"/>
-          </a:xfrm>
-          <a:prstGeom prst="straightConnector1">
-            <a:avLst/>
-          </a:prstGeom>
-          <a:ln>
-            <a:tailEnd type="triangle"/>
-          </a:ln>
-        </p:spPr>
-        <p:style>
-          <a:lnRef idx="1">
-            <a:schemeClr val="accent1"/>
-          </a:lnRef>
-          <a:fillRef idx="0">
-            <a:schemeClr val="accent1"/>
-          </a:fillRef>
-          <a:effectRef idx="0">
-            <a:schemeClr val="accent1"/>
-          </a:effectRef>
-          <a:fontRef idx="minor">
-            <a:schemeClr val="tx1"/>
-          </a:fontRef>
-        </p:style>
-      </p:cxnSp>
-      <p:sp>
-        <p:nvSpPr>
-          <p:cNvPr id="32" name="矩形: 圆角 31">
-            <a:extLst>
-              <a:ext uri="{FF2B5EF4-FFF2-40B4-BE49-F238E27FC236}">
-                <a16:creationId xmlns:a16="http://schemas.microsoft.com/office/drawing/2014/main" id="{D010AF31-98F2-24F6-DD11-2C92EF936E0B}"/>
-              </a:ext>
-            </a:extLst>
-          </p:cNvPr>
-          <p:cNvSpPr/>
-          <p:nvPr/>
-        </p:nvSpPr>
-        <p:spPr>
-          <a:xfrm>
-            <a:off x="4792328" y="2613456"/>
-            <a:ext cx="1387930" cy="718455"/>
-          </a:xfrm>
-          <a:prstGeom prst="roundRect">
-            <a:avLst/>
-          </a:prstGeom>
-          <a:solidFill>
-            <a:schemeClr val="accent2"/>
-          </a:solidFill>
-        </p:spPr>
-        <p:style>
-          <a:lnRef idx="2">
-            <a:schemeClr val="accent1">
-              <a:shade val="15000"/>
-            </a:schemeClr>
-          </a:lnRef>
-          <a:fillRef idx="1">
-            <a:schemeClr val="accent1"/>
-          </a:fillRef>
-          <a:effectRef idx="0">
-            <a:schemeClr val="accent1"/>
-          </a:effectRef>
-          <a:fontRef idx="minor">
-            <a:schemeClr val="lt1"/>
-          </a:fontRef>
-        </p:style>
-        <p:txBody>
-          <a:bodyPr rtlCol="0" anchor="ctr"/>
-          <a:lstStyle/>
-          <a:p>
-            <a:pPr algn="ctr"/>
-            <a:r>
-              <a:rPr lang="en-US" altLang="zh-CN" dirty="0"/>
-              <a:t>Sheet Model</a:t>
-            </a:r>
-            <a:endParaRPr lang="zh-CN" altLang="en-US" dirty="0"/>
-          </a:p>
-        </p:txBody>
-      </p:sp>
-      <p:sp>
-        <p:nvSpPr>
-          <p:cNvPr id="33" name="矩形: 圆角 32">
-            <a:extLst>
-              <a:ext uri="{FF2B5EF4-FFF2-40B4-BE49-F238E27FC236}">
-                <a16:creationId xmlns:a16="http://schemas.microsoft.com/office/drawing/2014/main" id="{B7FC7595-D981-D779-DA62-BFEC195D7B38}"/>
-              </a:ext>
-            </a:extLst>
-          </p:cNvPr>
-          <p:cNvSpPr/>
-          <p:nvPr/>
-        </p:nvSpPr>
-        <p:spPr>
-          <a:xfrm>
-            <a:off x="5486293" y="3785508"/>
-            <a:ext cx="1387930" cy="718455"/>
-          </a:xfrm>
-          <a:prstGeom prst="roundRect">
-            <a:avLst/>
-          </a:prstGeom>
-          <a:solidFill>
-            <a:schemeClr val="accent2"/>
-          </a:solidFill>
-        </p:spPr>
-        <p:style>
-          <a:lnRef idx="2">
-            <a:schemeClr val="accent1">
-              <a:shade val="15000"/>
-            </a:schemeClr>
-          </a:lnRef>
-          <a:fillRef idx="1">
-            <a:schemeClr val="accent1"/>
-          </a:fillRef>
-          <a:effectRef idx="0">
-            <a:schemeClr val="accent1"/>
-          </a:effectRef>
-          <a:fontRef idx="minor">
-            <a:schemeClr val="lt1"/>
-          </a:fontRef>
-        </p:style>
-        <p:txBody>
-          <a:bodyPr rtlCol="0" anchor="ctr"/>
-          <a:lstStyle/>
-          <a:p>
-            <a:pPr algn="ctr"/>
-            <a:r>
-              <a:rPr lang="en-US" altLang="zh-CN" dirty="0" err="1"/>
-              <a:t>RowModel</a:t>
-            </a:r>
-            <a:endParaRPr lang="zh-CN" altLang="en-US" dirty="0"/>
-          </a:p>
-        </p:txBody>
-      </p:sp>
-      <p:sp>
-        <p:nvSpPr>
-          <p:cNvPr id="34" name="矩形: 圆角 33">
-            <a:extLst>
-              <a:ext uri="{FF2B5EF4-FFF2-40B4-BE49-F238E27FC236}">
-                <a16:creationId xmlns:a16="http://schemas.microsoft.com/office/drawing/2014/main" id="{652BA4FB-26A1-80C9-64BE-4C2B55E1BFCE}"/>
-              </a:ext>
-            </a:extLst>
-          </p:cNvPr>
-          <p:cNvSpPr/>
-          <p:nvPr/>
-        </p:nvSpPr>
-        <p:spPr>
-          <a:xfrm>
-            <a:off x="5931613" y="4990617"/>
-            <a:ext cx="1387930" cy="718455"/>
-          </a:xfrm>
-          <a:prstGeom prst="roundRect">
-            <a:avLst/>
-          </a:prstGeom>
-          <a:solidFill>
-            <a:schemeClr val="accent2"/>
-          </a:solidFill>
-        </p:spPr>
-        <p:style>
-          <a:lnRef idx="2">
-            <a:schemeClr val="accent1">
-              <a:shade val="15000"/>
-            </a:schemeClr>
-          </a:lnRef>
-          <a:fillRef idx="1">
-            <a:schemeClr val="accent1"/>
-          </a:fillRef>
-          <a:effectRef idx="0">
-            <a:schemeClr val="accent1"/>
-          </a:effectRef>
-          <a:fontRef idx="minor">
-            <a:schemeClr val="lt1"/>
-          </a:fontRef>
-        </p:style>
-        <p:txBody>
-          <a:bodyPr rtlCol="0" anchor="ctr"/>
-          <a:lstStyle/>
-          <a:p>
-            <a:pPr algn="ctr"/>
-            <a:r>
-              <a:rPr lang="en-US" altLang="zh-CN" dirty="0" err="1"/>
-              <a:t>CellModel</a:t>
-            </a:r>
-            <a:endParaRPr lang="zh-CN" altLang="en-US" dirty="0"/>
-          </a:p>
-        </p:txBody>
-      </p:sp>
-      <p:cxnSp>
-        <p:nvCxnSpPr>
-          <p:cNvPr id="36" name="直接箭头连接符 35">
-            <a:extLst>
-              <a:ext uri="{FF2B5EF4-FFF2-40B4-BE49-F238E27FC236}">
-                <a16:creationId xmlns:a16="http://schemas.microsoft.com/office/drawing/2014/main" id="{0D038869-193A-AAA3-5807-6243CAE3BC01}"/>
-              </a:ext>
-            </a:extLst>
-          </p:cNvPr>
-          <p:cNvCxnSpPr>
-            <a:cxnSpLocks/>
-            <a:stCxn id="5" idx="3"/>
-            <a:endCxn id="32" idx="1"/>
-          </p:cNvCxnSpPr>
-          <p:nvPr/>
-        </p:nvCxnSpPr>
-        <p:spPr>
-          <a:xfrm>
-            <a:off x="3336471" y="2972683"/>
-            <a:ext cx="1455857" cy="1"/>
-          </a:xfrm>
-          <a:prstGeom prst="straightConnector1">
-            <a:avLst/>
-          </a:prstGeom>
-          <a:ln>
-            <a:tailEnd type="triangle"/>
-          </a:ln>
-        </p:spPr>
-        <p:style>
-          <a:lnRef idx="1">
-            <a:schemeClr val="accent1"/>
-          </a:lnRef>
-          <a:fillRef idx="0">
-            <a:schemeClr val="accent1"/>
-          </a:fillRef>
-          <a:effectRef idx="0">
-            <a:schemeClr val="accent1"/>
-          </a:effectRef>
-          <a:fontRef idx="minor">
-            <a:schemeClr val="tx1"/>
-          </a:fontRef>
-        </p:style>
-      </p:cxnSp>
-      <p:cxnSp>
-        <p:nvCxnSpPr>
-          <p:cNvPr id="49" name="直接箭头连接符 48">
-            <a:extLst>
-              <a:ext uri="{FF2B5EF4-FFF2-40B4-BE49-F238E27FC236}">
-                <a16:creationId xmlns:a16="http://schemas.microsoft.com/office/drawing/2014/main" id="{8E7192CC-6131-19CA-42A3-09F68E30794B}"/>
-              </a:ext>
-            </a:extLst>
-          </p:cNvPr>
-          <p:cNvCxnSpPr>
-            <a:stCxn id="9" idx="3"/>
-            <a:endCxn id="34" idx="1"/>
-          </p:cNvCxnSpPr>
-          <p:nvPr/>
-        </p:nvCxnSpPr>
-        <p:spPr>
-          <a:xfrm>
-            <a:off x="4478928" y="5349844"/>
-            <a:ext cx="1452685" cy="1"/>
-          </a:xfrm>
-          <a:prstGeom prst="straightConnector1">
-            <a:avLst/>
-          </a:prstGeom>
-          <a:ln>
-            <a:tailEnd type="triangle"/>
-          </a:ln>
-        </p:spPr>
-        <p:style>
-          <a:lnRef idx="1">
-            <a:schemeClr val="accent1"/>
-          </a:lnRef>
-          <a:fillRef idx="0">
-            <a:schemeClr val="accent1"/>
-          </a:fillRef>
-          <a:effectRef idx="0">
-            <a:schemeClr val="accent1"/>
-          </a:effectRef>
-          <a:fontRef idx="minor">
-            <a:schemeClr val="tx1"/>
-          </a:fontRef>
-        </p:style>
-      </p:cxnSp>
+      </p:pic>
     </p:spTree>
     <p:extLst>
       <p:ext uri="{BB962C8B-B14F-4D97-AF65-F5344CB8AC3E}">
@@ -5058,7 +5714,7 @@
         </p:blipFill>
         <p:spPr>
           <a:xfrm>
-            <a:off x="1904087" y="5088376"/>
+            <a:off x="1825396" y="1910442"/>
             <a:ext cx="7839075" cy="1447800"/>
           </a:xfrm>
           <a:prstGeom prst="rect">
@@ -5066,12 +5722,47 @@
           </a:prstGeom>
         </p:spPr>
       </p:pic>
+      <p:sp>
+        <p:nvSpPr>
+          <p:cNvPr id="2" name="标题 1">
+            <a:extLst>
+              <a:ext uri="{FF2B5EF4-FFF2-40B4-BE49-F238E27FC236}">
+                <a16:creationId xmlns:a16="http://schemas.microsoft.com/office/drawing/2014/main" id="{FD16B7D9-F0BD-562B-CA6F-AAD4DA7273DF}"/>
+              </a:ext>
+            </a:extLst>
+          </p:cNvPr>
+          <p:cNvSpPr>
+            <a:spLocks noGrp="1"/>
+          </p:cNvSpPr>
+          <p:nvPr>
+            <p:ph type="title"/>
+          </p:nvPr>
+        </p:nvSpPr>
+        <p:spPr>
+          <a:xfrm>
+            <a:off x="838200" y="365126"/>
+            <a:ext cx="9743983" cy="957648"/>
+          </a:xfrm>
+        </p:spPr>
+        <p:txBody>
+          <a:bodyPr>
+            <a:normAutofit/>
+          </a:bodyPr>
+          <a:lstStyle/>
+          <a:p>
+            <a:r>
+              <a:rPr lang="zh-CN" altLang="en-US" sz="4000" b="1" dirty="0"/>
+              <a:t>层次坐标</a:t>
+            </a:r>
+          </a:p>
+        </p:txBody>
+      </p:sp>
       <p:pic>
         <p:nvPicPr>
-          <p:cNvPr id="8" name="Picture 7" descr="A screenshot of a computer&#10;&#10;Description automatically generated">
-            <a:extLst>
-              <a:ext uri="{FF2B5EF4-FFF2-40B4-BE49-F238E27FC236}">
-                <a16:creationId xmlns:a16="http://schemas.microsoft.com/office/drawing/2014/main" id="{F48C59D8-270B-43CE-C268-06E18A413CCB}"/>
+          <p:cNvPr id="7" name="图片 6">
+            <a:extLst>
+              <a:ext uri="{FF2B5EF4-FFF2-40B4-BE49-F238E27FC236}">
+                <a16:creationId xmlns:a16="http://schemas.microsoft.com/office/drawing/2014/main" id="{BE92BF97-83C9-4478-B544-C456E550C5D7}"/>
               </a:ext>
             </a:extLst>
           </p:cNvPr>
@@ -5081,27 +5772,189 @@
           <p:nvPr/>
         </p:nvPicPr>
         <p:blipFill>
-          <a:blip r:embed="rId3">
-            <a:extLst>
-              <a:ext uri="{28A0092B-C50C-407E-A947-70E740481C1C}">
-                <a14:useLocalDpi xmlns:a14="http://schemas.microsoft.com/office/drawing/2010/main" val="0"/>
-              </a:ext>
-            </a:extLst>
-          </a:blip>
+          <a:blip r:embed="rId3"/>
           <a:stretch>
             <a:fillRect/>
           </a:stretch>
         </p:blipFill>
         <p:spPr>
           <a:xfrm>
-            <a:off x="2538919" y="314970"/>
-            <a:ext cx="5729592" cy="4574124"/>
+            <a:off x="3450091" y="4041323"/>
+            <a:ext cx="6581775" cy="914400"/>
           </a:xfrm>
           <a:prstGeom prst="rect">
             <a:avLst/>
           </a:prstGeom>
         </p:spPr>
       </p:pic>
+      <p:sp>
+        <p:nvSpPr>
+          <p:cNvPr id="10" name="文本框 9">
+            <a:extLst>
+              <a:ext uri="{FF2B5EF4-FFF2-40B4-BE49-F238E27FC236}">
+                <a16:creationId xmlns:a16="http://schemas.microsoft.com/office/drawing/2014/main" id="{9030A479-BC48-3596-02B1-F6DFA7CF8491}"/>
+              </a:ext>
+            </a:extLst>
+          </p:cNvPr>
+          <p:cNvSpPr txBox="1"/>
+          <p:nvPr/>
+        </p:nvSpPr>
+        <p:spPr>
+          <a:xfrm>
+            <a:off x="2662872" y="5269472"/>
+            <a:ext cx="6094638" cy="369332"/>
+          </a:xfrm>
+          <a:prstGeom prst="rect">
+            <a:avLst/>
+          </a:prstGeom>
+          <a:noFill/>
+        </p:spPr>
+        <p:txBody>
+          <a:bodyPr wrap="square">
+            <a:spAutoFit/>
+          </a:bodyPr>
+          <a:lstStyle/>
+          <a:p>
+            <a:r>
+              <a:rPr lang="en-US" altLang="zh-CN" b="0" i="0" dirty="0">
+                <a:solidFill>
+                  <a:srgbClr val="333333"/>
+                </a:solidFill>
+                <a:effectLst/>
+                <a:latin typeface="Helvetica Neue"/>
+              </a:rPr>
+              <a:t>D1</a:t>
+            </a:r>
+            <a:r>
+              <a:rPr lang="zh-CN" altLang="en-US" b="0" i="0" dirty="0">
+                <a:solidFill>
+                  <a:srgbClr val="333333"/>
+                </a:solidFill>
+                <a:effectLst/>
+                <a:latin typeface="Helvetica Neue"/>
+              </a:rPr>
+              <a:t>是</a:t>
+            </a:r>
+            <a:r>
+              <a:rPr lang="en-US" altLang="zh-CN" b="0" i="0" dirty="0">
+                <a:solidFill>
+                  <a:srgbClr val="333333"/>
+                </a:solidFill>
+                <a:effectLst/>
+                <a:latin typeface="Helvetica Neue"/>
+              </a:rPr>
+              <a:t>A1</a:t>
+            </a:r>
+            <a:r>
+              <a:rPr lang="zh-CN" altLang="en-US" b="0" i="0" dirty="0">
+                <a:solidFill>
+                  <a:srgbClr val="333333"/>
+                </a:solidFill>
+                <a:effectLst/>
+                <a:latin typeface="Helvetica Neue"/>
+              </a:rPr>
+              <a:t>的</a:t>
+            </a:r>
+            <a:r>
+              <a:rPr lang="en-US" altLang="zh-CN" b="0" i="0" dirty="0" err="1">
+                <a:solidFill>
+                  <a:srgbClr val="333333"/>
+                </a:solidFill>
+                <a:effectLst/>
+                <a:latin typeface="Helvetica Neue"/>
+              </a:rPr>
+              <a:t>rowParent</a:t>
+            </a:r>
+            <a:r>
+              <a:rPr lang="zh-CN" altLang="en-US" b="0" i="0" dirty="0">
+                <a:solidFill>
+                  <a:srgbClr val="333333"/>
+                </a:solidFill>
+                <a:effectLst/>
+                <a:latin typeface="Helvetica Neue"/>
+              </a:rPr>
+              <a:t>，所以</a:t>
+            </a:r>
+            <a:r>
+              <a:rPr lang="en-US" altLang="zh-CN" b="0" i="0" dirty="0">
+                <a:solidFill>
+                  <a:srgbClr val="333333"/>
+                </a:solidFill>
+                <a:effectLst/>
+                <a:latin typeface="Helvetica Neue"/>
+              </a:rPr>
+              <a:t>A1</a:t>
+            </a:r>
+            <a:r>
+              <a:rPr lang="zh-CN" altLang="en-US" b="0" i="0" dirty="0">
+                <a:solidFill>
+                  <a:srgbClr val="333333"/>
+                </a:solidFill>
+                <a:effectLst/>
+                <a:latin typeface="Helvetica Neue"/>
+              </a:rPr>
+              <a:t>展开的时候，</a:t>
+            </a:r>
+            <a:r>
+              <a:rPr lang="en-US" altLang="zh-CN" b="0" i="0" dirty="0">
+                <a:solidFill>
+                  <a:srgbClr val="333333"/>
+                </a:solidFill>
+                <a:effectLst/>
+                <a:latin typeface="Helvetica Neue"/>
+              </a:rPr>
+              <a:t>D1</a:t>
+            </a:r>
+            <a:r>
+              <a:rPr lang="zh-CN" altLang="en-US" b="0" i="0" dirty="0">
+                <a:solidFill>
+                  <a:srgbClr val="333333"/>
+                </a:solidFill>
+                <a:effectLst/>
+                <a:latin typeface="Helvetica Neue"/>
+              </a:rPr>
+              <a:t>会自动延展。</a:t>
+            </a:r>
+            <a:endParaRPr lang="zh-CN" altLang="en-US" dirty="0"/>
+          </a:p>
+        </p:txBody>
+      </p:sp>
+      <p:sp>
+        <p:nvSpPr>
+          <p:cNvPr id="11" name="文本框 10">
+            <a:extLst>
+              <a:ext uri="{FF2B5EF4-FFF2-40B4-BE49-F238E27FC236}">
+                <a16:creationId xmlns:a16="http://schemas.microsoft.com/office/drawing/2014/main" id="{62DD9C63-C87F-5B4E-4CFE-5189E6F78ACA}"/>
+              </a:ext>
+            </a:extLst>
+          </p:cNvPr>
+          <p:cNvSpPr txBox="1"/>
+          <p:nvPr/>
+        </p:nvSpPr>
+        <p:spPr>
+          <a:xfrm>
+            <a:off x="9820140" y="2447345"/>
+            <a:ext cx="1524086" cy="369332"/>
+          </a:xfrm>
+          <a:prstGeom prst="rect">
+            <a:avLst/>
+          </a:prstGeom>
+          <a:noFill/>
+        </p:spPr>
+        <p:txBody>
+          <a:bodyPr wrap="square" rtlCol="0">
+            <a:spAutoFit/>
+          </a:bodyPr>
+          <a:lstStyle/>
+          <a:p>
+            <a:r>
+              <a:rPr lang="en-US" altLang="zh-CN" dirty="0"/>
+              <a:t>C1[A1:2,B1:3]</a:t>
+            </a:r>
+            <a:endParaRPr lang="zh-CN" altLang="en-US" dirty="0"/>
+          </a:p>
+        </p:txBody>
+      </p:sp>
     </p:spTree>
     <p:extLst>
       <p:ext uri="{BB962C8B-B14F-4D97-AF65-F5344CB8AC3E}">
@@ -5237,318 +6090,36 @@
           </a:p>
         </p:txBody>
       </p:sp>
-      <p:sp>
-        <p:nvSpPr>
-          <p:cNvPr id="3" name="Rectangle 2">
-            <a:extLst>
-              <a:ext uri="{FF2B5EF4-FFF2-40B4-BE49-F238E27FC236}">
-                <a16:creationId xmlns:a16="http://schemas.microsoft.com/office/drawing/2014/main" id="{22546DC7-22F0-2E50-C575-23AC24423656}"/>
-              </a:ext>
-            </a:extLst>
-          </p:cNvPr>
-          <p:cNvSpPr/>
+      <p:pic>
+        <p:nvPicPr>
+          <p:cNvPr id="12" name="图片 11">
+            <a:extLst>
+              <a:ext uri="{FF2B5EF4-FFF2-40B4-BE49-F238E27FC236}">
+                <a16:creationId xmlns:a16="http://schemas.microsoft.com/office/drawing/2014/main" id="{6923EA30-E9C1-6F81-26E4-ABDC64F044EE}"/>
+              </a:ext>
+            </a:extLst>
+          </p:cNvPr>
+          <p:cNvPicPr>
+            <a:picLocks noChangeAspect="1"/>
+          </p:cNvPicPr>
           <p:nvPr/>
-        </p:nvSpPr>
-        <p:spPr>
-          <a:xfrm>
-            <a:off x="985421" y="1393794"/>
-            <a:ext cx="2325950" cy="461638"/>
+        </p:nvPicPr>
+        <p:blipFill>
+          <a:blip r:embed="rId2"/>
+          <a:stretch>
+            <a:fillRect/>
+          </a:stretch>
+        </p:blipFill>
+        <p:spPr>
+          <a:xfrm>
+            <a:off x="2200954" y="1322774"/>
+            <a:ext cx="6581775" cy="5410200"/>
           </a:xfrm>
           <a:prstGeom prst="rect">
             <a:avLst/>
           </a:prstGeom>
         </p:spPr>
-        <p:style>
-          <a:lnRef idx="2">
-            <a:schemeClr val="accent1">
-              <a:shade val="50000"/>
-            </a:schemeClr>
-          </a:lnRef>
-          <a:fillRef idx="1">
-            <a:schemeClr val="accent1"/>
-          </a:fillRef>
-          <a:effectRef idx="0">
-            <a:schemeClr val="accent1"/>
-          </a:effectRef>
-          <a:fontRef idx="minor">
-            <a:schemeClr val="lt1"/>
-          </a:fontRef>
-        </p:style>
-        <p:txBody>
-          <a:bodyPr rtlCol="0" anchor="ctr"/>
-          <a:lstStyle/>
-          <a:p>
-            <a:pPr algn="ctr"/>
-            <a:r>
-              <a:rPr lang="en-US" dirty="0" err="1"/>
-              <a:t>ExcelWorkbookParser</a:t>
-            </a:r>
-            <a:endParaRPr lang="en-US" dirty="0"/>
-          </a:p>
-        </p:txBody>
-      </p:sp>
-      <p:sp>
-        <p:nvSpPr>
-          <p:cNvPr id="4" name="Rectangle 3">
-            <a:extLst>
-              <a:ext uri="{FF2B5EF4-FFF2-40B4-BE49-F238E27FC236}">
-                <a16:creationId xmlns:a16="http://schemas.microsoft.com/office/drawing/2014/main" id="{43B67560-70ED-3102-7803-014F98DB1E76}"/>
-              </a:ext>
-            </a:extLst>
-          </p:cNvPr>
-          <p:cNvSpPr/>
-          <p:nvPr/>
-        </p:nvSpPr>
-        <p:spPr>
-          <a:xfrm>
-            <a:off x="621435" y="2253078"/>
-            <a:ext cx="3222595" cy="461638"/>
-          </a:xfrm>
-          <a:prstGeom prst="rect">
-            <a:avLst/>
-          </a:prstGeom>
-        </p:spPr>
-        <p:style>
-          <a:lnRef idx="2">
-            <a:schemeClr val="accent1">
-              <a:shade val="50000"/>
-            </a:schemeClr>
-          </a:lnRef>
-          <a:fillRef idx="1">
-            <a:schemeClr val="accent1"/>
-          </a:fillRef>
-          <a:effectRef idx="0">
-            <a:schemeClr val="accent1"/>
-          </a:effectRef>
-          <a:fontRef idx="minor">
-            <a:schemeClr val="lt1"/>
-          </a:fontRef>
-        </p:style>
-        <p:txBody>
-          <a:bodyPr rtlCol="0" anchor="ctr"/>
-          <a:lstStyle/>
-          <a:p>
-            <a:pPr algn="ctr"/>
-            <a:r>
-              <a:rPr lang="en-US" dirty="0" err="1"/>
-              <a:t>ExcelToXptModelTransformer</a:t>
-            </a:r>
-            <a:endParaRPr lang="en-US" dirty="0"/>
-          </a:p>
-        </p:txBody>
-      </p:sp>
-      <p:sp>
-        <p:nvSpPr>
-          <p:cNvPr id="5" name="Rectangle 4">
-            <a:extLst>
-              <a:ext uri="{FF2B5EF4-FFF2-40B4-BE49-F238E27FC236}">
-                <a16:creationId xmlns:a16="http://schemas.microsoft.com/office/drawing/2014/main" id="{9BD8A894-0E47-E0AF-DB03-9FAD7FF3A5F9}"/>
-              </a:ext>
-            </a:extLst>
-          </p:cNvPr>
-          <p:cNvSpPr/>
-          <p:nvPr/>
-        </p:nvSpPr>
-        <p:spPr>
-          <a:xfrm>
-            <a:off x="985421" y="3112362"/>
-            <a:ext cx="2325950" cy="461638"/>
-          </a:xfrm>
-          <a:prstGeom prst="rect">
-            <a:avLst/>
-          </a:prstGeom>
-        </p:spPr>
-        <p:style>
-          <a:lnRef idx="2">
-            <a:schemeClr val="accent1">
-              <a:shade val="50000"/>
-            </a:schemeClr>
-          </a:lnRef>
-          <a:fillRef idx="1">
-            <a:schemeClr val="accent1"/>
-          </a:fillRef>
-          <a:effectRef idx="0">
-            <a:schemeClr val="accent1"/>
-          </a:effectRef>
-          <a:fontRef idx="minor">
-            <a:schemeClr val="lt1"/>
-          </a:fontRef>
-        </p:style>
-        <p:txBody>
-          <a:bodyPr rtlCol="0" anchor="ctr"/>
-          <a:lstStyle/>
-          <a:p>
-            <a:pPr algn="ctr"/>
-            <a:r>
-              <a:rPr lang="en-US" dirty="0" err="1"/>
-              <a:t>X</a:t>
-            </a:r>
-            <a:r>
-              <a:rPr lang="en-US" altLang="zh-CN" dirty="0" err="1"/>
-              <a:t>ptModelBuilder</a:t>
-            </a:r>
-            <a:endParaRPr lang="en-US" dirty="0"/>
-          </a:p>
-        </p:txBody>
-      </p:sp>
-      <p:sp>
-        <p:nvSpPr>
-          <p:cNvPr id="8" name="Rectangle 7">
-            <a:extLst>
-              <a:ext uri="{FF2B5EF4-FFF2-40B4-BE49-F238E27FC236}">
-                <a16:creationId xmlns:a16="http://schemas.microsoft.com/office/drawing/2014/main" id="{D0D25639-CFF5-C348-8D5C-EAD8B5887951}"/>
-              </a:ext>
-            </a:extLst>
-          </p:cNvPr>
-          <p:cNvSpPr/>
-          <p:nvPr/>
-        </p:nvSpPr>
-        <p:spPr>
-          <a:xfrm>
-            <a:off x="985421" y="4090385"/>
-            <a:ext cx="2547892" cy="461638"/>
-          </a:xfrm>
-          <a:prstGeom prst="rect">
-            <a:avLst/>
-          </a:prstGeom>
-        </p:spPr>
-        <p:style>
-          <a:lnRef idx="2">
-            <a:schemeClr val="accent1">
-              <a:shade val="50000"/>
-            </a:schemeClr>
-          </a:lnRef>
-          <a:fillRef idx="1">
-            <a:schemeClr val="accent1"/>
-          </a:fillRef>
-          <a:effectRef idx="0">
-            <a:schemeClr val="accent1"/>
-          </a:effectRef>
-          <a:fontRef idx="minor">
-            <a:schemeClr val="lt1"/>
-          </a:fontRef>
-        </p:style>
-        <p:txBody>
-          <a:bodyPr rtlCol="0" anchor="ctr"/>
-          <a:lstStyle/>
-          <a:p>
-            <a:pPr algn="ctr"/>
-            <a:r>
-              <a:rPr lang="en-US" dirty="0" err="1"/>
-              <a:t>ReportSheetGenerator</a:t>
-            </a:r>
-            <a:endParaRPr lang="en-US" dirty="0"/>
-          </a:p>
-        </p:txBody>
-      </p:sp>
-      <p:sp>
-        <p:nvSpPr>
-          <p:cNvPr id="10" name="Rectangle 9">
-            <a:extLst>
-              <a:ext uri="{FF2B5EF4-FFF2-40B4-BE49-F238E27FC236}">
-                <a16:creationId xmlns:a16="http://schemas.microsoft.com/office/drawing/2014/main" id="{B0838584-C312-3319-B80F-AA5871743A2E}"/>
-              </a:ext>
-            </a:extLst>
-          </p:cNvPr>
-          <p:cNvSpPr/>
-          <p:nvPr/>
-        </p:nvSpPr>
-        <p:spPr>
-          <a:xfrm>
-            <a:off x="985421" y="4837589"/>
-            <a:ext cx="2325950" cy="461638"/>
-          </a:xfrm>
-          <a:prstGeom prst="rect">
-            <a:avLst/>
-          </a:prstGeom>
-        </p:spPr>
-        <p:style>
-          <a:lnRef idx="2">
-            <a:schemeClr val="accent1">
-              <a:shade val="50000"/>
-            </a:schemeClr>
-          </a:lnRef>
-          <a:fillRef idx="1">
-            <a:schemeClr val="accent1"/>
-          </a:fillRef>
-          <a:effectRef idx="0">
-            <a:schemeClr val="accent1"/>
-          </a:effectRef>
-          <a:fontRef idx="minor">
-            <a:schemeClr val="lt1"/>
-          </a:fontRef>
-        </p:style>
-        <p:txBody>
-          <a:bodyPr rtlCol="0" anchor="ctr"/>
-          <a:lstStyle/>
-          <a:p>
-            <a:pPr algn="ctr"/>
-            <a:r>
-              <a:rPr lang="en-US" dirty="0" err="1"/>
-              <a:t>TableExpander</a:t>
-            </a:r>
-            <a:endParaRPr lang="en-US" dirty="0"/>
-          </a:p>
-        </p:txBody>
-      </p:sp>
-      <p:sp>
-        <p:nvSpPr>
-          <p:cNvPr id="11" name="Rectangle 10">
-            <a:extLst>
-              <a:ext uri="{FF2B5EF4-FFF2-40B4-BE49-F238E27FC236}">
-                <a16:creationId xmlns:a16="http://schemas.microsoft.com/office/drawing/2014/main" id="{AB7B1E4A-63E0-643D-9A2E-8B9EAAFB5414}"/>
-              </a:ext>
-            </a:extLst>
-          </p:cNvPr>
-          <p:cNvSpPr/>
-          <p:nvPr/>
-        </p:nvSpPr>
-        <p:spPr>
-          <a:xfrm>
-            <a:off x="985421" y="5464206"/>
-            <a:ext cx="2325950" cy="578154"/>
-          </a:xfrm>
-          <a:prstGeom prst="rect">
-            <a:avLst/>
-          </a:prstGeom>
-        </p:spPr>
-        <p:style>
-          <a:lnRef idx="2">
-            <a:schemeClr val="accent1">
-              <a:shade val="50000"/>
-            </a:schemeClr>
-          </a:lnRef>
-          <a:fillRef idx="1">
-            <a:schemeClr val="accent1"/>
-          </a:fillRef>
-          <a:effectRef idx="0">
-            <a:schemeClr val="accent1"/>
-          </a:effectRef>
-          <a:fontRef idx="minor">
-            <a:schemeClr val="lt1"/>
-          </a:fontRef>
-        </p:style>
-        <p:txBody>
-          <a:bodyPr rtlCol="0" anchor="ctr"/>
-          <a:lstStyle/>
-          <a:p>
-            <a:pPr algn="ctr"/>
-            <a:r>
-              <a:rPr lang="en-US" dirty="0" err="1"/>
-              <a:t>CellRowExpander</a:t>
-            </a:r>
-            <a:endParaRPr lang="en-US" dirty="0"/>
-          </a:p>
-          <a:p>
-            <a:pPr algn="ctr"/>
-            <a:r>
-              <a:rPr lang="en-US" dirty="0" err="1"/>
-              <a:t>CellColExpander</a:t>
-            </a:r>
-            <a:endParaRPr lang="en-US" dirty="0"/>
-          </a:p>
-        </p:txBody>
-      </p:sp>
+      </p:pic>
     </p:spTree>
     <p:extLst>
       <p:ext uri="{BB962C8B-B14F-4D97-AF65-F5344CB8AC3E}">

--- a/docs/ppt/nop-report.pptx
+++ b/docs/ppt/nop-report.pptx
@@ -14,12 +14,14 @@
     <p:sldId id="296" r:id="rId8"/>
     <p:sldId id="295" r:id="rId9"/>
     <p:sldId id="292" r:id="rId10"/>
-    <p:sldId id="298" r:id="rId11"/>
-    <p:sldId id="301" r:id="rId12"/>
-    <p:sldId id="299" r:id="rId13"/>
-    <p:sldId id="300" r:id="rId14"/>
-    <p:sldId id="302" r:id="rId15"/>
-    <p:sldId id="303" r:id="rId16"/>
+    <p:sldId id="301" r:id="rId11"/>
+    <p:sldId id="299" r:id="rId12"/>
+    <p:sldId id="298" r:id="rId13"/>
+    <p:sldId id="302" r:id="rId14"/>
+    <p:sldId id="305" r:id="rId15"/>
+    <p:sldId id="300" r:id="rId16"/>
+    <p:sldId id="303" r:id="rId17"/>
+    <p:sldId id="304" r:id="rId18"/>
   </p:sldIdLst>
   <p:sldSz cx="12192000" cy="6858000"/>
   <p:notesSz cx="6858000" cy="9144000"/>
@@ -3527,22 +3529,17 @@
           <a:p>
             <a:r>
               <a:rPr lang="zh-CN" altLang="en-US" sz="4000" b="1" dirty="0"/>
-              <a:t>核心数据结构：</a:t>
-            </a:r>
-            <a:r>
-              <a:rPr lang="en-US" altLang="zh-CN" sz="4000" b="1" dirty="0" err="1"/>
-              <a:t>ExpandedCell</a:t>
-            </a:r>
-            <a:endParaRPr lang="zh-CN" altLang="en-US" sz="4000" b="1" dirty="0"/>
+              <a:t>表格展开：逐个单元格展开</a:t>
+            </a:r>
           </a:p>
         </p:txBody>
       </p:sp>
       <p:pic>
         <p:nvPicPr>
-          <p:cNvPr id="6" name="图片 5">
-            <a:extLst>
-              <a:ext uri="{FF2B5EF4-FFF2-40B4-BE49-F238E27FC236}">
-                <a16:creationId xmlns:a16="http://schemas.microsoft.com/office/drawing/2014/main" id="{D38E1AEB-6100-0B36-D4FD-23ACB024537A}"/>
+          <p:cNvPr id="4" name="图片 3">
+            <a:extLst>
+              <a:ext uri="{FF2B5EF4-FFF2-40B4-BE49-F238E27FC236}">
+                <a16:creationId xmlns:a16="http://schemas.microsoft.com/office/drawing/2014/main" id="{C5C3FAF3-AF23-56EC-29C9-A815A7C191C8}"/>
               </a:ext>
             </a:extLst>
           </p:cNvPr>
@@ -3552,15 +3549,21 @@
           <p:nvPr/>
         </p:nvPicPr>
         <p:blipFill>
-          <a:blip r:embed="rId2"/>
+          <a:blip r:embed="rId2">
+            <a:extLst>
+              <a:ext uri="{28A0092B-C50C-407E-A947-70E740481C1C}">
+                <a14:useLocalDpi xmlns:a14="http://schemas.microsoft.com/office/drawing/2010/main" val="0"/>
+              </a:ext>
+            </a:extLst>
+          </a:blip>
           <a:stretch>
             <a:fillRect/>
           </a:stretch>
         </p:blipFill>
         <p:spPr>
           <a:xfrm>
-            <a:off x="306571" y="1821432"/>
-            <a:ext cx="11183001" cy="3803192"/>
+            <a:off x="2136518" y="1411174"/>
+            <a:ext cx="6935563" cy="4922602"/>
           </a:xfrm>
           <a:prstGeom prst="rect">
             <a:avLst/>
@@ -3570,7 +3573,7 @@
     </p:spTree>
     <p:extLst>
       <p:ext uri="{BB962C8B-B14F-4D97-AF65-F5344CB8AC3E}">
-        <p14:creationId xmlns:p14="http://schemas.microsoft.com/office/powerpoint/2010/main" val="378347807"/>
+        <p14:creationId xmlns:p14="http://schemas.microsoft.com/office/powerpoint/2010/main" val="904488663"/>
       </p:ext>
     </p:extLst>
   </p:cSld>
@@ -3627,51 +3630,445 @@
           <a:p>
             <a:r>
               <a:rPr lang="zh-CN" altLang="en-US" sz="4000" b="1" dirty="0"/>
-              <a:t>表格展开：逐个单元格展开</a:t>
-            </a:r>
-          </a:p>
-        </p:txBody>
-      </p:sp>
-      <p:pic>
-        <p:nvPicPr>
-          <p:cNvPr id="4" name="图片 3">
-            <a:extLst>
-              <a:ext uri="{FF2B5EF4-FFF2-40B4-BE49-F238E27FC236}">
-                <a16:creationId xmlns:a16="http://schemas.microsoft.com/office/drawing/2014/main" id="{C5C3FAF3-AF23-56EC-29C9-A815A7C191C8}"/>
-              </a:ext>
-            </a:extLst>
-          </p:cNvPr>
-          <p:cNvPicPr>
-            <a:picLocks noChangeAspect="1"/>
-          </p:cNvPicPr>
+              <a:t>单元格展开</a:t>
+            </a:r>
+          </a:p>
+        </p:txBody>
+      </p:sp>
+      <p:sp>
+        <p:nvSpPr>
+          <p:cNvPr id="7" name="文本框 6">
+            <a:extLst>
+              <a:ext uri="{FF2B5EF4-FFF2-40B4-BE49-F238E27FC236}">
+                <a16:creationId xmlns:a16="http://schemas.microsoft.com/office/drawing/2014/main" id="{80AA2B11-A697-FB7B-4B42-707EB911F504}"/>
+              </a:ext>
+            </a:extLst>
+          </p:cNvPr>
+          <p:cNvSpPr txBox="1"/>
           <p:nvPr/>
-        </p:nvPicPr>
-        <p:blipFill>
-          <a:blip r:embed="rId2">
-            <a:extLst>
-              <a:ext uri="{28A0092B-C50C-407E-A947-70E740481C1C}">
-                <a14:useLocalDpi xmlns:a14="http://schemas.microsoft.com/office/drawing/2010/main" val="0"/>
-              </a:ext>
-            </a:extLst>
-          </a:blip>
-          <a:stretch>
-            <a:fillRect/>
-          </a:stretch>
-        </p:blipFill>
-        <p:spPr>
-          <a:xfrm>
-            <a:off x="2136518" y="1411174"/>
-            <a:ext cx="6935563" cy="4922602"/>
+        </p:nvSpPr>
+        <p:spPr>
+          <a:xfrm>
+            <a:off x="1148315" y="1637414"/>
+            <a:ext cx="9888279" cy="2862322"/>
           </a:xfrm>
           <a:prstGeom prst="rect">
             <a:avLst/>
           </a:prstGeom>
-        </p:spPr>
-      </p:pic>
+          <a:noFill/>
+        </p:spPr>
+        <p:txBody>
+          <a:bodyPr wrap="square">
+            <a:spAutoFit/>
+          </a:bodyPr>
+          <a:lstStyle/>
+          <a:p>
+            <a:pPr marL="742950" indent="-742950">
+              <a:buFont typeface="+mj-lt"/>
+              <a:buAutoNum type="arabicPeriod"/>
+            </a:pPr>
+            <a:r>
+              <a:rPr lang="zh-CN" altLang="en-US" sz="3600" dirty="0"/>
+              <a:t>运行expandExpr得到展开对象列表</a:t>
+            </a:r>
+          </a:p>
+          <a:p>
+            <a:pPr marL="742950" indent="-742950">
+              <a:buFont typeface="+mj-lt"/>
+              <a:buAutoNum type="arabicPeriod"/>
+            </a:pPr>
+            <a:r>
+              <a:rPr lang="zh-CN" altLang="en-US" sz="3600" dirty="0"/>
+              <a:t>复用当前单元格作为展开后的第一个单元格</a:t>
+            </a:r>
+          </a:p>
+          <a:p>
+            <a:pPr marL="742950" indent="-742950">
+              <a:buFont typeface="+mj-lt"/>
+              <a:buAutoNum type="arabicPeriod"/>
+            </a:pPr>
+            <a:r>
+              <a:rPr lang="zh-CN" altLang="en-US" sz="3600" dirty="0"/>
+              <a:t>然后以这个单元格为模板复制n-1次</a:t>
+            </a:r>
+          </a:p>
+          <a:p>
+            <a:pPr marL="742950" indent="-742950">
+              <a:buFont typeface="+mj-lt"/>
+              <a:buAutoNum type="arabicPeriod"/>
+            </a:pPr>
+            <a:r>
+              <a:rPr lang="zh-CN" altLang="en-US" sz="3600" dirty="0"/>
+              <a:t>扩展同一行或者同一列中的父单元格</a:t>
+            </a:r>
+          </a:p>
+          <a:p>
+            <a:endParaRPr lang="zh-CN" altLang="en-US" sz="3600" dirty="0"/>
+          </a:p>
+        </p:txBody>
+      </p:sp>
+      <p:sp>
+        <p:nvSpPr>
+          <p:cNvPr id="8" name="矩形 7">
+            <a:extLst>
+              <a:ext uri="{FF2B5EF4-FFF2-40B4-BE49-F238E27FC236}">
+                <a16:creationId xmlns:a16="http://schemas.microsoft.com/office/drawing/2014/main" id="{DBCE88C7-01C0-6386-25E0-4095F4B0722B}"/>
+              </a:ext>
+            </a:extLst>
+          </p:cNvPr>
+          <p:cNvSpPr/>
+          <p:nvPr/>
+        </p:nvSpPr>
+        <p:spPr>
+          <a:xfrm>
+            <a:off x="1403498" y="4518837"/>
+            <a:ext cx="9178685" cy="1974037"/>
+          </a:xfrm>
+          <a:prstGeom prst="rect">
+            <a:avLst/>
+          </a:prstGeom>
+          <a:solidFill>
+            <a:schemeClr val="accent2">
+              <a:lumMod val="40000"/>
+              <a:lumOff val="60000"/>
+            </a:schemeClr>
+          </a:solidFill>
+        </p:spPr>
+        <p:style>
+          <a:lnRef idx="2">
+            <a:schemeClr val="accent1">
+              <a:shade val="15000"/>
+            </a:schemeClr>
+          </a:lnRef>
+          <a:fillRef idx="1">
+            <a:schemeClr val="accent1"/>
+          </a:fillRef>
+          <a:effectRef idx="0">
+            <a:schemeClr val="accent1"/>
+          </a:effectRef>
+          <a:fontRef idx="minor">
+            <a:schemeClr val="lt1"/>
+          </a:fontRef>
+        </p:style>
+        <p:txBody>
+          <a:bodyPr rtlCol="0" anchor="ctr"/>
+          <a:lstStyle/>
+          <a:p>
+            <a:pPr algn="ctr"/>
+            <a:endParaRPr lang="zh-CN" altLang="en-US"/>
+          </a:p>
+        </p:txBody>
+      </p:sp>
+      <p:sp>
+        <p:nvSpPr>
+          <p:cNvPr id="11" name="文本框 10">
+            <a:extLst>
+              <a:ext uri="{FF2B5EF4-FFF2-40B4-BE49-F238E27FC236}">
+                <a16:creationId xmlns:a16="http://schemas.microsoft.com/office/drawing/2014/main" id="{77115767-5F7B-0FF3-332B-35BE9821587D}"/>
+              </a:ext>
+            </a:extLst>
+          </p:cNvPr>
+          <p:cNvSpPr txBox="1"/>
+          <p:nvPr/>
+        </p:nvSpPr>
+        <p:spPr>
+          <a:xfrm>
+            <a:off x="1756881" y="4767209"/>
+            <a:ext cx="924674" cy="369332"/>
+          </a:xfrm>
+          <a:prstGeom prst="rect">
+            <a:avLst/>
+          </a:prstGeom>
+          <a:noFill/>
+        </p:spPr>
+        <p:txBody>
+          <a:bodyPr wrap="square" rtlCol="0">
+            <a:spAutoFit/>
+          </a:bodyPr>
+          <a:lstStyle/>
+          <a:p>
+            <a:r>
+              <a:rPr lang="zh-CN" altLang="en-US" dirty="0"/>
+              <a:t>父格</a:t>
+            </a:r>
+          </a:p>
+        </p:txBody>
+      </p:sp>
+      <p:sp>
+        <p:nvSpPr>
+          <p:cNvPr id="15" name="矩形 14">
+            <a:extLst>
+              <a:ext uri="{FF2B5EF4-FFF2-40B4-BE49-F238E27FC236}">
+                <a16:creationId xmlns:a16="http://schemas.microsoft.com/office/drawing/2014/main" id="{8CF882B3-2CA8-996F-C8BC-A0C2188319ED}"/>
+              </a:ext>
+            </a:extLst>
+          </p:cNvPr>
+          <p:cNvSpPr/>
+          <p:nvPr/>
+        </p:nvSpPr>
+        <p:spPr>
+          <a:xfrm>
+            <a:off x="6181256" y="4723243"/>
+            <a:ext cx="2260314" cy="750013"/>
+          </a:xfrm>
+          <a:prstGeom prst="rect">
+            <a:avLst/>
+          </a:prstGeom>
+          <a:solidFill>
+            <a:schemeClr val="accent5">
+              <a:lumMod val="40000"/>
+              <a:lumOff val="60000"/>
+            </a:schemeClr>
+          </a:solidFill>
+        </p:spPr>
+        <p:style>
+          <a:lnRef idx="2">
+            <a:schemeClr val="accent1">
+              <a:shade val="15000"/>
+            </a:schemeClr>
+          </a:lnRef>
+          <a:fillRef idx="1">
+            <a:schemeClr val="accent1"/>
+          </a:fillRef>
+          <a:effectRef idx="0">
+            <a:schemeClr val="accent1"/>
+          </a:effectRef>
+          <a:fontRef idx="minor">
+            <a:schemeClr val="lt1"/>
+          </a:fontRef>
+        </p:style>
+        <p:txBody>
+          <a:bodyPr rtlCol="0" anchor="ctr"/>
+          <a:lstStyle/>
+          <a:p>
+            <a:pPr algn="ctr"/>
+            <a:r>
+              <a:rPr lang="zh-CN" altLang="en-US" dirty="0">
+                <a:solidFill>
+                  <a:schemeClr val="tx1"/>
+                </a:solidFill>
+              </a:rPr>
+              <a:t>子格</a:t>
+            </a:r>
+          </a:p>
+        </p:txBody>
+      </p:sp>
+      <p:sp>
+        <p:nvSpPr>
+          <p:cNvPr id="16" name="矩形 15">
+            <a:extLst>
+              <a:ext uri="{FF2B5EF4-FFF2-40B4-BE49-F238E27FC236}">
+                <a16:creationId xmlns:a16="http://schemas.microsoft.com/office/drawing/2014/main" id="{C520B869-2F70-8724-991E-3370C261EC4E}"/>
+              </a:ext>
+            </a:extLst>
+          </p:cNvPr>
+          <p:cNvSpPr/>
+          <p:nvPr/>
+        </p:nvSpPr>
+        <p:spPr>
+          <a:xfrm>
+            <a:off x="6179679" y="5644183"/>
+            <a:ext cx="2260314" cy="750013"/>
+          </a:xfrm>
+          <a:prstGeom prst="rect">
+            <a:avLst/>
+          </a:prstGeom>
+          <a:solidFill>
+            <a:schemeClr val="accent5">
+              <a:lumMod val="40000"/>
+              <a:lumOff val="60000"/>
+            </a:schemeClr>
+          </a:solidFill>
+        </p:spPr>
+        <p:style>
+          <a:lnRef idx="2">
+            <a:schemeClr val="accent1">
+              <a:shade val="15000"/>
+            </a:schemeClr>
+          </a:lnRef>
+          <a:fillRef idx="1">
+            <a:schemeClr val="accent1"/>
+          </a:fillRef>
+          <a:effectRef idx="0">
+            <a:schemeClr val="accent1"/>
+          </a:effectRef>
+          <a:fontRef idx="minor">
+            <a:schemeClr val="lt1"/>
+          </a:fontRef>
+        </p:style>
+        <p:txBody>
+          <a:bodyPr rtlCol="0" anchor="ctr"/>
+          <a:lstStyle/>
+          <a:p>
+            <a:pPr algn="ctr"/>
+            <a:r>
+              <a:rPr lang="zh-CN" altLang="en-US" dirty="0">
+                <a:solidFill>
+                  <a:schemeClr val="tx1"/>
+                </a:solidFill>
+              </a:rPr>
+              <a:t>子格</a:t>
+            </a:r>
+          </a:p>
+        </p:txBody>
+      </p:sp>
+      <p:sp>
+        <p:nvSpPr>
+          <p:cNvPr id="17" name="矩形 16">
+            <a:extLst>
+              <a:ext uri="{FF2B5EF4-FFF2-40B4-BE49-F238E27FC236}">
+                <a16:creationId xmlns:a16="http://schemas.microsoft.com/office/drawing/2014/main" id="{DC166039-1AB5-37ED-DA28-5781BBA5F448}"/>
+              </a:ext>
+            </a:extLst>
+          </p:cNvPr>
+          <p:cNvSpPr/>
+          <p:nvPr/>
+        </p:nvSpPr>
+        <p:spPr>
+          <a:xfrm>
+            <a:off x="3521217" y="4745589"/>
+            <a:ext cx="2260314" cy="750013"/>
+          </a:xfrm>
+          <a:prstGeom prst="rect">
+            <a:avLst/>
+          </a:prstGeom>
+          <a:solidFill>
+            <a:schemeClr val="accent5">
+              <a:lumMod val="40000"/>
+              <a:lumOff val="60000"/>
+            </a:schemeClr>
+          </a:solidFill>
+        </p:spPr>
+        <p:style>
+          <a:lnRef idx="2">
+            <a:schemeClr val="accent1">
+              <a:shade val="15000"/>
+            </a:schemeClr>
+          </a:lnRef>
+          <a:fillRef idx="1">
+            <a:schemeClr val="accent1"/>
+          </a:fillRef>
+          <a:effectRef idx="0">
+            <a:schemeClr val="accent1"/>
+          </a:effectRef>
+          <a:fontRef idx="minor">
+            <a:schemeClr val="lt1"/>
+          </a:fontRef>
+        </p:style>
+        <p:txBody>
+          <a:bodyPr rtlCol="0" anchor="ctr"/>
+          <a:lstStyle/>
+          <a:p>
+            <a:pPr algn="ctr"/>
+            <a:r>
+              <a:rPr lang="zh-CN" altLang="en-US" dirty="0">
+                <a:solidFill>
+                  <a:schemeClr val="tx1"/>
+                </a:solidFill>
+              </a:rPr>
+              <a:t>子格</a:t>
+            </a:r>
+          </a:p>
+        </p:txBody>
+      </p:sp>
+      <p:sp>
+        <p:nvSpPr>
+          <p:cNvPr id="18" name="矩形 17">
+            <a:extLst>
+              <a:ext uri="{FF2B5EF4-FFF2-40B4-BE49-F238E27FC236}">
+                <a16:creationId xmlns:a16="http://schemas.microsoft.com/office/drawing/2014/main" id="{0EFF2757-BBF9-B9A8-5E71-C2AD23DE7CA4}"/>
+              </a:ext>
+            </a:extLst>
+          </p:cNvPr>
+          <p:cNvSpPr/>
+          <p:nvPr/>
+        </p:nvSpPr>
+        <p:spPr>
+          <a:xfrm>
+            <a:off x="3521217" y="5619231"/>
+            <a:ext cx="2260314" cy="750013"/>
+          </a:xfrm>
+          <a:prstGeom prst="rect">
+            <a:avLst/>
+          </a:prstGeom>
+          <a:solidFill>
+            <a:schemeClr val="accent5">
+              <a:lumMod val="40000"/>
+              <a:lumOff val="60000"/>
+            </a:schemeClr>
+          </a:solidFill>
+        </p:spPr>
+        <p:style>
+          <a:lnRef idx="2">
+            <a:schemeClr val="accent1">
+              <a:shade val="15000"/>
+            </a:schemeClr>
+          </a:lnRef>
+          <a:fillRef idx="1">
+            <a:schemeClr val="accent1"/>
+          </a:fillRef>
+          <a:effectRef idx="0">
+            <a:schemeClr val="accent1"/>
+          </a:effectRef>
+          <a:fontRef idx="minor">
+            <a:schemeClr val="lt1"/>
+          </a:fontRef>
+        </p:style>
+        <p:txBody>
+          <a:bodyPr rtlCol="0" anchor="ctr"/>
+          <a:lstStyle/>
+          <a:p>
+            <a:pPr algn="ctr"/>
+            <a:r>
+              <a:rPr lang="zh-CN" altLang="en-US" dirty="0">
+                <a:solidFill>
+                  <a:schemeClr val="tx1"/>
+                </a:solidFill>
+              </a:rPr>
+              <a:t>子格</a:t>
+            </a:r>
+          </a:p>
+        </p:txBody>
+      </p:sp>
+      <p:sp>
+        <p:nvSpPr>
+          <p:cNvPr id="19" name="文本框 18">
+            <a:extLst>
+              <a:ext uri="{FF2B5EF4-FFF2-40B4-BE49-F238E27FC236}">
+                <a16:creationId xmlns:a16="http://schemas.microsoft.com/office/drawing/2014/main" id="{37A2A0D3-FD25-2BCE-A534-307AF40DC01D}"/>
+              </a:ext>
+            </a:extLst>
+          </p:cNvPr>
+          <p:cNvSpPr txBox="1"/>
+          <p:nvPr/>
+        </p:nvSpPr>
+        <p:spPr>
+          <a:xfrm>
+            <a:off x="9061807" y="4849402"/>
+            <a:ext cx="1373312" cy="1200329"/>
+          </a:xfrm>
+          <a:prstGeom prst="rect">
+            <a:avLst/>
+          </a:prstGeom>
+          <a:noFill/>
+        </p:spPr>
+        <p:txBody>
+          <a:bodyPr wrap="square" rtlCol="0">
+            <a:spAutoFit/>
+          </a:bodyPr>
+          <a:lstStyle/>
+          <a:p>
+            <a:r>
+              <a:rPr lang="zh-CN" altLang="en-US" dirty="0"/>
+              <a:t>每个父格会管辖一块包含所有子格的连续区域</a:t>
+            </a:r>
+          </a:p>
+        </p:txBody>
+      </p:sp>
     </p:spTree>
     <p:extLst>
       <p:ext uri="{BB962C8B-B14F-4D97-AF65-F5344CB8AC3E}">
-        <p14:creationId xmlns:p14="http://schemas.microsoft.com/office/powerpoint/2010/main" val="904488663"/>
+        <p14:creationId xmlns:p14="http://schemas.microsoft.com/office/powerpoint/2010/main" val="4162426800"/>
       </p:ext>
     </p:extLst>
   </p:cSld>
@@ -3728,445 +4125,50 @@
           <a:p>
             <a:r>
               <a:rPr lang="zh-CN" altLang="en-US" sz="4000" b="1" dirty="0"/>
-              <a:t>单元格展开</a:t>
-            </a:r>
-          </a:p>
-        </p:txBody>
-      </p:sp>
-      <p:sp>
-        <p:nvSpPr>
-          <p:cNvPr id="7" name="文本框 6">
-            <a:extLst>
-              <a:ext uri="{FF2B5EF4-FFF2-40B4-BE49-F238E27FC236}">
-                <a16:creationId xmlns:a16="http://schemas.microsoft.com/office/drawing/2014/main" id="{80AA2B11-A697-FB7B-4B42-707EB911F504}"/>
-              </a:ext>
-            </a:extLst>
-          </p:cNvPr>
-          <p:cNvSpPr txBox="1"/>
+              <a:t>核心数据结构：</a:t>
+            </a:r>
+            <a:r>
+              <a:rPr lang="en-US" altLang="zh-CN" sz="4000" b="1" dirty="0" err="1"/>
+              <a:t>ExpandedCell</a:t>
+            </a:r>
+            <a:endParaRPr lang="zh-CN" altLang="en-US" sz="4000" b="1" dirty="0"/>
+          </a:p>
+        </p:txBody>
+      </p:sp>
+      <p:pic>
+        <p:nvPicPr>
+          <p:cNvPr id="6" name="图片 5">
+            <a:extLst>
+              <a:ext uri="{FF2B5EF4-FFF2-40B4-BE49-F238E27FC236}">
+                <a16:creationId xmlns:a16="http://schemas.microsoft.com/office/drawing/2014/main" id="{D38E1AEB-6100-0B36-D4FD-23ACB024537A}"/>
+              </a:ext>
+            </a:extLst>
+          </p:cNvPr>
+          <p:cNvPicPr>
+            <a:picLocks noChangeAspect="1"/>
+          </p:cNvPicPr>
           <p:nvPr/>
-        </p:nvSpPr>
-        <p:spPr>
-          <a:xfrm>
-            <a:off x="1148315" y="1637414"/>
-            <a:ext cx="9888279" cy="2862322"/>
+        </p:nvPicPr>
+        <p:blipFill>
+          <a:blip r:embed="rId2"/>
+          <a:stretch>
+            <a:fillRect/>
+          </a:stretch>
+        </p:blipFill>
+        <p:spPr>
+          <a:xfrm>
+            <a:off x="306571" y="1821432"/>
+            <a:ext cx="11183001" cy="3803192"/>
           </a:xfrm>
           <a:prstGeom prst="rect">
             <a:avLst/>
           </a:prstGeom>
-          <a:noFill/>
-        </p:spPr>
-        <p:txBody>
-          <a:bodyPr wrap="square">
-            <a:spAutoFit/>
-          </a:bodyPr>
-          <a:lstStyle/>
-          <a:p>
-            <a:pPr marL="742950" indent="-742950">
-              <a:buFont typeface="+mj-lt"/>
-              <a:buAutoNum type="arabicPeriod"/>
-            </a:pPr>
-            <a:r>
-              <a:rPr lang="zh-CN" altLang="en-US" sz="3600" dirty="0"/>
-              <a:t>运行expandExpr得到展开对象列表</a:t>
-            </a:r>
-          </a:p>
-          <a:p>
-            <a:pPr marL="742950" indent="-742950">
-              <a:buFont typeface="+mj-lt"/>
-              <a:buAutoNum type="arabicPeriod"/>
-            </a:pPr>
-            <a:r>
-              <a:rPr lang="zh-CN" altLang="en-US" sz="3600" dirty="0"/>
-              <a:t>复用当前单元格作为展开后的第一个单元格</a:t>
-            </a:r>
-          </a:p>
-          <a:p>
-            <a:pPr marL="742950" indent="-742950">
-              <a:buFont typeface="+mj-lt"/>
-              <a:buAutoNum type="arabicPeriod"/>
-            </a:pPr>
-            <a:r>
-              <a:rPr lang="zh-CN" altLang="en-US" sz="3600" dirty="0"/>
-              <a:t>然后以这个单元格为模板复制n-1次</a:t>
-            </a:r>
-          </a:p>
-          <a:p>
-            <a:pPr marL="742950" indent="-742950">
-              <a:buFont typeface="+mj-lt"/>
-              <a:buAutoNum type="arabicPeriod"/>
-            </a:pPr>
-            <a:r>
-              <a:rPr lang="zh-CN" altLang="en-US" sz="3600" dirty="0"/>
-              <a:t>扩展同一行或者同一列中的父单元格</a:t>
-            </a:r>
-          </a:p>
-          <a:p>
-            <a:endParaRPr lang="zh-CN" altLang="en-US" sz="3600" dirty="0"/>
-          </a:p>
-        </p:txBody>
-      </p:sp>
-      <p:sp>
-        <p:nvSpPr>
-          <p:cNvPr id="8" name="矩形 7">
-            <a:extLst>
-              <a:ext uri="{FF2B5EF4-FFF2-40B4-BE49-F238E27FC236}">
-                <a16:creationId xmlns:a16="http://schemas.microsoft.com/office/drawing/2014/main" id="{DBCE88C7-01C0-6386-25E0-4095F4B0722B}"/>
-              </a:ext>
-            </a:extLst>
-          </p:cNvPr>
-          <p:cNvSpPr/>
-          <p:nvPr/>
-        </p:nvSpPr>
-        <p:spPr>
-          <a:xfrm>
-            <a:off x="1403498" y="4518837"/>
-            <a:ext cx="9178685" cy="1974037"/>
-          </a:xfrm>
-          <a:prstGeom prst="rect">
-            <a:avLst/>
-          </a:prstGeom>
-          <a:solidFill>
-            <a:schemeClr val="accent2">
-              <a:lumMod val="40000"/>
-              <a:lumOff val="60000"/>
-            </a:schemeClr>
-          </a:solidFill>
-        </p:spPr>
-        <p:style>
-          <a:lnRef idx="2">
-            <a:schemeClr val="accent1">
-              <a:shade val="15000"/>
-            </a:schemeClr>
-          </a:lnRef>
-          <a:fillRef idx="1">
-            <a:schemeClr val="accent1"/>
-          </a:fillRef>
-          <a:effectRef idx="0">
-            <a:schemeClr val="accent1"/>
-          </a:effectRef>
-          <a:fontRef idx="minor">
-            <a:schemeClr val="lt1"/>
-          </a:fontRef>
-        </p:style>
-        <p:txBody>
-          <a:bodyPr rtlCol="0" anchor="ctr"/>
-          <a:lstStyle/>
-          <a:p>
-            <a:pPr algn="ctr"/>
-            <a:endParaRPr lang="zh-CN" altLang="en-US"/>
-          </a:p>
-        </p:txBody>
-      </p:sp>
-      <p:sp>
-        <p:nvSpPr>
-          <p:cNvPr id="11" name="文本框 10">
-            <a:extLst>
-              <a:ext uri="{FF2B5EF4-FFF2-40B4-BE49-F238E27FC236}">
-                <a16:creationId xmlns:a16="http://schemas.microsoft.com/office/drawing/2014/main" id="{77115767-5F7B-0FF3-332B-35BE9821587D}"/>
-              </a:ext>
-            </a:extLst>
-          </p:cNvPr>
-          <p:cNvSpPr txBox="1"/>
-          <p:nvPr/>
-        </p:nvSpPr>
-        <p:spPr>
-          <a:xfrm>
-            <a:off x="1756881" y="4767209"/>
-            <a:ext cx="924674" cy="369332"/>
-          </a:xfrm>
-          <a:prstGeom prst="rect">
-            <a:avLst/>
-          </a:prstGeom>
-          <a:noFill/>
-        </p:spPr>
-        <p:txBody>
-          <a:bodyPr wrap="square" rtlCol="0">
-            <a:spAutoFit/>
-          </a:bodyPr>
-          <a:lstStyle/>
-          <a:p>
-            <a:r>
-              <a:rPr lang="zh-CN" altLang="en-US" dirty="0"/>
-              <a:t>父格</a:t>
-            </a:r>
-          </a:p>
-        </p:txBody>
-      </p:sp>
-      <p:sp>
-        <p:nvSpPr>
-          <p:cNvPr id="15" name="矩形 14">
-            <a:extLst>
-              <a:ext uri="{FF2B5EF4-FFF2-40B4-BE49-F238E27FC236}">
-                <a16:creationId xmlns:a16="http://schemas.microsoft.com/office/drawing/2014/main" id="{8CF882B3-2CA8-996F-C8BC-A0C2188319ED}"/>
-              </a:ext>
-            </a:extLst>
-          </p:cNvPr>
-          <p:cNvSpPr/>
-          <p:nvPr/>
-        </p:nvSpPr>
-        <p:spPr>
-          <a:xfrm>
-            <a:off x="6181256" y="4723243"/>
-            <a:ext cx="2260314" cy="750013"/>
-          </a:xfrm>
-          <a:prstGeom prst="rect">
-            <a:avLst/>
-          </a:prstGeom>
-          <a:solidFill>
-            <a:schemeClr val="accent5">
-              <a:lumMod val="40000"/>
-              <a:lumOff val="60000"/>
-            </a:schemeClr>
-          </a:solidFill>
-        </p:spPr>
-        <p:style>
-          <a:lnRef idx="2">
-            <a:schemeClr val="accent1">
-              <a:shade val="15000"/>
-            </a:schemeClr>
-          </a:lnRef>
-          <a:fillRef idx="1">
-            <a:schemeClr val="accent1"/>
-          </a:fillRef>
-          <a:effectRef idx="0">
-            <a:schemeClr val="accent1"/>
-          </a:effectRef>
-          <a:fontRef idx="minor">
-            <a:schemeClr val="lt1"/>
-          </a:fontRef>
-        </p:style>
-        <p:txBody>
-          <a:bodyPr rtlCol="0" anchor="ctr"/>
-          <a:lstStyle/>
-          <a:p>
-            <a:pPr algn="ctr"/>
-            <a:r>
-              <a:rPr lang="zh-CN" altLang="en-US" dirty="0">
-                <a:solidFill>
-                  <a:schemeClr val="tx1"/>
-                </a:solidFill>
-              </a:rPr>
-              <a:t>子格</a:t>
-            </a:r>
-          </a:p>
-        </p:txBody>
-      </p:sp>
-      <p:sp>
-        <p:nvSpPr>
-          <p:cNvPr id="16" name="矩形 15">
-            <a:extLst>
-              <a:ext uri="{FF2B5EF4-FFF2-40B4-BE49-F238E27FC236}">
-                <a16:creationId xmlns:a16="http://schemas.microsoft.com/office/drawing/2014/main" id="{C520B869-2F70-8724-991E-3370C261EC4E}"/>
-              </a:ext>
-            </a:extLst>
-          </p:cNvPr>
-          <p:cNvSpPr/>
-          <p:nvPr/>
-        </p:nvSpPr>
-        <p:spPr>
-          <a:xfrm>
-            <a:off x="6179679" y="5644183"/>
-            <a:ext cx="2260314" cy="750013"/>
-          </a:xfrm>
-          <a:prstGeom prst="rect">
-            <a:avLst/>
-          </a:prstGeom>
-          <a:solidFill>
-            <a:schemeClr val="accent5">
-              <a:lumMod val="40000"/>
-              <a:lumOff val="60000"/>
-            </a:schemeClr>
-          </a:solidFill>
-        </p:spPr>
-        <p:style>
-          <a:lnRef idx="2">
-            <a:schemeClr val="accent1">
-              <a:shade val="15000"/>
-            </a:schemeClr>
-          </a:lnRef>
-          <a:fillRef idx="1">
-            <a:schemeClr val="accent1"/>
-          </a:fillRef>
-          <a:effectRef idx="0">
-            <a:schemeClr val="accent1"/>
-          </a:effectRef>
-          <a:fontRef idx="minor">
-            <a:schemeClr val="lt1"/>
-          </a:fontRef>
-        </p:style>
-        <p:txBody>
-          <a:bodyPr rtlCol="0" anchor="ctr"/>
-          <a:lstStyle/>
-          <a:p>
-            <a:pPr algn="ctr"/>
-            <a:r>
-              <a:rPr lang="zh-CN" altLang="en-US" dirty="0">
-                <a:solidFill>
-                  <a:schemeClr val="tx1"/>
-                </a:solidFill>
-              </a:rPr>
-              <a:t>子格</a:t>
-            </a:r>
-          </a:p>
-        </p:txBody>
-      </p:sp>
-      <p:sp>
-        <p:nvSpPr>
-          <p:cNvPr id="17" name="矩形 16">
-            <a:extLst>
-              <a:ext uri="{FF2B5EF4-FFF2-40B4-BE49-F238E27FC236}">
-                <a16:creationId xmlns:a16="http://schemas.microsoft.com/office/drawing/2014/main" id="{DC166039-1AB5-37ED-DA28-5781BBA5F448}"/>
-              </a:ext>
-            </a:extLst>
-          </p:cNvPr>
-          <p:cNvSpPr/>
-          <p:nvPr/>
-        </p:nvSpPr>
-        <p:spPr>
-          <a:xfrm>
-            <a:off x="3521217" y="4745589"/>
-            <a:ext cx="2260314" cy="750013"/>
-          </a:xfrm>
-          <a:prstGeom prst="rect">
-            <a:avLst/>
-          </a:prstGeom>
-          <a:solidFill>
-            <a:schemeClr val="accent5">
-              <a:lumMod val="40000"/>
-              <a:lumOff val="60000"/>
-            </a:schemeClr>
-          </a:solidFill>
-        </p:spPr>
-        <p:style>
-          <a:lnRef idx="2">
-            <a:schemeClr val="accent1">
-              <a:shade val="15000"/>
-            </a:schemeClr>
-          </a:lnRef>
-          <a:fillRef idx="1">
-            <a:schemeClr val="accent1"/>
-          </a:fillRef>
-          <a:effectRef idx="0">
-            <a:schemeClr val="accent1"/>
-          </a:effectRef>
-          <a:fontRef idx="minor">
-            <a:schemeClr val="lt1"/>
-          </a:fontRef>
-        </p:style>
-        <p:txBody>
-          <a:bodyPr rtlCol="0" anchor="ctr"/>
-          <a:lstStyle/>
-          <a:p>
-            <a:pPr algn="ctr"/>
-            <a:r>
-              <a:rPr lang="zh-CN" altLang="en-US" dirty="0">
-                <a:solidFill>
-                  <a:schemeClr val="tx1"/>
-                </a:solidFill>
-              </a:rPr>
-              <a:t>子格</a:t>
-            </a:r>
-          </a:p>
-        </p:txBody>
-      </p:sp>
-      <p:sp>
-        <p:nvSpPr>
-          <p:cNvPr id="18" name="矩形 17">
-            <a:extLst>
-              <a:ext uri="{FF2B5EF4-FFF2-40B4-BE49-F238E27FC236}">
-                <a16:creationId xmlns:a16="http://schemas.microsoft.com/office/drawing/2014/main" id="{0EFF2757-BBF9-B9A8-5E71-C2AD23DE7CA4}"/>
-              </a:ext>
-            </a:extLst>
-          </p:cNvPr>
-          <p:cNvSpPr/>
-          <p:nvPr/>
-        </p:nvSpPr>
-        <p:spPr>
-          <a:xfrm>
-            <a:off x="3521217" y="5619231"/>
-            <a:ext cx="2260314" cy="750013"/>
-          </a:xfrm>
-          <a:prstGeom prst="rect">
-            <a:avLst/>
-          </a:prstGeom>
-          <a:solidFill>
-            <a:schemeClr val="accent5">
-              <a:lumMod val="40000"/>
-              <a:lumOff val="60000"/>
-            </a:schemeClr>
-          </a:solidFill>
-        </p:spPr>
-        <p:style>
-          <a:lnRef idx="2">
-            <a:schemeClr val="accent1">
-              <a:shade val="15000"/>
-            </a:schemeClr>
-          </a:lnRef>
-          <a:fillRef idx="1">
-            <a:schemeClr val="accent1"/>
-          </a:fillRef>
-          <a:effectRef idx="0">
-            <a:schemeClr val="accent1"/>
-          </a:effectRef>
-          <a:fontRef idx="minor">
-            <a:schemeClr val="lt1"/>
-          </a:fontRef>
-        </p:style>
-        <p:txBody>
-          <a:bodyPr rtlCol="0" anchor="ctr"/>
-          <a:lstStyle/>
-          <a:p>
-            <a:pPr algn="ctr"/>
-            <a:r>
-              <a:rPr lang="zh-CN" altLang="en-US" dirty="0">
-                <a:solidFill>
-                  <a:schemeClr val="tx1"/>
-                </a:solidFill>
-              </a:rPr>
-              <a:t>子格</a:t>
-            </a:r>
-          </a:p>
-        </p:txBody>
-      </p:sp>
-      <p:sp>
-        <p:nvSpPr>
-          <p:cNvPr id="19" name="文本框 18">
-            <a:extLst>
-              <a:ext uri="{FF2B5EF4-FFF2-40B4-BE49-F238E27FC236}">
-                <a16:creationId xmlns:a16="http://schemas.microsoft.com/office/drawing/2014/main" id="{37A2A0D3-FD25-2BCE-A534-307AF40DC01D}"/>
-              </a:ext>
-            </a:extLst>
-          </p:cNvPr>
-          <p:cNvSpPr txBox="1"/>
-          <p:nvPr/>
-        </p:nvSpPr>
-        <p:spPr>
-          <a:xfrm>
-            <a:off x="9061807" y="4849402"/>
-            <a:ext cx="1373312" cy="1200329"/>
-          </a:xfrm>
-          <a:prstGeom prst="rect">
-            <a:avLst/>
-          </a:prstGeom>
-          <a:noFill/>
-        </p:spPr>
-        <p:txBody>
-          <a:bodyPr wrap="square" rtlCol="0">
-            <a:spAutoFit/>
-          </a:bodyPr>
-          <a:lstStyle/>
-          <a:p>
-            <a:r>
-              <a:rPr lang="zh-CN" altLang="en-US" dirty="0"/>
-              <a:t>每个父格会管辖一块包含所有子格的连续区域</a:t>
-            </a:r>
-          </a:p>
-        </p:txBody>
-      </p:sp>
+        </p:spPr>
+      </p:pic>
     </p:spTree>
     <p:extLst>
       <p:ext uri="{BB962C8B-B14F-4D97-AF65-F5344CB8AC3E}">
-        <p14:creationId xmlns:p14="http://schemas.microsoft.com/office/powerpoint/2010/main" val="4162426800"/>
+        <p14:creationId xmlns:p14="http://schemas.microsoft.com/office/powerpoint/2010/main" val="378347807"/>
       </p:ext>
     </p:extLst>
   </p:cSld>
@@ -4193,12 +4195,95 @@
           <a:chExt cx="0" cy="0"/>
         </a:xfrm>
       </p:grpSpPr>
+      <p:sp>
+        <p:nvSpPr>
+          <p:cNvPr id="2" name="标题 1">
+            <a:extLst>
+              <a:ext uri="{FF2B5EF4-FFF2-40B4-BE49-F238E27FC236}">
+                <a16:creationId xmlns:a16="http://schemas.microsoft.com/office/drawing/2014/main" id="{7B078A78-F1A6-B200-A327-496477BABCB1}"/>
+              </a:ext>
+            </a:extLst>
+          </p:cNvPr>
+          <p:cNvSpPr>
+            <a:spLocks noGrp="1"/>
+          </p:cNvSpPr>
+          <p:nvPr>
+            <p:ph type="title"/>
+          </p:nvPr>
+        </p:nvSpPr>
+        <p:spPr>
+          <a:xfrm>
+            <a:off x="838200" y="365126"/>
+            <a:ext cx="9743983" cy="957648"/>
+          </a:xfrm>
+        </p:spPr>
+        <p:txBody>
+          <a:bodyPr>
+            <a:normAutofit/>
+          </a:bodyPr>
+          <a:lstStyle/>
+          <a:p>
+            <a:r>
+              <a:rPr lang="zh-CN" altLang="en-US" sz="4000" b="1" dirty="0"/>
+              <a:t>动态数据集：</a:t>
+            </a:r>
+            <a:r>
+              <a:rPr lang="en-US" altLang="zh-CN" sz="4000" b="1" dirty="0" err="1"/>
+              <a:t>DynamicReportDataSet</a:t>
+            </a:r>
+            <a:endParaRPr lang="zh-CN" altLang="en-US" sz="4000" b="1" dirty="0"/>
+          </a:p>
+        </p:txBody>
+      </p:sp>
+      <p:sp>
+        <p:nvSpPr>
+          <p:cNvPr id="7" name="文本框 6">
+            <a:extLst>
+              <a:ext uri="{FF2B5EF4-FFF2-40B4-BE49-F238E27FC236}">
+                <a16:creationId xmlns:a16="http://schemas.microsoft.com/office/drawing/2014/main" id="{80AA2B11-A697-FB7B-4B42-707EB911F504}"/>
+              </a:ext>
+            </a:extLst>
+          </p:cNvPr>
+          <p:cNvSpPr txBox="1"/>
+          <p:nvPr/>
+        </p:nvSpPr>
+        <p:spPr>
+          <a:xfrm>
+            <a:off x="963380" y="1637414"/>
+            <a:ext cx="10769707" cy="646331"/>
+          </a:xfrm>
+          <a:prstGeom prst="rect">
+            <a:avLst/>
+          </a:prstGeom>
+          <a:noFill/>
+        </p:spPr>
+        <p:txBody>
+          <a:bodyPr wrap="square">
+            <a:spAutoFit/>
+          </a:bodyPr>
+          <a:lstStyle/>
+          <a:p>
+            <a:r>
+              <a:rPr lang="zh-CN" altLang="en-US" sz="3600" dirty="0"/>
+              <a:t>根据父格的</a:t>
+            </a:r>
+            <a:r>
+              <a:rPr lang="en-US" altLang="zh-CN" sz="3600" dirty="0" err="1"/>
+              <a:t>expandedValue</a:t>
+            </a:r>
+            <a:r>
+              <a:rPr lang="zh-CN" altLang="en-US" sz="3600" dirty="0"/>
+              <a:t>的交集确定当前数据集合</a:t>
+            </a:r>
+          </a:p>
+        </p:txBody>
+      </p:sp>
       <p:pic>
         <p:nvPicPr>
-          <p:cNvPr id="6" name="图片 5">
-            <a:extLst>
-              <a:ext uri="{FF2B5EF4-FFF2-40B4-BE49-F238E27FC236}">
-                <a16:creationId xmlns:a16="http://schemas.microsoft.com/office/drawing/2014/main" id="{F555E21C-878B-90AE-68D1-9387927872FE}"/>
+          <p:cNvPr id="4" name="图片 3">
+            <a:extLst>
+              <a:ext uri="{FF2B5EF4-FFF2-40B4-BE49-F238E27FC236}">
+                <a16:creationId xmlns:a16="http://schemas.microsoft.com/office/drawing/2014/main" id="{584C0188-1934-9282-699A-92372C5515A3}"/>
               </a:ext>
             </a:extLst>
           </p:cNvPr>
@@ -4221,8 +4306,8 @@
         </p:blipFill>
         <p:spPr>
           <a:xfrm>
-            <a:off x="3551382" y="4059606"/>
-            <a:ext cx="5703546" cy="2321960"/>
+            <a:off x="2775314" y="2859995"/>
+            <a:ext cx="6255671" cy="3759565"/>
           </a:xfrm>
           <a:prstGeom prst="rect">
             <a:avLst/>
@@ -4231,45 +4316,10 @@
       </p:pic>
       <p:sp>
         <p:nvSpPr>
-          <p:cNvPr id="2" name="标题 1">
-            <a:extLst>
-              <a:ext uri="{FF2B5EF4-FFF2-40B4-BE49-F238E27FC236}">
-                <a16:creationId xmlns:a16="http://schemas.microsoft.com/office/drawing/2014/main" id="{7B078A78-F1A6-B200-A327-496477BABCB1}"/>
-              </a:ext>
-            </a:extLst>
-          </p:cNvPr>
-          <p:cNvSpPr>
-            <a:spLocks noGrp="1"/>
-          </p:cNvSpPr>
-          <p:nvPr>
-            <p:ph type="title"/>
-          </p:nvPr>
-        </p:nvSpPr>
-        <p:spPr>
-          <a:xfrm>
-            <a:off x="838200" y="365126"/>
-            <a:ext cx="9743983" cy="957648"/>
-          </a:xfrm>
-        </p:spPr>
-        <p:txBody>
-          <a:bodyPr>
-            <a:normAutofit/>
-          </a:bodyPr>
-          <a:lstStyle/>
-          <a:p>
-            <a:r>
-              <a:rPr lang="zh-CN" altLang="en-US" sz="4000" b="1" dirty="0"/>
-              <a:t>报表表达式</a:t>
-            </a:r>
-          </a:p>
-        </p:txBody>
-      </p:sp>
-      <p:sp>
-        <p:nvSpPr>
-          <p:cNvPr id="7" name="文本框 6">
-            <a:extLst>
-              <a:ext uri="{FF2B5EF4-FFF2-40B4-BE49-F238E27FC236}">
-                <a16:creationId xmlns:a16="http://schemas.microsoft.com/office/drawing/2014/main" id="{80AA2B11-A697-FB7B-4B42-707EB911F504}"/>
+          <p:cNvPr id="5" name="文本框 4">
+            <a:extLst>
+              <a:ext uri="{FF2B5EF4-FFF2-40B4-BE49-F238E27FC236}">
+                <a16:creationId xmlns:a16="http://schemas.microsoft.com/office/drawing/2014/main" id="{036033FF-7391-CCBE-2DB7-55ABED3EF5A3}"/>
               </a:ext>
             </a:extLst>
           </p:cNvPr>
@@ -4278,8 +4328,8 @@
         </p:nvSpPr>
         <p:spPr>
           <a:xfrm>
-            <a:off x="1148315" y="1637414"/>
-            <a:ext cx="9888279" cy="3416320"/>
+            <a:off x="8250148" y="3195263"/>
+            <a:ext cx="3482939" cy="1815882"/>
           </a:xfrm>
           <a:prstGeom prst="rect">
             <a:avLst/>
@@ -4287,89 +4337,77 @@
           <a:noFill/>
         </p:spPr>
         <p:txBody>
-          <a:bodyPr wrap="square">
+          <a:bodyPr wrap="square" rtlCol="0">
             <a:spAutoFit/>
           </a:bodyPr>
           <a:lstStyle/>
           <a:p>
-            <a:pPr marL="742950" indent="-742950">
-              <a:buFont typeface="+mj-lt"/>
-              <a:buAutoNum type="arabicPeriod"/>
-            </a:pPr>
-            <a:r>
-              <a:rPr lang="zh-CN" altLang="en-US" sz="3600" dirty="0"/>
-              <a:t>支持层次坐标</a:t>
-            </a:r>
-            <a:endParaRPr lang="en-US" altLang="zh-CN" sz="3600" dirty="0"/>
-          </a:p>
-          <a:p>
-            <a:pPr marL="742950" indent="-742950">
-              <a:buFont typeface="+mj-lt"/>
-              <a:buAutoNum type="arabicPeriod"/>
-            </a:pPr>
-            <a:r>
-              <a:rPr lang="zh-CN" altLang="en-US" sz="3600" dirty="0"/>
-              <a:t>支持</a:t>
-            </a:r>
-            <a:r>
-              <a:rPr lang="en-US" altLang="zh-CN" sz="3600" dirty="0"/>
-              <a:t>Lambda</a:t>
-            </a:r>
-            <a:r>
-              <a:rPr lang="zh-CN" altLang="en-US" sz="3600" dirty="0"/>
-              <a:t>表达式和</a:t>
-            </a:r>
-            <a:r>
-              <a:rPr lang="en-US" altLang="zh-CN" sz="3600" dirty="0"/>
-              <a:t>map/filter</a:t>
-            </a:r>
-            <a:r>
-              <a:rPr lang="zh-CN" altLang="en-US" sz="3600" dirty="0"/>
-              <a:t>等集合运算</a:t>
-            </a:r>
-            <a:endParaRPr lang="en-US" altLang="zh-CN" sz="3600" dirty="0"/>
-          </a:p>
-          <a:p>
-            <a:pPr marL="742950" indent="-742950">
-              <a:buFont typeface="+mj-lt"/>
-              <a:buAutoNum type="arabicPeriod"/>
-            </a:pPr>
-            <a:r>
-              <a:rPr lang="zh-CN" altLang="en-US" sz="3600" dirty="0"/>
-              <a:t>支持对象函数</a:t>
-            </a:r>
-            <a:endParaRPr lang="en-US" altLang="zh-CN" sz="3600" dirty="0"/>
-          </a:p>
-          <a:p>
-            <a:pPr marL="742950" indent="-742950">
-              <a:buFont typeface="+mj-lt"/>
-              <a:buAutoNum type="arabicPeriod"/>
-            </a:pPr>
-            <a:r>
-              <a:rPr lang="zh-CN" altLang="en-US" sz="3600" dirty="0"/>
-              <a:t>支持自定义函数和自定义对象</a:t>
-            </a:r>
-            <a:endParaRPr lang="en-US" altLang="zh-CN" sz="3600" dirty="0"/>
-          </a:p>
-          <a:p>
-            <a:pPr marL="742950" indent="-742950">
-              <a:buFont typeface="+mj-lt"/>
-              <a:buAutoNum type="arabicPeriod"/>
-            </a:pPr>
-            <a:r>
-              <a:rPr lang="zh-CN" altLang="en-US" sz="3600" dirty="0"/>
-              <a:t>函数的缓存优化</a:t>
-            </a:r>
-          </a:p>
-          <a:p>
-            <a:endParaRPr lang="zh-CN" altLang="en-US" sz="3600" dirty="0"/>
+            <a:r>
+              <a:rPr lang="en-US" altLang="zh-CN" sz="2800" dirty="0"/>
+              <a:t>ds1.field(“xxx”)</a:t>
+            </a:r>
+          </a:p>
+          <a:p>
+            <a:r>
+              <a:rPr lang="en-US" altLang="zh-CN" sz="2800" dirty="0"/>
+              <a:t>ds1.group(“xxx”)</a:t>
+            </a:r>
+          </a:p>
+          <a:p>
+            <a:r>
+              <a:rPr lang="zh-CN" altLang="en-US" sz="2800" dirty="0"/>
+              <a:t>在不同的单元格中执行时返回的结果不同</a:t>
+            </a:r>
+          </a:p>
+        </p:txBody>
+      </p:sp>
+      <p:sp>
+        <p:nvSpPr>
+          <p:cNvPr id="8" name="文本框 7">
+            <a:extLst>
+              <a:ext uri="{FF2B5EF4-FFF2-40B4-BE49-F238E27FC236}">
+                <a16:creationId xmlns:a16="http://schemas.microsoft.com/office/drawing/2014/main" id="{33650E84-9998-01F9-5FD4-8DB211388CE2}"/>
+              </a:ext>
+            </a:extLst>
+          </p:cNvPr>
+          <p:cNvSpPr txBox="1"/>
+          <p:nvPr/>
+        </p:nvSpPr>
+        <p:spPr>
+          <a:xfrm>
+            <a:off x="963380" y="2598385"/>
+            <a:ext cx="5721412" cy="523220"/>
+          </a:xfrm>
+          <a:prstGeom prst="rect">
+            <a:avLst/>
+          </a:prstGeom>
+          <a:noFill/>
+        </p:spPr>
+        <p:txBody>
+          <a:bodyPr wrap="square" rtlCol="0">
+            <a:spAutoFit/>
+          </a:bodyPr>
+          <a:lstStyle/>
+          <a:p>
+            <a:r>
+              <a:rPr lang="zh-CN" altLang="en-US" sz="2800" b="1" dirty="0"/>
+              <a:t>表达式引擎不需要具有</a:t>
+            </a:r>
+            <a:r>
+              <a:rPr lang="en-US" altLang="zh-CN" sz="2800" b="1" dirty="0"/>
+              <a:t>ds</a:t>
+            </a:r>
+            <a:r>
+              <a:rPr lang="zh-CN" altLang="en-US" sz="2800" b="1" dirty="0"/>
+              <a:t>的知识</a:t>
+            </a:r>
           </a:p>
         </p:txBody>
       </p:sp>
     </p:spTree>
     <p:extLst>
       <p:ext uri="{BB962C8B-B14F-4D97-AF65-F5344CB8AC3E}">
-        <p14:creationId xmlns:p14="http://schemas.microsoft.com/office/powerpoint/2010/main" val="1820665276"/>
+        <p14:creationId xmlns:p14="http://schemas.microsoft.com/office/powerpoint/2010/main" val="751966443"/>
       </p:ext>
     </p:extLst>
   </p:cSld>
@@ -4426,60 +4464,26 @@
           <a:p>
             <a:r>
               <a:rPr lang="zh-CN" altLang="en-US" sz="4000" b="1" dirty="0"/>
-              <a:t>动态数据集</a:t>
-            </a:r>
-          </a:p>
-        </p:txBody>
-      </p:sp>
-      <p:sp>
-        <p:nvSpPr>
-          <p:cNvPr id="7" name="文本框 6">
-            <a:extLst>
-              <a:ext uri="{FF2B5EF4-FFF2-40B4-BE49-F238E27FC236}">
-                <a16:creationId xmlns:a16="http://schemas.microsoft.com/office/drawing/2014/main" id="{80AA2B11-A697-FB7B-4B42-707EB911F504}"/>
-              </a:ext>
-            </a:extLst>
-          </p:cNvPr>
-          <p:cNvSpPr txBox="1"/>
-          <p:nvPr/>
-        </p:nvSpPr>
-        <p:spPr>
-          <a:xfrm>
-            <a:off x="963380" y="1637414"/>
-            <a:ext cx="10769707" cy="646331"/>
-          </a:xfrm>
-          <a:prstGeom prst="rect">
-            <a:avLst/>
-          </a:prstGeom>
-          <a:noFill/>
-        </p:spPr>
-        <p:txBody>
-          <a:bodyPr wrap="square">
-            <a:spAutoFit/>
-          </a:bodyPr>
-          <a:lstStyle/>
-          <a:p>
-            <a:r>
-              <a:rPr lang="zh-CN" altLang="en-US" sz="3600" dirty="0"/>
-              <a:t>根据父格的</a:t>
-            </a:r>
-            <a:r>
-              <a:rPr lang="en-US" altLang="zh-CN" sz="3600" dirty="0" err="1"/>
-              <a:t>expandedValue</a:t>
-            </a:r>
-            <a:r>
-              <a:rPr lang="zh-CN" altLang="en-US" sz="3600" dirty="0"/>
-              <a:t>的交集确定当前数据集合</a:t>
-            </a:r>
+              <a:t>报表上下文</a:t>
+            </a:r>
+            <a:r>
+              <a:rPr lang="en-US" altLang="zh-CN" sz="4000" b="1" dirty="0"/>
+              <a:t>: </a:t>
+            </a:r>
+            <a:r>
+              <a:rPr lang="en-US" altLang="zh-CN" sz="4000" b="1" dirty="0" err="1"/>
+              <a:t>XptRuntime</a:t>
+            </a:r>
+            <a:endParaRPr lang="zh-CN" altLang="en-US" sz="4000" b="1" dirty="0"/>
           </a:p>
         </p:txBody>
       </p:sp>
       <p:pic>
         <p:nvPicPr>
-          <p:cNvPr id="4" name="图片 3">
-            <a:extLst>
-              <a:ext uri="{FF2B5EF4-FFF2-40B4-BE49-F238E27FC236}">
-                <a16:creationId xmlns:a16="http://schemas.microsoft.com/office/drawing/2014/main" id="{584C0188-1934-9282-699A-92372C5515A3}"/>
+          <p:cNvPr id="6" name="图片 5">
+            <a:extLst>
+              <a:ext uri="{FF2B5EF4-FFF2-40B4-BE49-F238E27FC236}">
+                <a16:creationId xmlns:a16="http://schemas.microsoft.com/office/drawing/2014/main" id="{62FDB050-2DF7-37F8-0912-A6866CDF3CB0}"/>
               </a:ext>
             </a:extLst>
           </p:cNvPr>
@@ -4489,21 +4493,15 @@
           <p:nvPr/>
         </p:nvPicPr>
         <p:blipFill>
-          <a:blip r:embed="rId2">
-            <a:extLst>
-              <a:ext uri="{28A0092B-C50C-407E-A947-70E740481C1C}">
-                <a14:useLocalDpi xmlns:a14="http://schemas.microsoft.com/office/drawing/2010/main" val="0"/>
-              </a:ext>
-            </a:extLst>
-          </a:blip>
+          <a:blip r:embed="rId2"/>
           <a:stretch>
             <a:fillRect/>
           </a:stretch>
         </p:blipFill>
         <p:spPr>
           <a:xfrm>
-            <a:off x="2775314" y="2859995"/>
-            <a:ext cx="6255671" cy="3759565"/>
+            <a:off x="2126513" y="1322774"/>
+            <a:ext cx="5411972" cy="5290160"/>
           </a:xfrm>
           <a:prstGeom prst="rect">
             <a:avLst/>
@@ -4512,10 +4510,10 @@
       </p:pic>
       <p:sp>
         <p:nvSpPr>
-          <p:cNvPr id="5" name="文本框 4">
-            <a:extLst>
-              <a:ext uri="{FF2B5EF4-FFF2-40B4-BE49-F238E27FC236}">
-                <a16:creationId xmlns:a16="http://schemas.microsoft.com/office/drawing/2014/main" id="{036033FF-7391-CCBE-2DB7-55ABED3EF5A3}"/>
+          <p:cNvPr id="9" name="文本框 8">
+            <a:extLst>
+              <a:ext uri="{FF2B5EF4-FFF2-40B4-BE49-F238E27FC236}">
+                <a16:creationId xmlns:a16="http://schemas.microsoft.com/office/drawing/2014/main" id="{3AC6B7EC-DBD7-4D08-5034-DF250A6CC6BC}"/>
               </a:ext>
             </a:extLst>
           </p:cNvPr>
@@ -4524,8 +4522,8 @@
         </p:nvSpPr>
         <p:spPr>
           <a:xfrm>
-            <a:off x="8250148" y="3195263"/>
-            <a:ext cx="3482939" cy="1815882"/>
+            <a:off x="7421526" y="1634994"/>
+            <a:ext cx="3700130" cy="2062103"/>
           </a:xfrm>
           <a:prstGeom prst="rect">
             <a:avLst/>
@@ -4539,63 +4537,8 @@
           <a:lstStyle/>
           <a:p>
             <a:r>
-              <a:rPr lang="en-US" altLang="zh-CN" sz="2800" dirty="0"/>
-              <a:t>ds1.field(“xxx”)</a:t>
-            </a:r>
-          </a:p>
-          <a:p>
-            <a:r>
-              <a:rPr lang="en-US" altLang="zh-CN" sz="2800" dirty="0"/>
-              <a:t>ds1.group(“xxx”)</a:t>
-            </a:r>
-          </a:p>
-          <a:p>
-            <a:r>
-              <a:rPr lang="zh-CN" altLang="en-US" sz="2800" dirty="0"/>
-              <a:t>在不同的单元格中执行时返回的结果不同</a:t>
-            </a:r>
-          </a:p>
-        </p:txBody>
-      </p:sp>
-      <p:sp>
-        <p:nvSpPr>
-          <p:cNvPr id="8" name="文本框 7">
-            <a:extLst>
-              <a:ext uri="{FF2B5EF4-FFF2-40B4-BE49-F238E27FC236}">
-                <a16:creationId xmlns:a16="http://schemas.microsoft.com/office/drawing/2014/main" id="{33650E84-9998-01F9-5FD4-8DB211388CE2}"/>
-              </a:ext>
-            </a:extLst>
-          </p:cNvPr>
-          <p:cNvSpPr txBox="1"/>
-          <p:nvPr/>
-        </p:nvSpPr>
-        <p:spPr>
-          <a:xfrm>
-            <a:off x="963380" y="2598385"/>
-            <a:ext cx="5721412" cy="523220"/>
-          </a:xfrm>
-          <a:prstGeom prst="rect">
-            <a:avLst/>
-          </a:prstGeom>
-          <a:noFill/>
-        </p:spPr>
-        <p:txBody>
-          <a:bodyPr wrap="square" rtlCol="0">
-            <a:spAutoFit/>
-          </a:bodyPr>
-          <a:lstStyle/>
-          <a:p>
-            <a:r>
-              <a:rPr lang="zh-CN" altLang="en-US" sz="2800" b="1" dirty="0"/>
-              <a:t>表达式引擎不需要具有</a:t>
-            </a:r>
-            <a:r>
-              <a:rPr lang="en-US" altLang="zh-CN" sz="2800" b="1" dirty="0"/>
-              <a:t>ds</a:t>
-            </a:r>
-            <a:r>
-              <a:rPr lang="zh-CN" altLang="en-US" sz="2800" b="1" dirty="0"/>
-              <a:t>的知识</a:t>
+              <a:rPr lang="zh-CN" altLang="en-US" sz="3200" dirty="0"/>
+              <a:t>在报表生成过程中，记录当前所处理的单元格，获取当前可见的单元格等</a:t>
             </a:r>
           </a:p>
         </p:txBody>
@@ -4603,7 +4546,7 @@
     </p:spTree>
     <p:extLst>
       <p:ext uri="{BB962C8B-B14F-4D97-AF65-F5344CB8AC3E}">
-        <p14:creationId xmlns:p14="http://schemas.microsoft.com/office/powerpoint/2010/main" val="751966443"/>
+        <p14:creationId xmlns:p14="http://schemas.microsoft.com/office/powerpoint/2010/main" val="3296455445"/>
       </p:ext>
     </p:extLst>
   </p:cSld>
@@ -4630,94 +4573,12 @@
           <a:chExt cx="0" cy="0"/>
         </a:xfrm>
       </p:grpSpPr>
-      <p:sp>
-        <p:nvSpPr>
-          <p:cNvPr id="2" name="标题 1">
-            <a:extLst>
-              <a:ext uri="{FF2B5EF4-FFF2-40B4-BE49-F238E27FC236}">
-                <a16:creationId xmlns:a16="http://schemas.microsoft.com/office/drawing/2014/main" id="{7B078A78-F1A6-B200-A327-496477BABCB1}"/>
-              </a:ext>
-            </a:extLst>
-          </p:cNvPr>
-          <p:cNvSpPr>
-            <a:spLocks noGrp="1"/>
-          </p:cNvSpPr>
-          <p:nvPr>
-            <p:ph type="title"/>
-          </p:nvPr>
-        </p:nvSpPr>
-        <p:spPr>
-          <a:xfrm>
-            <a:off x="838200" y="365126"/>
-            <a:ext cx="9743983" cy="957648"/>
-          </a:xfrm>
-        </p:spPr>
-        <p:txBody>
-          <a:bodyPr>
-            <a:normAutofit/>
-          </a:bodyPr>
-          <a:lstStyle/>
-          <a:p>
-            <a:r>
-              <a:rPr lang="en-US" altLang="zh-CN" sz="4000" b="1" dirty="0"/>
-              <a:t>Excel</a:t>
-            </a:r>
-            <a:r>
-              <a:rPr lang="zh-CN" altLang="en-US" sz="4000" b="1" dirty="0"/>
-              <a:t>数据导入</a:t>
-            </a:r>
-          </a:p>
-        </p:txBody>
-      </p:sp>
-      <p:sp>
-        <p:nvSpPr>
-          <p:cNvPr id="7" name="文本框 6">
-            <a:extLst>
-              <a:ext uri="{FF2B5EF4-FFF2-40B4-BE49-F238E27FC236}">
-                <a16:creationId xmlns:a16="http://schemas.microsoft.com/office/drawing/2014/main" id="{80AA2B11-A697-FB7B-4B42-707EB911F504}"/>
-              </a:ext>
-            </a:extLst>
-          </p:cNvPr>
-          <p:cNvSpPr txBox="1"/>
-          <p:nvPr/>
-        </p:nvSpPr>
-        <p:spPr>
-          <a:xfrm>
-            <a:off x="963380" y="1637414"/>
-            <a:ext cx="10769707" cy="646331"/>
-          </a:xfrm>
-          <a:prstGeom prst="rect">
-            <a:avLst/>
-          </a:prstGeom>
-          <a:noFill/>
-        </p:spPr>
-        <p:txBody>
-          <a:bodyPr wrap="square">
-            <a:spAutoFit/>
-          </a:bodyPr>
-          <a:lstStyle/>
-          <a:p>
-            <a:r>
-              <a:rPr lang="zh-CN" altLang="en-US" sz="3600" dirty="0"/>
-              <a:t>针对任意</a:t>
-            </a:r>
-            <a:r>
-              <a:rPr lang="en-US" altLang="zh-CN" sz="3600" dirty="0"/>
-              <a:t>Tree</a:t>
-            </a:r>
-            <a:r>
-              <a:rPr lang="zh-CN" altLang="en-US" sz="3600" dirty="0"/>
-              <a:t>结构对象</a:t>
-            </a:r>
-          </a:p>
-        </p:txBody>
-      </p:sp>
       <p:pic>
         <p:nvPicPr>
-          <p:cNvPr id="13" name="图片 12">
-            <a:extLst>
-              <a:ext uri="{FF2B5EF4-FFF2-40B4-BE49-F238E27FC236}">
-                <a16:creationId xmlns:a16="http://schemas.microsoft.com/office/drawing/2014/main" id="{BB282271-137A-5C31-786F-2AA35053D39B}"/>
+          <p:cNvPr id="6" name="图片 5">
+            <a:extLst>
+              <a:ext uri="{FF2B5EF4-FFF2-40B4-BE49-F238E27FC236}">
+                <a16:creationId xmlns:a16="http://schemas.microsoft.com/office/drawing/2014/main" id="{F555E21C-878B-90AE-68D1-9387927872FE}"/>
               </a:ext>
             </a:extLst>
           </p:cNvPr>
@@ -4740,6 +4601,331 @@
         </p:blipFill>
         <p:spPr>
           <a:xfrm>
+            <a:off x="3551382" y="4059606"/>
+            <a:ext cx="5703546" cy="2321960"/>
+          </a:xfrm>
+          <a:prstGeom prst="rect">
+            <a:avLst/>
+          </a:prstGeom>
+        </p:spPr>
+      </p:pic>
+      <p:sp>
+        <p:nvSpPr>
+          <p:cNvPr id="2" name="标题 1">
+            <a:extLst>
+              <a:ext uri="{FF2B5EF4-FFF2-40B4-BE49-F238E27FC236}">
+                <a16:creationId xmlns:a16="http://schemas.microsoft.com/office/drawing/2014/main" id="{7B078A78-F1A6-B200-A327-496477BABCB1}"/>
+              </a:ext>
+            </a:extLst>
+          </p:cNvPr>
+          <p:cNvSpPr>
+            <a:spLocks noGrp="1"/>
+          </p:cNvSpPr>
+          <p:nvPr>
+            <p:ph type="title"/>
+          </p:nvPr>
+        </p:nvSpPr>
+        <p:spPr>
+          <a:xfrm>
+            <a:off x="838200" y="365126"/>
+            <a:ext cx="9743983" cy="957648"/>
+          </a:xfrm>
+        </p:spPr>
+        <p:txBody>
+          <a:bodyPr>
+            <a:normAutofit/>
+          </a:bodyPr>
+          <a:lstStyle/>
+          <a:p>
+            <a:r>
+              <a:rPr lang="zh-CN" altLang="en-US" sz="4000" b="1" dirty="0"/>
+              <a:t>报表表达式引擎设计</a:t>
+            </a:r>
+          </a:p>
+        </p:txBody>
+      </p:sp>
+      <p:sp>
+        <p:nvSpPr>
+          <p:cNvPr id="7" name="文本框 6">
+            <a:extLst>
+              <a:ext uri="{FF2B5EF4-FFF2-40B4-BE49-F238E27FC236}">
+                <a16:creationId xmlns:a16="http://schemas.microsoft.com/office/drawing/2014/main" id="{80AA2B11-A697-FB7B-4B42-707EB911F504}"/>
+              </a:ext>
+            </a:extLst>
+          </p:cNvPr>
+          <p:cNvSpPr txBox="1"/>
+          <p:nvPr/>
+        </p:nvSpPr>
+        <p:spPr>
+          <a:xfrm>
+            <a:off x="1148315" y="1637414"/>
+            <a:ext cx="9888279" cy="3416320"/>
+          </a:xfrm>
+          <a:prstGeom prst="rect">
+            <a:avLst/>
+          </a:prstGeom>
+          <a:noFill/>
+        </p:spPr>
+        <p:txBody>
+          <a:bodyPr wrap="square">
+            <a:spAutoFit/>
+          </a:bodyPr>
+          <a:lstStyle/>
+          <a:p>
+            <a:pPr marL="742950" indent="-742950">
+              <a:buFont typeface="+mj-lt"/>
+              <a:buAutoNum type="arabicPeriod"/>
+            </a:pPr>
+            <a:r>
+              <a:rPr lang="zh-CN" altLang="en-US" sz="3600" dirty="0"/>
+              <a:t>支持层次坐标</a:t>
+            </a:r>
+            <a:endParaRPr lang="en-US" altLang="zh-CN" sz="3600" dirty="0"/>
+          </a:p>
+          <a:p>
+            <a:pPr marL="742950" indent="-742950">
+              <a:buFont typeface="+mj-lt"/>
+              <a:buAutoNum type="arabicPeriod"/>
+            </a:pPr>
+            <a:r>
+              <a:rPr lang="zh-CN" altLang="en-US" sz="3600" dirty="0"/>
+              <a:t>支持</a:t>
+            </a:r>
+            <a:r>
+              <a:rPr lang="en-US" altLang="zh-CN" sz="3600" dirty="0"/>
+              <a:t>Lambda</a:t>
+            </a:r>
+            <a:r>
+              <a:rPr lang="zh-CN" altLang="en-US" sz="3600" dirty="0"/>
+              <a:t>表达式和</a:t>
+            </a:r>
+            <a:r>
+              <a:rPr lang="en-US" altLang="zh-CN" sz="3600" dirty="0"/>
+              <a:t>map/filter</a:t>
+            </a:r>
+            <a:r>
+              <a:rPr lang="zh-CN" altLang="en-US" sz="3600" dirty="0"/>
+              <a:t>等集合运算</a:t>
+            </a:r>
+            <a:endParaRPr lang="en-US" altLang="zh-CN" sz="3600" dirty="0"/>
+          </a:p>
+          <a:p>
+            <a:pPr marL="742950" indent="-742950">
+              <a:buFont typeface="+mj-lt"/>
+              <a:buAutoNum type="arabicPeriod"/>
+            </a:pPr>
+            <a:r>
+              <a:rPr lang="zh-CN" altLang="en-US" sz="3600" dirty="0"/>
+              <a:t>支持对象函数</a:t>
+            </a:r>
+            <a:endParaRPr lang="en-US" altLang="zh-CN" sz="3600" dirty="0"/>
+          </a:p>
+          <a:p>
+            <a:pPr marL="742950" indent="-742950">
+              <a:buFont typeface="+mj-lt"/>
+              <a:buAutoNum type="arabicPeriod"/>
+            </a:pPr>
+            <a:r>
+              <a:rPr lang="zh-CN" altLang="en-US" sz="3600" dirty="0"/>
+              <a:t>支持自定义函数和自定义对象</a:t>
+            </a:r>
+            <a:endParaRPr lang="en-US" altLang="zh-CN" sz="3600" dirty="0"/>
+          </a:p>
+          <a:p>
+            <a:pPr marL="742950" indent="-742950">
+              <a:buFont typeface="+mj-lt"/>
+              <a:buAutoNum type="arabicPeriod"/>
+            </a:pPr>
+            <a:r>
+              <a:rPr lang="zh-CN" altLang="en-US" sz="3600" dirty="0"/>
+              <a:t>函数的缓存优化</a:t>
+            </a:r>
+          </a:p>
+          <a:p>
+            <a:endParaRPr lang="zh-CN" altLang="en-US" sz="3600" dirty="0"/>
+          </a:p>
+        </p:txBody>
+      </p:sp>
+      <p:sp>
+        <p:nvSpPr>
+          <p:cNvPr id="3" name="文本框 2">
+            <a:extLst>
+              <a:ext uri="{FF2B5EF4-FFF2-40B4-BE49-F238E27FC236}">
+                <a16:creationId xmlns:a16="http://schemas.microsoft.com/office/drawing/2014/main" id="{D27404A2-EDA4-D315-81E0-8F591960B014}"/>
+              </a:ext>
+            </a:extLst>
+          </p:cNvPr>
+          <p:cNvSpPr txBox="1"/>
+          <p:nvPr/>
+        </p:nvSpPr>
+        <p:spPr>
+          <a:xfrm>
+            <a:off x="9375388" y="5053734"/>
+            <a:ext cx="2413590" cy="830997"/>
+          </a:xfrm>
+          <a:prstGeom prst="rect">
+            <a:avLst/>
+          </a:prstGeom>
+          <a:noFill/>
+        </p:spPr>
+        <p:txBody>
+          <a:bodyPr wrap="square" rtlCol="0">
+            <a:spAutoFit/>
+          </a:bodyPr>
+          <a:lstStyle/>
+          <a:p>
+            <a:r>
+              <a:rPr lang="zh-CN" altLang="en-US" sz="2400" dirty="0"/>
+              <a:t>如何实现</a:t>
+            </a:r>
+            <a:r>
+              <a:rPr lang="en-US" altLang="zh-CN" sz="2400" dirty="0"/>
+              <a:t>SUM(A1:B5)+C3</a:t>
+            </a:r>
+            <a:endParaRPr lang="zh-CN" altLang="en-US" sz="2400" dirty="0"/>
+          </a:p>
+        </p:txBody>
+      </p:sp>
+    </p:spTree>
+    <p:extLst>
+      <p:ext uri="{BB962C8B-B14F-4D97-AF65-F5344CB8AC3E}">
+        <p14:creationId xmlns:p14="http://schemas.microsoft.com/office/powerpoint/2010/main" val="1820665276"/>
+      </p:ext>
+    </p:extLst>
+  </p:cSld>
+  <p:clrMapOvr>
+    <a:masterClrMapping/>
+  </p:clrMapOvr>
+</p:sld>
+</file>
+
+<file path=ppt/slides/slide16.xml><?xml version="1.0" encoding="utf-8"?>
+<p:sld xmlns:a="http://schemas.openxmlformats.org/drawingml/2006/main" xmlns:r="http://schemas.openxmlformats.org/officeDocument/2006/relationships" xmlns:p="http://schemas.openxmlformats.org/presentationml/2006/main">
+  <p:cSld>
+    <p:spTree>
+      <p:nvGrpSpPr>
+        <p:cNvPr id="1" name=""/>
+        <p:cNvGrpSpPr/>
+        <p:nvPr/>
+      </p:nvGrpSpPr>
+      <p:grpSpPr>
+        <a:xfrm>
+          <a:off x="0" y="0"/>
+          <a:ext cx="0" cy="0"/>
+          <a:chOff x="0" y="0"/>
+          <a:chExt cx="0" cy="0"/>
+        </a:xfrm>
+      </p:grpSpPr>
+      <p:sp>
+        <p:nvSpPr>
+          <p:cNvPr id="2" name="标题 1">
+            <a:extLst>
+              <a:ext uri="{FF2B5EF4-FFF2-40B4-BE49-F238E27FC236}">
+                <a16:creationId xmlns:a16="http://schemas.microsoft.com/office/drawing/2014/main" id="{7B078A78-F1A6-B200-A327-496477BABCB1}"/>
+              </a:ext>
+            </a:extLst>
+          </p:cNvPr>
+          <p:cNvSpPr>
+            <a:spLocks noGrp="1"/>
+          </p:cNvSpPr>
+          <p:nvPr>
+            <p:ph type="title"/>
+          </p:nvPr>
+        </p:nvSpPr>
+        <p:spPr>
+          <a:xfrm>
+            <a:off x="838200" y="365126"/>
+            <a:ext cx="9743983" cy="957648"/>
+          </a:xfrm>
+        </p:spPr>
+        <p:txBody>
+          <a:bodyPr>
+            <a:normAutofit/>
+          </a:bodyPr>
+          <a:lstStyle/>
+          <a:p>
+            <a:r>
+              <a:rPr lang="en-US" altLang="zh-CN" sz="4000" b="1" dirty="0"/>
+              <a:t>Excel</a:t>
+            </a:r>
+            <a:r>
+              <a:rPr lang="zh-CN" altLang="en-US" sz="4000" b="1" dirty="0"/>
+              <a:t>数据导入</a:t>
+            </a:r>
+          </a:p>
+        </p:txBody>
+      </p:sp>
+      <p:sp>
+        <p:nvSpPr>
+          <p:cNvPr id="7" name="文本框 6">
+            <a:extLst>
+              <a:ext uri="{FF2B5EF4-FFF2-40B4-BE49-F238E27FC236}">
+                <a16:creationId xmlns:a16="http://schemas.microsoft.com/office/drawing/2014/main" id="{80AA2B11-A697-FB7B-4B42-707EB911F504}"/>
+              </a:ext>
+            </a:extLst>
+          </p:cNvPr>
+          <p:cNvSpPr txBox="1"/>
+          <p:nvPr/>
+        </p:nvSpPr>
+        <p:spPr>
+          <a:xfrm>
+            <a:off x="494747" y="1722085"/>
+            <a:ext cx="6957876" cy="646331"/>
+          </a:xfrm>
+          <a:prstGeom prst="rect">
+            <a:avLst/>
+          </a:prstGeom>
+          <a:noFill/>
+        </p:spPr>
+        <p:txBody>
+          <a:bodyPr wrap="square">
+            <a:spAutoFit/>
+          </a:bodyPr>
+          <a:lstStyle/>
+          <a:p>
+            <a:r>
+              <a:rPr lang="zh-CN" altLang="en-US" sz="3600" dirty="0"/>
+              <a:t>可以导入导出任意</a:t>
+            </a:r>
+            <a:r>
+              <a:rPr lang="en-US" altLang="zh-CN" sz="3600" dirty="0"/>
+              <a:t>Tree</a:t>
+            </a:r>
+            <a:r>
+              <a:rPr lang="zh-CN" altLang="en-US" sz="3600" dirty="0"/>
+              <a:t>结构对象</a:t>
+            </a:r>
+          </a:p>
+        </p:txBody>
+      </p:sp>
+      <p:pic>
+        <p:nvPicPr>
+          <p:cNvPr id="13" name="图片 12">
+            <a:extLst>
+              <a:ext uri="{FF2B5EF4-FFF2-40B4-BE49-F238E27FC236}">
+                <a16:creationId xmlns:a16="http://schemas.microsoft.com/office/drawing/2014/main" id="{BB282271-137A-5C31-786F-2AA35053D39B}"/>
+              </a:ext>
+            </a:extLst>
+          </p:cNvPr>
+          <p:cNvPicPr>
+            <a:picLocks noChangeAspect="1"/>
+          </p:cNvPicPr>
+          <p:nvPr/>
+        </p:nvPicPr>
+        <p:blipFill>
+          <a:blip r:embed="rId2">
+            <a:extLst>
+              <a:ext uri="{28A0092B-C50C-407E-A947-70E740481C1C}">
+                <a14:useLocalDpi xmlns:a14="http://schemas.microsoft.com/office/drawing/2010/main" val="0"/>
+              </a:ext>
+            </a:extLst>
+          </a:blip>
+          <a:stretch>
+            <a:fillRect/>
+          </a:stretch>
+        </p:blipFill>
+        <p:spPr>
+          <a:xfrm>
             <a:off x="409686" y="2767727"/>
             <a:ext cx="11372628" cy="968969"/>
           </a:xfrm>
@@ -4776,7 +4962,7 @@
         </p:blipFill>
         <p:spPr>
           <a:xfrm>
-            <a:off x="115136" y="4513889"/>
+            <a:off x="115136" y="4194908"/>
             <a:ext cx="12076864" cy="828671"/>
           </a:xfrm>
           <a:prstGeom prst="rect">
@@ -4784,10 +4970,195 @@
           </a:prstGeom>
         </p:spPr>
       </p:pic>
+      <p:sp>
+        <p:nvSpPr>
+          <p:cNvPr id="3" name="文本框 2">
+            <a:extLst>
+              <a:ext uri="{FF2B5EF4-FFF2-40B4-BE49-F238E27FC236}">
+                <a16:creationId xmlns:a16="http://schemas.microsoft.com/office/drawing/2014/main" id="{398E57FA-549C-AC5B-44F4-1FD33DCCB843}"/>
+              </a:ext>
+            </a:extLst>
+          </p:cNvPr>
+          <p:cNvSpPr txBox="1"/>
+          <p:nvPr/>
+        </p:nvSpPr>
+        <p:spPr>
+          <a:xfrm>
+            <a:off x="668413" y="5473422"/>
+            <a:ext cx="7720676" cy="646331"/>
+          </a:xfrm>
+          <a:prstGeom prst="rect">
+            <a:avLst/>
+          </a:prstGeom>
+          <a:noFill/>
+        </p:spPr>
+        <p:txBody>
+          <a:bodyPr wrap="square">
+            <a:spAutoFit/>
+          </a:bodyPr>
+          <a:lstStyle/>
+          <a:p>
+            <a:r>
+              <a:rPr lang="zh-CN" altLang="en-US" sz="3600" dirty="0"/>
+              <a:t>从导入模板自动生成导出报表模型</a:t>
+            </a:r>
+          </a:p>
+        </p:txBody>
+      </p:sp>
     </p:spTree>
     <p:extLst>
       <p:ext uri="{BB962C8B-B14F-4D97-AF65-F5344CB8AC3E}">
         <p14:creationId xmlns:p14="http://schemas.microsoft.com/office/powerpoint/2010/main" val="1669076735"/>
+      </p:ext>
+    </p:extLst>
+  </p:cSld>
+  <p:clrMapOvr>
+    <a:masterClrMapping/>
+  </p:clrMapOvr>
+</p:sld>
+</file>
+
+<file path=ppt/slides/slide17.xml><?xml version="1.0" encoding="utf-8"?>
+<p:sld xmlns:a="http://schemas.openxmlformats.org/drawingml/2006/main" xmlns:r="http://schemas.openxmlformats.org/officeDocument/2006/relationships" xmlns:p="http://schemas.openxmlformats.org/presentationml/2006/main">
+  <p:cSld>
+    <p:spTree>
+      <p:nvGrpSpPr>
+        <p:cNvPr id="1" name=""/>
+        <p:cNvGrpSpPr/>
+        <p:nvPr/>
+      </p:nvGrpSpPr>
+      <p:grpSpPr>
+        <a:xfrm>
+          <a:off x="0" y="0"/>
+          <a:ext cx="0" cy="0"/>
+          <a:chOff x="0" y="0"/>
+          <a:chExt cx="0" cy="0"/>
+        </a:xfrm>
+      </p:grpSpPr>
+      <p:sp>
+        <p:nvSpPr>
+          <p:cNvPr id="2" name="标题 1">
+            <a:extLst>
+              <a:ext uri="{FF2B5EF4-FFF2-40B4-BE49-F238E27FC236}">
+                <a16:creationId xmlns:a16="http://schemas.microsoft.com/office/drawing/2014/main" id="{7B078A78-F1A6-B200-A327-496477BABCB1}"/>
+              </a:ext>
+            </a:extLst>
+          </p:cNvPr>
+          <p:cNvSpPr>
+            <a:spLocks noGrp="1"/>
+          </p:cNvSpPr>
+          <p:nvPr>
+            <p:ph type="title"/>
+          </p:nvPr>
+        </p:nvSpPr>
+        <p:spPr>
+          <a:xfrm>
+            <a:off x="838200" y="365126"/>
+            <a:ext cx="9743983" cy="957648"/>
+          </a:xfrm>
+        </p:spPr>
+        <p:txBody>
+          <a:bodyPr>
+            <a:normAutofit/>
+          </a:bodyPr>
+          <a:lstStyle/>
+          <a:p>
+            <a:r>
+              <a:rPr lang="zh-CN" altLang="en-US" sz="4000" b="1" dirty="0"/>
+              <a:t>可扩展性设计</a:t>
+            </a:r>
+          </a:p>
+        </p:txBody>
+      </p:sp>
+      <p:sp>
+        <p:nvSpPr>
+          <p:cNvPr id="7" name="文本框 6">
+            <a:extLst>
+              <a:ext uri="{FF2B5EF4-FFF2-40B4-BE49-F238E27FC236}">
+                <a16:creationId xmlns:a16="http://schemas.microsoft.com/office/drawing/2014/main" id="{80AA2B11-A697-FB7B-4B42-707EB911F504}"/>
+              </a:ext>
+            </a:extLst>
+          </p:cNvPr>
+          <p:cNvSpPr txBox="1"/>
+          <p:nvPr/>
+        </p:nvSpPr>
+        <p:spPr>
+          <a:xfrm>
+            <a:off x="838200" y="2115880"/>
+            <a:ext cx="10769707" cy="1754326"/>
+          </a:xfrm>
+          <a:prstGeom prst="rect">
+            <a:avLst/>
+          </a:prstGeom>
+          <a:noFill/>
+        </p:spPr>
+        <p:txBody>
+          <a:bodyPr wrap="square">
+            <a:spAutoFit/>
+          </a:bodyPr>
+          <a:lstStyle/>
+          <a:p>
+            <a:pPr marL="742950" indent="-742950">
+              <a:buFont typeface="Wingdings" panose="05000000000000000000" pitchFamily="2" charset="2"/>
+              <a:buChar char="Ø"/>
+            </a:pPr>
+            <a:r>
+              <a:rPr lang="zh-CN" altLang="en-US" sz="3600" dirty="0"/>
+              <a:t>通过模板语言实现函数模板化</a:t>
+            </a:r>
+            <a:endParaRPr lang="en-US" altLang="zh-CN" sz="3600" dirty="0"/>
+          </a:p>
+          <a:p>
+            <a:pPr marL="742950" indent="-742950">
+              <a:buFont typeface="Wingdings" panose="05000000000000000000" pitchFamily="2" charset="2"/>
+              <a:buChar char="Ø"/>
+            </a:pPr>
+            <a:r>
+              <a:rPr lang="zh-CN" altLang="en-US" sz="3600" dirty="0"/>
+              <a:t>不需要</a:t>
+            </a:r>
+            <a:r>
+              <a:rPr lang="en-US" altLang="zh-CN" sz="3600" dirty="0"/>
+              <a:t>Plugin</a:t>
+            </a:r>
+            <a:r>
+              <a:rPr lang="zh-CN" altLang="en-US" sz="3600" dirty="0"/>
+              <a:t>或者</a:t>
+            </a:r>
+            <a:r>
+              <a:rPr lang="en-US" altLang="zh-CN" sz="3600" dirty="0"/>
+              <a:t>SPI</a:t>
+            </a:r>
+            <a:r>
+              <a:rPr lang="zh-CN" altLang="en-US" sz="3600" dirty="0"/>
+              <a:t>设计</a:t>
+            </a:r>
+            <a:endParaRPr lang="en-US" altLang="zh-CN" sz="3600" dirty="0"/>
+          </a:p>
+          <a:p>
+            <a:pPr marL="742950" indent="-742950">
+              <a:buFont typeface="Wingdings" panose="05000000000000000000" pitchFamily="2" charset="2"/>
+              <a:buChar char="Ø"/>
+            </a:pPr>
+            <a:r>
+              <a:rPr lang="zh-CN" altLang="en-US" sz="3600" dirty="0"/>
+              <a:t>直接将普通</a:t>
+            </a:r>
+            <a:r>
+              <a:rPr lang="en-US" altLang="zh-CN" sz="3600" dirty="0"/>
+              <a:t>Java</a:t>
+            </a:r>
+            <a:r>
+              <a:rPr lang="zh-CN" altLang="en-US" sz="3600" dirty="0"/>
+              <a:t>函数注册为报表表达式函数</a:t>
+            </a:r>
+          </a:p>
+        </p:txBody>
+      </p:sp>
+    </p:spTree>
+    <p:extLst>
+      <p:ext uri="{BB962C8B-B14F-4D97-AF65-F5344CB8AC3E}">
+        <p14:creationId xmlns:p14="http://schemas.microsoft.com/office/powerpoint/2010/main" val="2771770602"/>
       </p:ext>
     </p:extLst>
   </p:cSld>
